--- a/Presentaciones/Sprint 01_Review.pptx
+++ b/Presentaciones/Sprint 01_Review.pptx
@@ -5,7 +5,7 @@
     <p:sldMasterId id="2147483648" r:id="rId1"/>
   </p:sldMasterIdLst>
   <p:notesMasterIdLst>
-    <p:notesMasterId r:id="rId12"/>
+    <p:notesMasterId r:id="rId14"/>
   </p:notesMasterIdLst>
   <p:sldIdLst>
     <p:sldId id="256" r:id="rId2"/>
@@ -14,10 +14,12 @@
     <p:sldId id="259" r:id="rId5"/>
     <p:sldId id="297" r:id="rId6"/>
     <p:sldId id="301" r:id="rId7"/>
-    <p:sldId id="298" r:id="rId8"/>
-    <p:sldId id="299" r:id="rId9"/>
-    <p:sldId id="300" r:id="rId10"/>
-    <p:sldId id="296" r:id="rId11"/>
+    <p:sldId id="299" r:id="rId8"/>
+    <p:sldId id="302" r:id="rId9"/>
+    <p:sldId id="303" r:id="rId10"/>
+    <p:sldId id="298" r:id="rId11"/>
+    <p:sldId id="300" r:id="rId12"/>
+    <p:sldId id="296" r:id="rId13"/>
   </p:sldIdLst>
   <p:sldSz cx="12192000" cy="6858000"/>
   <p:notesSz cx="6858000" cy="9144000"/>
@@ -116,7 +118,1378 @@
       </a:defRPr>
     </a:lvl9pPr>
   </p:defaultTextStyle>
+  <p:extLst>
+    <p:ext uri="{EFAFB233-063F-42B5-8137-9DF3F51BA10A}">
+      <p15:sldGuideLst xmlns:p15="http://schemas.microsoft.com/office/powerpoint/2012/main"/>
+    </p:ext>
+  </p:extLst>
 </p:presentation>
+</file>
+
+<file path=ppt/charts/chart1.xml><?xml version="1.0" encoding="utf-8"?>
+<c:chartSpace xmlns:c="http://schemas.openxmlformats.org/drawingml/2006/chart" xmlns:a="http://schemas.openxmlformats.org/drawingml/2006/main" xmlns:r="http://schemas.openxmlformats.org/officeDocument/2006/relationships" xmlns:c16r2="http://schemas.microsoft.com/office/drawing/2015/06/chart">
+  <c:date1904 val="0"/>
+  <c:lang val="es-ES"/>
+  <c:roundedCorners val="0"/>
+  <mc:AlternateContent xmlns:mc="http://schemas.openxmlformats.org/markup-compatibility/2006">
+    <mc:Choice xmlns:c14="http://schemas.microsoft.com/office/drawing/2007/8/2/chart" Requires="c14">
+      <c14:style val="102"/>
+    </mc:Choice>
+    <mc:Fallback>
+      <c:style val="2"/>
+    </mc:Fallback>
+  </mc:AlternateContent>
+  <c:chart>
+    <c:title>
+      <c:tx>
+        <c:rich>
+          <a:bodyPr rot="0" spcFirstLastPara="1" vertOverflow="ellipsis" vert="horz" wrap="square" anchor="ctr" anchorCtr="1"/>
+          <a:lstStyle/>
+          <a:p>
+            <a:pPr>
+              <a:defRPr sz="1400" b="1" i="0" u="none" strike="noStrike" kern="1200" spc="0" baseline="0">
+                <a:solidFill>
+                  <a:schemeClr val="tx1">
+                    <a:lumMod val="65000"/>
+                    <a:lumOff val="35000"/>
+                  </a:schemeClr>
+                </a:solidFill>
+                <a:latin typeface="+mn-lt"/>
+                <a:ea typeface="+mn-ea"/>
+                <a:cs typeface="+mn-cs"/>
+              </a:defRPr>
+            </a:pPr>
+            <a:r>
+              <a:rPr lang="es-ES" b="1"/>
+              <a:t>Sprint 01 Burndown</a:t>
+            </a:r>
+          </a:p>
+        </c:rich>
+      </c:tx>
+      <c:overlay val="0"/>
+      <c:spPr>
+        <a:noFill/>
+        <a:ln>
+          <a:noFill/>
+        </a:ln>
+        <a:effectLst/>
+      </c:spPr>
+      <c:txPr>
+        <a:bodyPr rot="0" spcFirstLastPara="1" vertOverflow="ellipsis" vert="horz" wrap="square" anchor="ctr" anchorCtr="1"/>
+        <a:lstStyle/>
+        <a:p>
+          <a:pPr>
+            <a:defRPr sz="1400" b="1" i="0" u="none" strike="noStrike" kern="1200" spc="0" baseline="0">
+              <a:solidFill>
+                <a:schemeClr val="tx1">
+                  <a:lumMod val="65000"/>
+                  <a:lumOff val="35000"/>
+                </a:schemeClr>
+              </a:solidFill>
+              <a:latin typeface="+mn-lt"/>
+              <a:ea typeface="+mn-ea"/>
+              <a:cs typeface="+mn-cs"/>
+            </a:defRPr>
+          </a:pPr>
+          <a:endParaRPr lang="es-ES"/>
+        </a:p>
+      </c:txPr>
+    </c:title>
+    <c:autoTitleDeleted val="0"/>
+    <c:plotArea>
+      <c:layout/>
+      <c:lineChart>
+        <c:grouping val="standard"/>
+        <c:varyColors val="0"/>
+        <c:ser>
+          <c:idx val="0"/>
+          <c:order val="0"/>
+          <c:tx>
+            <c:strRef>
+              <c:f>'Burndown Chart'!$E$6</c:f>
+              <c:strCache>
+                <c:ptCount val="1"/>
+                <c:pt idx="0">
+                  <c:v>Pendientes (real)</c:v>
+                </c:pt>
+              </c:strCache>
+            </c:strRef>
+          </c:tx>
+          <c:spPr>
+            <a:ln w="28575" cap="rnd">
+              <a:solidFill>
+                <a:schemeClr val="accent1"/>
+              </a:solidFill>
+              <a:round/>
+            </a:ln>
+            <a:effectLst/>
+          </c:spPr>
+          <c:marker>
+            <c:symbol val="none"/>
+          </c:marker>
+          <c:dLbls>
+            <c:spPr>
+              <a:noFill/>
+              <a:ln>
+                <a:noFill/>
+              </a:ln>
+              <a:effectLst/>
+            </c:spPr>
+            <c:txPr>
+              <a:bodyPr rot="0" spcFirstLastPara="1" vertOverflow="ellipsis" vert="horz" wrap="square" lIns="38100" tIns="19050" rIns="38100" bIns="19050" anchor="ctr" anchorCtr="1">
+                <a:spAutoFit/>
+              </a:bodyPr>
+              <a:lstStyle/>
+              <a:p>
+                <a:pPr>
+                  <a:defRPr sz="900" b="1" i="0" u="none" strike="noStrike" kern="1200" baseline="0">
+                    <a:solidFill>
+                      <a:schemeClr val="tx1">
+                        <a:lumMod val="75000"/>
+                        <a:lumOff val="25000"/>
+                      </a:schemeClr>
+                    </a:solidFill>
+                    <a:latin typeface="+mn-lt"/>
+                    <a:ea typeface="+mn-ea"/>
+                    <a:cs typeface="+mn-cs"/>
+                  </a:defRPr>
+                </a:pPr>
+                <a:endParaRPr lang="es-ES"/>
+              </a:p>
+            </c:txPr>
+            <c:dLblPos val="b"/>
+            <c:showLegendKey val="0"/>
+            <c:showVal val="1"/>
+            <c:showCatName val="0"/>
+            <c:showSerName val="0"/>
+            <c:showPercent val="0"/>
+            <c:showBubbleSize val="0"/>
+            <c:showLeaderLines val="0"/>
+            <c:extLst>
+              <c:ext xmlns:c15="http://schemas.microsoft.com/office/drawing/2012/chart" uri="{CE6537A1-D6FC-4f65-9D91-7224C49458BB}">
+                <c15:showLeaderLines val="1"/>
+                <c15:leaderLines>
+                  <c:spPr>
+                    <a:ln w="9525" cap="flat" cmpd="sng" algn="ctr">
+                      <a:solidFill>
+                        <a:schemeClr val="tx1">
+                          <a:lumMod val="35000"/>
+                          <a:lumOff val="65000"/>
+                        </a:schemeClr>
+                      </a:solidFill>
+                      <a:round/>
+                    </a:ln>
+                    <a:effectLst/>
+                  </c:spPr>
+                </c15:leaderLines>
+              </c:ext>
+            </c:extLst>
+          </c:dLbls>
+          <c:cat>
+            <c:numRef>
+              <c:f>'Burndown Chart'!$B$7:$B$29</c:f>
+              <c:numCache>
+                <c:formatCode>m/d/yyyy</c:formatCode>
+                <c:ptCount val="23"/>
+                <c:pt idx="0">
+                  <c:v>45932</c:v>
+                </c:pt>
+                <c:pt idx="1">
+                  <c:v>45933</c:v>
+                </c:pt>
+                <c:pt idx="2">
+                  <c:v>45934</c:v>
+                </c:pt>
+                <c:pt idx="3">
+                  <c:v>45935</c:v>
+                </c:pt>
+                <c:pt idx="4">
+                  <c:v>45936</c:v>
+                </c:pt>
+                <c:pt idx="5">
+                  <c:v>45937</c:v>
+                </c:pt>
+                <c:pt idx="6">
+                  <c:v>45938</c:v>
+                </c:pt>
+                <c:pt idx="7">
+                  <c:v>45939</c:v>
+                </c:pt>
+                <c:pt idx="8">
+                  <c:v>45940</c:v>
+                </c:pt>
+                <c:pt idx="9">
+                  <c:v>45941</c:v>
+                </c:pt>
+                <c:pt idx="10">
+                  <c:v>45942</c:v>
+                </c:pt>
+                <c:pt idx="11">
+                  <c:v>45943</c:v>
+                </c:pt>
+                <c:pt idx="12">
+                  <c:v>45944</c:v>
+                </c:pt>
+                <c:pt idx="13">
+                  <c:v>45945</c:v>
+                </c:pt>
+                <c:pt idx="14">
+                  <c:v>45946</c:v>
+                </c:pt>
+                <c:pt idx="15">
+                  <c:v>45947</c:v>
+                </c:pt>
+                <c:pt idx="16">
+                  <c:v>45948</c:v>
+                </c:pt>
+                <c:pt idx="17">
+                  <c:v>45949</c:v>
+                </c:pt>
+                <c:pt idx="18">
+                  <c:v>45950</c:v>
+                </c:pt>
+                <c:pt idx="19">
+                  <c:v>45951</c:v>
+                </c:pt>
+                <c:pt idx="20">
+                  <c:v>45952</c:v>
+                </c:pt>
+                <c:pt idx="21">
+                  <c:v>45953</c:v>
+                </c:pt>
+                <c:pt idx="22">
+                  <c:v>45954</c:v>
+                </c:pt>
+              </c:numCache>
+            </c:numRef>
+          </c:cat>
+          <c:val>
+            <c:numRef>
+              <c:f>'Burndown Chart'!$E$7:$E$29</c:f>
+              <c:numCache>
+                <c:formatCode>General</c:formatCode>
+                <c:ptCount val="23"/>
+                <c:pt idx="0">
+                  <c:v>29</c:v>
+                </c:pt>
+                <c:pt idx="1">
+                  <c:v>29</c:v>
+                </c:pt>
+                <c:pt idx="2">
+                  <c:v>29</c:v>
+                </c:pt>
+                <c:pt idx="3">
+                  <c:v>29</c:v>
+                </c:pt>
+                <c:pt idx="4">
+                  <c:v>26</c:v>
+                </c:pt>
+                <c:pt idx="5">
+                  <c:v>24</c:v>
+                </c:pt>
+                <c:pt idx="6">
+                  <c:v>23</c:v>
+                </c:pt>
+                <c:pt idx="7">
+                  <c:v>19</c:v>
+                </c:pt>
+                <c:pt idx="8">
+                  <c:v>18</c:v>
+                </c:pt>
+                <c:pt idx="9">
+                  <c:v>16</c:v>
+                </c:pt>
+                <c:pt idx="10">
+                  <c:v>14</c:v>
+                </c:pt>
+                <c:pt idx="11">
+                  <c:v>13</c:v>
+                </c:pt>
+                <c:pt idx="12">
+                  <c:v>12</c:v>
+                </c:pt>
+                <c:pt idx="13">
+                  <c:v>10</c:v>
+                </c:pt>
+                <c:pt idx="14">
+                  <c:v>9</c:v>
+                </c:pt>
+                <c:pt idx="15">
+                  <c:v>8</c:v>
+                </c:pt>
+                <c:pt idx="16">
+                  <c:v>7</c:v>
+                </c:pt>
+                <c:pt idx="17">
+                  <c:v>6</c:v>
+                </c:pt>
+                <c:pt idx="18">
+                  <c:v>4</c:v>
+                </c:pt>
+                <c:pt idx="19">
+                  <c:v>2</c:v>
+                </c:pt>
+                <c:pt idx="20">
+                  <c:v>1</c:v>
+                </c:pt>
+                <c:pt idx="21">
+                  <c:v>0</c:v>
+                </c:pt>
+                <c:pt idx="22">
+                  <c:v>0</c:v>
+                </c:pt>
+              </c:numCache>
+            </c:numRef>
+          </c:val>
+          <c:smooth val="0"/>
+          <c:extLst>
+            <c:ext xmlns:c16="http://schemas.microsoft.com/office/drawing/2014/chart" uri="{C3380CC4-5D6E-409C-BE32-E72D297353CC}">
+              <c16:uniqueId val="{00000000-B50C-4C3F-A4B5-D01A74453F54}"/>
+            </c:ext>
+          </c:extLst>
+        </c:ser>
+        <c:ser>
+          <c:idx val="1"/>
+          <c:order val="1"/>
+          <c:tx>
+            <c:strRef>
+              <c:f>'Burndown Chart'!$F$6</c:f>
+              <c:strCache>
+                <c:ptCount val="1"/>
+                <c:pt idx="0">
+                  <c:v>Ideal (pendientes)</c:v>
+                </c:pt>
+              </c:strCache>
+            </c:strRef>
+          </c:tx>
+          <c:spPr>
+            <a:ln w="28575" cap="rnd">
+              <a:solidFill>
+                <a:schemeClr val="accent2"/>
+              </a:solidFill>
+              <a:round/>
+            </a:ln>
+            <a:effectLst/>
+          </c:spPr>
+          <c:marker>
+            <c:symbol val="none"/>
+          </c:marker>
+          <c:dLbls>
+            <c:delete val="1"/>
+          </c:dLbls>
+          <c:cat>
+            <c:numRef>
+              <c:f>'Burndown Chart'!$B$7:$B$29</c:f>
+              <c:numCache>
+                <c:formatCode>m/d/yyyy</c:formatCode>
+                <c:ptCount val="23"/>
+                <c:pt idx="0">
+                  <c:v>45932</c:v>
+                </c:pt>
+                <c:pt idx="1">
+                  <c:v>45933</c:v>
+                </c:pt>
+                <c:pt idx="2">
+                  <c:v>45934</c:v>
+                </c:pt>
+                <c:pt idx="3">
+                  <c:v>45935</c:v>
+                </c:pt>
+                <c:pt idx="4">
+                  <c:v>45936</c:v>
+                </c:pt>
+                <c:pt idx="5">
+                  <c:v>45937</c:v>
+                </c:pt>
+                <c:pt idx="6">
+                  <c:v>45938</c:v>
+                </c:pt>
+                <c:pt idx="7">
+                  <c:v>45939</c:v>
+                </c:pt>
+                <c:pt idx="8">
+                  <c:v>45940</c:v>
+                </c:pt>
+                <c:pt idx="9">
+                  <c:v>45941</c:v>
+                </c:pt>
+                <c:pt idx="10">
+                  <c:v>45942</c:v>
+                </c:pt>
+                <c:pt idx="11">
+                  <c:v>45943</c:v>
+                </c:pt>
+                <c:pt idx="12">
+                  <c:v>45944</c:v>
+                </c:pt>
+                <c:pt idx="13">
+                  <c:v>45945</c:v>
+                </c:pt>
+                <c:pt idx="14">
+                  <c:v>45946</c:v>
+                </c:pt>
+                <c:pt idx="15">
+                  <c:v>45947</c:v>
+                </c:pt>
+                <c:pt idx="16">
+                  <c:v>45948</c:v>
+                </c:pt>
+                <c:pt idx="17">
+                  <c:v>45949</c:v>
+                </c:pt>
+                <c:pt idx="18">
+                  <c:v>45950</c:v>
+                </c:pt>
+                <c:pt idx="19">
+                  <c:v>45951</c:v>
+                </c:pt>
+                <c:pt idx="20">
+                  <c:v>45952</c:v>
+                </c:pt>
+                <c:pt idx="21">
+                  <c:v>45953</c:v>
+                </c:pt>
+                <c:pt idx="22">
+                  <c:v>45954</c:v>
+                </c:pt>
+              </c:numCache>
+            </c:numRef>
+          </c:cat>
+          <c:val>
+            <c:numRef>
+              <c:f>'Burndown Chart'!$F$7:$F$29</c:f>
+              <c:numCache>
+                <c:formatCode>General</c:formatCode>
+                <c:ptCount val="23"/>
+                <c:pt idx="0">
+                  <c:v>29</c:v>
+                </c:pt>
+                <c:pt idx="1">
+                  <c:v>27.681818181818183</c:v>
+                </c:pt>
+                <c:pt idx="2">
+                  <c:v>26.363636363636363</c:v>
+                </c:pt>
+                <c:pt idx="3">
+                  <c:v>25.045454545454547</c:v>
+                </c:pt>
+                <c:pt idx="4">
+                  <c:v>23.727272727272727</c:v>
+                </c:pt>
+                <c:pt idx="5">
+                  <c:v>22.40909090909091</c:v>
+                </c:pt>
+                <c:pt idx="6">
+                  <c:v>21.09090909090909</c:v>
+                </c:pt>
+                <c:pt idx="7">
+                  <c:v>19.772727272727273</c:v>
+                </c:pt>
+                <c:pt idx="8">
+                  <c:v>18.454545454545453</c:v>
+                </c:pt>
+                <c:pt idx="9">
+                  <c:v>17.136363636363633</c:v>
+                </c:pt>
+                <c:pt idx="10">
+                  <c:v>15.818181818181817</c:v>
+                </c:pt>
+                <c:pt idx="11">
+                  <c:v>14.5</c:v>
+                </c:pt>
+                <c:pt idx="12">
+                  <c:v>13.181818181818183</c:v>
+                </c:pt>
+                <c:pt idx="13">
+                  <c:v>11.863636363636363</c:v>
+                </c:pt>
+                <c:pt idx="14">
+                  <c:v>10.545454545454545</c:v>
+                </c:pt>
+                <c:pt idx="15">
+                  <c:v>9.2272727272727284</c:v>
+                </c:pt>
+                <c:pt idx="16">
+                  <c:v>7.9090909090909083</c:v>
+                </c:pt>
+                <c:pt idx="17">
+                  <c:v>6.5909090909090917</c:v>
+                </c:pt>
+                <c:pt idx="18">
+                  <c:v>5.2727272727272716</c:v>
+                </c:pt>
+                <c:pt idx="19">
+                  <c:v>3.9545454545454541</c:v>
+                </c:pt>
+                <c:pt idx="20">
+                  <c:v>2.6363636363636371</c:v>
+                </c:pt>
+                <c:pt idx="21">
+                  <c:v>1.318181818181817</c:v>
+                </c:pt>
+                <c:pt idx="22">
+                  <c:v>0</c:v>
+                </c:pt>
+              </c:numCache>
+            </c:numRef>
+          </c:val>
+          <c:smooth val="0"/>
+          <c:extLst>
+            <c:ext xmlns:c16="http://schemas.microsoft.com/office/drawing/2014/chart" uri="{C3380CC4-5D6E-409C-BE32-E72D297353CC}">
+              <c16:uniqueId val="{00000001-B50C-4C3F-A4B5-D01A74453F54}"/>
+            </c:ext>
+          </c:extLst>
+        </c:ser>
+        <c:dLbls>
+          <c:dLblPos val="ctr"/>
+          <c:showLegendKey val="0"/>
+          <c:showVal val="1"/>
+          <c:showCatName val="0"/>
+          <c:showSerName val="0"/>
+          <c:showPercent val="0"/>
+          <c:showBubbleSize val="0"/>
+        </c:dLbls>
+        <c:smooth val="0"/>
+        <c:axId val="10"/>
+        <c:axId val="100"/>
+      </c:lineChart>
+      <c:catAx>
+        <c:axId val="10"/>
+        <c:scaling>
+          <c:orientation val="minMax"/>
+        </c:scaling>
+        <c:delete val="0"/>
+        <c:axPos val="b"/>
+        <c:title>
+          <c:tx>
+            <c:rich>
+              <a:bodyPr rot="0" spcFirstLastPara="1" vertOverflow="ellipsis" vert="horz" wrap="square" anchor="ctr" anchorCtr="1"/>
+              <a:lstStyle/>
+              <a:p>
+                <a:pPr>
+                  <a:defRPr sz="1000" b="0" i="0" u="none" strike="noStrike" kern="1200" baseline="0">
+                    <a:solidFill>
+                      <a:schemeClr val="tx1">
+                        <a:lumMod val="65000"/>
+                        <a:lumOff val="35000"/>
+                      </a:schemeClr>
+                    </a:solidFill>
+                    <a:latin typeface="+mn-lt"/>
+                    <a:ea typeface="+mn-ea"/>
+                    <a:cs typeface="+mn-cs"/>
+                  </a:defRPr>
+                </a:pPr>
+                <a:r>
+                  <a:rPr lang="es-ES"/>
+                  <a:t>Fecha</a:t>
+                </a:r>
+              </a:p>
+            </c:rich>
+          </c:tx>
+          <c:overlay val="0"/>
+          <c:spPr>
+            <a:noFill/>
+            <a:ln>
+              <a:noFill/>
+            </a:ln>
+            <a:effectLst/>
+          </c:spPr>
+          <c:txPr>
+            <a:bodyPr rot="0" spcFirstLastPara="1" vertOverflow="ellipsis" vert="horz" wrap="square" anchor="ctr" anchorCtr="1"/>
+            <a:lstStyle/>
+            <a:p>
+              <a:pPr>
+                <a:defRPr sz="1000" b="0" i="0" u="none" strike="noStrike" kern="1200" baseline="0">
+                  <a:solidFill>
+                    <a:schemeClr val="tx1">
+                      <a:lumMod val="65000"/>
+                      <a:lumOff val="35000"/>
+                    </a:schemeClr>
+                  </a:solidFill>
+                  <a:latin typeface="+mn-lt"/>
+                  <a:ea typeface="+mn-ea"/>
+                  <a:cs typeface="+mn-cs"/>
+                </a:defRPr>
+              </a:pPr>
+              <a:endParaRPr lang="es-ES"/>
+            </a:p>
+          </c:txPr>
+        </c:title>
+        <c:numFmt formatCode="m/d/yyyy" sourceLinked="1"/>
+        <c:majorTickMark val="none"/>
+        <c:minorTickMark val="none"/>
+        <c:tickLblPos val="nextTo"/>
+        <c:spPr>
+          <a:noFill/>
+          <a:ln w="9525" cap="flat" cmpd="sng" algn="ctr">
+            <a:solidFill>
+              <a:schemeClr val="tx1">
+                <a:lumMod val="15000"/>
+                <a:lumOff val="85000"/>
+              </a:schemeClr>
+            </a:solidFill>
+            <a:round/>
+          </a:ln>
+          <a:effectLst/>
+        </c:spPr>
+        <c:txPr>
+          <a:bodyPr rot="-60000000" spcFirstLastPara="1" vertOverflow="ellipsis" vert="horz" wrap="square" anchor="ctr" anchorCtr="1"/>
+          <a:lstStyle/>
+          <a:p>
+            <a:pPr>
+              <a:defRPr sz="900" b="0" i="0" u="none" strike="noStrike" kern="1200" baseline="0">
+                <a:solidFill>
+                  <a:schemeClr val="tx1">
+                    <a:lumMod val="65000"/>
+                    <a:lumOff val="35000"/>
+                  </a:schemeClr>
+                </a:solidFill>
+                <a:latin typeface="+mn-lt"/>
+                <a:ea typeface="+mn-ea"/>
+                <a:cs typeface="+mn-cs"/>
+              </a:defRPr>
+            </a:pPr>
+            <a:endParaRPr lang="es-ES"/>
+          </a:p>
+        </c:txPr>
+        <c:crossAx val="100"/>
+        <c:crosses val="autoZero"/>
+        <c:auto val="0"/>
+        <c:lblAlgn val="ctr"/>
+        <c:lblOffset val="100"/>
+        <c:noMultiLvlLbl val="0"/>
+      </c:catAx>
+      <c:valAx>
+        <c:axId val="100"/>
+        <c:scaling>
+          <c:orientation val="minMax"/>
+        </c:scaling>
+        <c:delete val="0"/>
+        <c:axPos val="l"/>
+        <c:majorGridlines>
+          <c:spPr>
+            <a:ln w="9525" cap="flat" cmpd="sng" algn="ctr">
+              <a:solidFill>
+                <a:schemeClr val="tx1">
+                  <a:lumMod val="15000"/>
+                  <a:lumOff val="85000"/>
+                </a:schemeClr>
+              </a:solidFill>
+              <a:round/>
+            </a:ln>
+            <a:effectLst/>
+          </c:spPr>
+        </c:majorGridlines>
+        <c:title>
+          <c:tx>
+            <c:rich>
+              <a:bodyPr rot="-5400000" spcFirstLastPara="1" vertOverflow="ellipsis" vert="horz" wrap="square" anchor="ctr" anchorCtr="1"/>
+              <a:lstStyle/>
+              <a:p>
+                <a:pPr>
+                  <a:defRPr sz="1000" b="0" i="0" u="none" strike="noStrike" kern="1200" baseline="0">
+                    <a:solidFill>
+                      <a:schemeClr val="tx1">
+                        <a:lumMod val="65000"/>
+                        <a:lumOff val="35000"/>
+                      </a:schemeClr>
+                    </a:solidFill>
+                    <a:latin typeface="+mn-lt"/>
+                    <a:ea typeface="+mn-ea"/>
+                    <a:cs typeface="+mn-cs"/>
+                  </a:defRPr>
+                </a:pPr>
+                <a:r>
+                  <a:rPr lang="es-ES"/>
+                  <a:t>Issues pendientes</a:t>
+                </a:r>
+              </a:p>
+            </c:rich>
+          </c:tx>
+          <c:overlay val="0"/>
+          <c:spPr>
+            <a:noFill/>
+            <a:ln>
+              <a:noFill/>
+            </a:ln>
+            <a:effectLst/>
+          </c:spPr>
+          <c:txPr>
+            <a:bodyPr rot="-5400000" spcFirstLastPara="1" vertOverflow="ellipsis" vert="horz" wrap="square" anchor="ctr" anchorCtr="1"/>
+            <a:lstStyle/>
+            <a:p>
+              <a:pPr>
+                <a:defRPr sz="1000" b="0" i="0" u="none" strike="noStrike" kern="1200" baseline="0">
+                  <a:solidFill>
+                    <a:schemeClr val="tx1">
+                      <a:lumMod val="65000"/>
+                      <a:lumOff val="35000"/>
+                    </a:schemeClr>
+                  </a:solidFill>
+                  <a:latin typeface="+mn-lt"/>
+                  <a:ea typeface="+mn-ea"/>
+                  <a:cs typeface="+mn-cs"/>
+                </a:defRPr>
+              </a:pPr>
+              <a:endParaRPr lang="es-ES"/>
+            </a:p>
+          </c:txPr>
+        </c:title>
+        <c:numFmt formatCode="General" sourceLinked="1"/>
+        <c:majorTickMark val="none"/>
+        <c:minorTickMark val="none"/>
+        <c:tickLblPos val="nextTo"/>
+        <c:spPr>
+          <a:noFill/>
+          <a:ln>
+            <a:noFill/>
+          </a:ln>
+          <a:effectLst/>
+        </c:spPr>
+        <c:txPr>
+          <a:bodyPr rot="-60000000" spcFirstLastPara="1" vertOverflow="ellipsis" vert="horz" wrap="square" anchor="ctr" anchorCtr="1"/>
+          <a:lstStyle/>
+          <a:p>
+            <a:pPr>
+              <a:defRPr sz="900" b="0" i="0" u="none" strike="noStrike" kern="1200" baseline="0">
+                <a:solidFill>
+                  <a:schemeClr val="tx1">
+                    <a:lumMod val="65000"/>
+                    <a:lumOff val="35000"/>
+                  </a:schemeClr>
+                </a:solidFill>
+                <a:latin typeface="+mn-lt"/>
+                <a:ea typeface="+mn-ea"/>
+                <a:cs typeface="+mn-cs"/>
+              </a:defRPr>
+            </a:pPr>
+            <a:endParaRPr lang="es-ES"/>
+          </a:p>
+        </c:txPr>
+        <c:crossAx val="10"/>
+        <c:crosses val="autoZero"/>
+        <c:crossBetween val="between"/>
+      </c:valAx>
+      <c:spPr>
+        <a:noFill/>
+        <a:ln>
+          <a:noFill/>
+        </a:ln>
+        <a:effectLst/>
+      </c:spPr>
+    </c:plotArea>
+    <c:legend>
+      <c:legendPos val="b"/>
+      <c:overlay val="0"/>
+      <c:spPr>
+        <a:noFill/>
+        <a:ln>
+          <a:noFill/>
+        </a:ln>
+        <a:effectLst/>
+      </c:spPr>
+      <c:txPr>
+        <a:bodyPr rot="0" spcFirstLastPara="1" vertOverflow="ellipsis" vert="horz" wrap="square" anchor="ctr" anchorCtr="1"/>
+        <a:lstStyle/>
+        <a:p>
+          <a:pPr>
+            <a:defRPr sz="900" b="0" i="0" u="none" strike="noStrike" kern="1200" baseline="0">
+              <a:solidFill>
+                <a:schemeClr val="tx1">
+                  <a:lumMod val="65000"/>
+                  <a:lumOff val="35000"/>
+                </a:schemeClr>
+              </a:solidFill>
+              <a:latin typeface="+mn-lt"/>
+              <a:ea typeface="+mn-ea"/>
+              <a:cs typeface="+mn-cs"/>
+            </a:defRPr>
+          </a:pPr>
+          <a:endParaRPr lang="es-ES"/>
+        </a:p>
+      </c:txPr>
+    </c:legend>
+    <c:plotVisOnly val="1"/>
+    <c:dispBlanksAs val="gap"/>
+    <c:showDLblsOverMax val="0"/>
+  </c:chart>
+  <c:spPr>
+    <a:noFill/>
+    <a:ln>
+      <a:noFill/>
+    </a:ln>
+    <a:effectLst/>
+  </c:spPr>
+  <c:txPr>
+    <a:bodyPr/>
+    <a:lstStyle/>
+    <a:p>
+      <a:pPr>
+        <a:defRPr/>
+      </a:pPr>
+      <a:endParaRPr lang="es-ES"/>
+    </a:p>
+  </c:txPr>
+  <c:externalData r:id="rId3">
+    <c:autoUpdate val="0"/>
+  </c:externalData>
+</c:chartSpace>
+</file>
+
+<file path=ppt/charts/colors1.xml><?xml version="1.0" encoding="utf-8"?>
+<cs:colorStyle xmlns:cs="http://schemas.microsoft.com/office/drawing/2012/chartStyle" xmlns:a="http://schemas.openxmlformats.org/drawingml/2006/main" meth="cycle" id="10">
+  <a:schemeClr val="accent1"/>
+  <a:schemeClr val="accent2"/>
+  <a:schemeClr val="accent3"/>
+  <a:schemeClr val="accent4"/>
+  <a:schemeClr val="accent5"/>
+  <a:schemeClr val="accent6"/>
+  <cs:variation/>
+  <cs:variation>
+    <a:lumMod val="60000"/>
+  </cs:variation>
+  <cs:variation>
+    <a:lumMod val="80000"/>
+    <a:lumOff val="20000"/>
+  </cs:variation>
+  <cs:variation>
+    <a:lumMod val="80000"/>
+  </cs:variation>
+  <cs:variation>
+    <a:lumMod val="60000"/>
+    <a:lumOff val="40000"/>
+  </cs:variation>
+  <cs:variation>
+    <a:lumMod val="50000"/>
+  </cs:variation>
+  <cs:variation>
+    <a:lumMod val="70000"/>
+    <a:lumOff val="30000"/>
+  </cs:variation>
+  <cs:variation>
+    <a:lumMod val="70000"/>
+  </cs:variation>
+  <cs:variation>
+    <a:lumMod val="50000"/>
+    <a:lumOff val="50000"/>
+  </cs:variation>
+</cs:colorStyle>
+</file>
+
+<file path=ppt/charts/style1.xml><?xml version="1.0" encoding="utf-8"?>
+<cs:chartStyle xmlns:cs="http://schemas.microsoft.com/office/drawing/2012/chartStyle" xmlns:a="http://schemas.openxmlformats.org/drawingml/2006/main" id="227">
+  <cs:axisTitle>
+    <cs:lnRef idx="0"/>
+    <cs:fillRef idx="0"/>
+    <cs:effectRef idx="0"/>
+    <cs:fontRef idx="minor">
+      <a:schemeClr val="tx1">
+        <a:lumMod val="65000"/>
+        <a:lumOff val="35000"/>
+      </a:schemeClr>
+    </cs:fontRef>
+    <cs:defRPr sz="1000" kern="1200"/>
+  </cs:axisTitle>
+  <cs:categoryAxis>
+    <cs:lnRef idx="0"/>
+    <cs:fillRef idx="0"/>
+    <cs:effectRef idx="0"/>
+    <cs:fontRef idx="minor">
+      <a:schemeClr val="tx1">
+        <a:lumMod val="65000"/>
+        <a:lumOff val="35000"/>
+      </a:schemeClr>
+    </cs:fontRef>
+    <cs:spPr>
+      <a:ln w="9525" cap="flat" cmpd="sng" algn="ctr">
+        <a:solidFill>
+          <a:schemeClr val="tx1">
+            <a:lumMod val="15000"/>
+            <a:lumOff val="85000"/>
+          </a:schemeClr>
+        </a:solidFill>
+        <a:round/>
+      </a:ln>
+    </cs:spPr>
+    <cs:defRPr sz="900" kern="1200"/>
+  </cs:categoryAxis>
+  <cs:chartArea mods="allowNoFillOverride allowNoLineOverride">
+    <cs:lnRef idx="0"/>
+    <cs:fillRef idx="0"/>
+    <cs:effectRef idx="0"/>
+    <cs:fontRef idx="minor">
+      <a:schemeClr val="tx1"/>
+    </cs:fontRef>
+    <cs:spPr>
+      <a:solidFill>
+        <a:schemeClr val="bg1"/>
+      </a:solidFill>
+      <a:ln w="9525" cap="flat" cmpd="sng" algn="ctr">
+        <a:solidFill>
+          <a:schemeClr val="tx1">
+            <a:lumMod val="15000"/>
+            <a:lumOff val="85000"/>
+          </a:schemeClr>
+        </a:solidFill>
+        <a:round/>
+      </a:ln>
+    </cs:spPr>
+    <cs:defRPr sz="1000" kern="1200"/>
+  </cs:chartArea>
+  <cs:dataLabel>
+    <cs:lnRef idx="0"/>
+    <cs:fillRef idx="0"/>
+    <cs:effectRef idx="0"/>
+    <cs:fontRef idx="minor">
+      <a:schemeClr val="tx1">
+        <a:lumMod val="75000"/>
+        <a:lumOff val="25000"/>
+      </a:schemeClr>
+    </cs:fontRef>
+    <cs:defRPr sz="900" kern="1200"/>
+  </cs:dataLabel>
+  <cs:dataLabelCallout>
+    <cs:lnRef idx="0"/>
+    <cs:fillRef idx="0"/>
+    <cs:effectRef idx="0"/>
+    <cs:fontRef idx="minor">
+      <a:schemeClr val="dk1">
+        <a:lumMod val="65000"/>
+        <a:lumOff val="35000"/>
+      </a:schemeClr>
+    </cs:fontRef>
+    <cs:spPr>
+      <a:solidFill>
+        <a:schemeClr val="lt1"/>
+      </a:solidFill>
+      <a:ln>
+        <a:solidFill>
+          <a:schemeClr val="dk1">
+            <a:lumMod val="25000"/>
+            <a:lumOff val="75000"/>
+          </a:schemeClr>
+        </a:solidFill>
+      </a:ln>
+    </cs:spPr>
+    <cs:defRPr sz="900" kern="1200"/>
+    <cs:bodyPr rot="0" spcFirstLastPara="1" vertOverflow="clip" horzOverflow="clip" vert="horz" wrap="square" lIns="36576" tIns="18288" rIns="36576" bIns="18288" anchor="ctr" anchorCtr="1">
+      <a:spAutoFit/>
+    </cs:bodyPr>
+  </cs:dataLabelCallout>
+  <cs:dataPoint>
+    <cs:lnRef idx="0"/>
+    <cs:fillRef idx="1">
+      <cs:styleClr val="auto"/>
+    </cs:fillRef>
+    <cs:effectRef idx="0"/>
+    <cs:fontRef idx="minor">
+      <a:schemeClr val="tx1"/>
+    </cs:fontRef>
+    <cs:spPr>
+      <a:solidFill>
+        <a:schemeClr val="phClr"/>
+      </a:solidFill>
+    </cs:spPr>
+  </cs:dataPoint>
+  <cs:dataPoint3D>
+    <cs:lnRef idx="0"/>
+    <cs:fillRef idx="1">
+      <cs:styleClr val="auto"/>
+    </cs:fillRef>
+    <cs:effectRef idx="0"/>
+    <cs:fontRef idx="minor">
+      <a:schemeClr val="tx1"/>
+    </cs:fontRef>
+    <cs:spPr>
+      <a:solidFill>
+        <a:schemeClr val="phClr"/>
+      </a:solidFill>
+    </cs:spPr>
+  </cs:dataPoint3D>
+  <cs:dataPointLine>
+    <cs:lnRef idx="0">
+      <cs:styleClr val="auto"/>
+    </cs:lnRef>
+    <cs:fillRef idx="1"/>
+    <cs:effectRef idx="0"/>
+    <cs:fontRef idx="minor">
+      <a:schemeClr val="tx1"/>
+    </cs:fontRef>
+    <cs:spPr>
+      <a:ln w="28575" cap="rnd">
+        <a:solidFill>
+          <a:schemeClr val="phClr"/>
+        </a:solidFill>
+        <a:round/>
+      </a:ln>
+    </cs:spPr>
+  </cs:dataPointLine>
+  <cs:dataPointMarker>
+    <cs:lnRef idx="0">
+      <cs:styleClr val="auto"/>
+    </cs:lnRef>
+    <cs:fillRef idx="1">
+      <cs:styleClr val="auto"/>
+    </cs:fillRef>
+    <cs:effectRef idx="0"/>
+    <cs:fontRef idx="minor">
+      <a:schemeClr val="tx1"/>
+    </cs:fontRef>
+    <cs:spPr>
+      <a:solidFill>
+        <a:schemeClr val="phClr"/>
+      </a:solidFill>
+      <a:ln w="9525">
+        <a:solidFill>
+          <a:schemeClr val="phClr"/>
+        </a:solidFill>
+      </a:ln>
+    </cs:spPr>
+  </cs:dataPointMarker>
+  <cs:dataPointMarkerLayout symbol="circle" size="5"/>
+  <cs:dataPointWireframe>
+    <cs:lnRef idx="0">
+      <cs:styleClr val="auto"/>
+    </cs:lnRef>
+    <cs:fillRef idx="1"/>
+    <cs:effectRef idx="0"/>
+    <cs:fontRef idx="minor">
+      <a:schemeClr val="tx1"/>
+    </cs:fontRef>
+    <cs:spPr>
+      <a:ln w="9525" cap="rnd">
+        <a:solidFill>
+          <a:schemeClr val="phClr"/>
+        </a:solidFill>
+        <a:round/>
+      </a:ln>
+    </cs:spPr>
+  </cs:dataPointWireframe>
+  <cs:dataTable>
+    <cs:lnRef idx="0"/>
+    <cs:fillRef idx="0"/>
+    <cs:effectRef idx="0"/>
+    <cs:fontRef idx="minor">
+      <a:schemeClr val="tx1">
+        <a:lumMod val="65000"/>
+        <a:lumOff val="35000"/>
+      </a:schemeClr>
+    </cs:fontRef>
+    <cs:spPr>
+      <a:noFill/>
+      <a:ln w="9525" cap="flat" cmpd="sng" algn="ctr">
+        <a:solidFill>
+          <a:schemeClr val="tx1">
+            <a:lumMod val="15000"/>
+            <a:lumOff val="85000"/>
+          </a:schemeClr>
+        </a:solidFill>
+        <a:round/>
+      </a:ln>
+    </cs:spPr>
+    <cs:defRPr sz="900" kern="1200"/>
+  </cs:dataTable>
+  <cs:downBar>
+    <cs:lnRef idx="0"/>
+    <cs:fillRef idx="0"/>
+    <cs:effectRef idx="0"/>
+    <cs:fontRef idx="minor">
+      <a:schemeClr val="dk1"/>
+    </cs:fontRef>
+    <cs:spPr>
+      <a:solidFill>
+        <a:schemeClr val="dk1">
+          <a:lumMod val="65000"/>
+          <a:lumOff val="35000"/>
+        </a:schemeClr>
+      </a:solidFill>
+      <a:ln w="9525">
+        <a:solidFill>
+          <a:schemeClr val="tx1">
+            <a:lumMod val="65000"/>
+            <a:lumOff val="35000"/>
+          </a:schemeClr>
+        </a:solidFill>
+      </a:ln>
+    </cs:spPr>
+  </cs:downBar>
+  <cs:dropLine>
+    <cs:lnRef idx="0"/>
+    <cs:fillRef idx="0"/>
+    <cs:effectRef idx="0"/>
+    <cs:fontRef idx="minor">
+      <a:schemeClr val="tx1"/>
+    </cs:fontRef>
+    <cs:spPr>
+      <a:ln w="9525" cap="flat" cmpd="sng" algn="ctr">
+        <a:solidFill>
+          <a:schemeClr val="tx1">
+            <a:lumMod val="35000"/>
+            <a:lumOff val="65000"/>
+          </a:schemeClr>
+        </a:solidFill>
+        <a:round/>
+      </a:ln>
+    </cs:spPr>
+  </cs:dropLine>
+  <cs:errorBar>
+    <cs:lnRef idx="0"/>
+    <cs:fillRef idx="0"/>
+    <cs:effectRef idx="0"/>
+    <cs:fontRef idx="minor">
+      <a:schemeClr val="tx1"/>
+    </cs:fontRef>
+    <cs:spPr>
+      <a:ln w="9525" cap="flat" cmpd="sng" algn="ctr">
+        <a:solidFill>
+          <a:schemeClr val="tx1">
+            <a:lumMod val="65000"/>
+            <a:lumOff val="35000"/>
+          </a:schemeClr>
+        </a:solidFill>
+        <a:round/>
+      </a:ln>
+    </cs:spPr>
+  </cs:errorBar>
+  <cs:floor>
+    <cs:lnRef idx="0"/>
+    <cs:fillRef idx="0"/>
+    <cs:effectRef idx="0"/>
+    <cs:fontRef idx="minor">
+      <a:schemeClr val="tx1"/>
+    </cs:fontRef>
+    <cs:spPr>
+      <a:noFill/>
+      <a:ln>
+        <a:noFill/>
+      </a:ln>
+    </cs:spPr>
+  </cs:floor>
+  <cs:gridlineMajor>
+    <cs:lnRef idx="0"/>
+    <cs:fillRef idx="0"/>
+    <cs:effectRef idx="0"/>
+    <cs:fontRef idx="minor">
+      <a:schemeClr val="tx1"/>
+    </cs:fontRef>
+    <cs:spPr>
+      <a:ln w="9525" cap="flat" cmpd="sng" algn="ctr">
+        <a:solidFill>
+          <a:schemeClr val="tx1">
+            <a:lumMod val="15000"/>
+            <a:lumOff val="85000"/>
+          </a:schemeClr>
+        </a:solidFill>
+        <a:round/>
+      </a:ln>
+    </cs:spPr>
+  </cs:gridlineMajor>
+  <cs:gridlineMinor>
+    <cs:lnRef idx="0"/>
+    <cs:fillRef idx="0"/>
+    <cs:effectRef idx="0"/>
+    <cs:fontRef idx="minor">
+      <a:schemeClr val="tx1"/>
+    </cs:fontRef>
+    <cs:spPr>
+      <a:ln w="9525" cap="flat" cmpd="sng" algn="ctr">
+        <a:solidFill>
+          <a:schemeClr val="tx1">
+            <a:lumMod val="5000"/>
+            <a:lumOff val="95000"/>
+          </a:schemeClr>
+        </a:solidFill>
+        <a:round/>
+      </a:ln>
+    </cs:spPr>
+  </cs:gridlineMinor>
+  <cs:hiLoLine>
+    <cs:lnRef idx="0"/>
+    <cs:fillRef idx="0"/>
+    <cs:effectRef idx="0"/>
+    <cs:fontRef idx="minor">
+      <a:schemeClr val="tx1"/>
+    </cs:fontRef>
+    <cs:spPr>
+      <a:ln w="9525" cap="flat" cmpd="sng" algn="ctr">
+        <a:solidFill>
+          <a:schemeClr val="tx1">
+            <a:lumMod val="75000"/>
+            <a:lumOff val="25000"/>
+          </a:schemeClr>
+        </a:solidFill>
+        <a:round/>
+      </a:ln>
+    </cs:spPr>
+  </cs:hiLoLine>
+  <cs:leaderLine>
+    <cs:lnRef idx="0"/>
+    <cs:fillRef idx="0"/>
+    <cs:effectRef idx="0"/>
+    <cs:fontRef idx="minor">
+      <a:schemeClr val="tx1"/>
+    </cs:fontRef>
+    <cs:spPr>
+      <a:ln w="9525" cap="flat" cmpd="sng" algn="ctr">
+        <a:solidFill>
+          <a:schemeClr val="tx1">
+            <a:lumMod val="35000"/>
+            <a:lumOff val="65000"/>
+          </a:schemeClr>
+        </a:solidFill>
+        <a:round/>
+      </a:ln>
+    </cs:spPr>
+  </cs:leaderLine>
+  <cs:legend>
+    <cs:lnRef idx="0"/>
+    <cs:fillRef idx="0"/>
+    <cs:effectRef idx="0"/>
+    <cs:fontRef idx="minor">
+      <a:schemeClr val="tx1">
+        <a:lumMod val="65000"/>
+        <a:lumOff val="35000"/>
+      </a:schemeClr>
+    </cs:fontRef>
+    <cs:defRPr sz="900" kern="1200"/>
+  </cs:legend>
+  <cs:plotArea mods="allowNoFillOverride allowNoLineOverride">
+    <cs:lnRef idx="0"/>
+    <cs:fillRef idx="0"/>
+    <cs:effectRef idx="0"/>
+    <cs:fontRef idx="minor">
+      <a:schemeClr val="tx1"/>
+    </cs:fontRef>
+  </cs:plotArea>
+  <cs:plotArea3D mods="allowNoFillOverride allowNoLineOverride">
+    <cs:lnRef idx="0"/>
+    <cs:fillRef idx="0"/>
+    <cs:effectRef idx="0"/>
+    <cs:fontRef idx="minor">
+      <a:schemeClr val="tx1"/>
+    </cs:fontRef>
+  </cs:plotArea3D>
+  <cs:seriesAxis>
+    <cs:lnRef idx="0"/>
+    <cs:fillRef idx="0"/>
+    <cs:effectRef idx="0"/>
+    <cs:fontRef idx="minor">
+      <a:schemeClr val="tx1">
+        <a:lumMod val="65000"/>
+        <a:lumOff val="35000"/>
+      </a:schemeClr>
+    </cs:fontRef>
+    <cs:defRPr sz="900" kern="1200"/>
+  </cs:seriesAxis>
+  <cs:seriesLine>
+    <cs:lnRef idx="0"/>
+    <cs:fillRef idx="0"/>
+    <cs:effectRef idx="0"/>
+    <cs:fontRef idx="minor">
+      <a:schemeClr val="tx1"/>
+    </cs:fontRef>
+    <cs:spPr>
+      <a:ln w="9525" cap="flat" cmpd="sng" algn="ctr">
+        <a:solidFill>
+          <a:schemeClr val="tx1">
+            <a:lumMod val="35000"/>
+            <a:lumOff val="65000"/>
+          </a:schemeClr>
+        </a:solidFill>
+        <a:round/>
+      </a:ln>
+    </cs:spPr>
+  </cs:seriesLine>
+  <cs:title>
+    <cs:lnRef idx="0"/>
+    <cs:fillRef idx="0"/>
+    <cs:effectRef idx="0"/>
+    <cs:fontRef idx="minor">
+      <a:schemeClr val="tx1">
+        <a:lumMod val="65000"/>
+        <a:lumOff val="35000"/>
+      </a:schemeClr>
+    </cs:fontRef>
+    <cs:defRPr sz="1400" b="0" kern="1200" spc="0" baseline="0"/>
+  </cs:title>
+  <cs:trendline>
+    <cs:lnRef idx="0">
+      <cs:styleClr val="auto"/>
+    </cs:lnRef>
+    <cs:fillRef idx="0"/>
+    <cs:effectRef idx="0"/>
+    <cs:fontRef idx="minor">
+      <a:schemeClr val="tx1"/>
+    </cs:fontRef>
+    <cs:spPr>
+      <a:ln w="19050" cap="rnd">
+        <a:solidFill>
+          <a:schemeClr val="phClr"/>
+        </a:solidFill>
+        <a:prstDash val="sysDot"/>
+      </a:ln>
+    </cs:spPr>
+  </cs:trendline>
+  <cs:trendlineLabel>
+    <cs:lnRef idx="0"/>
+    <cs:fillRef idx="0"/>
+    <cs:effectRef idx="0"/>
+    <cs:fontRef idx="minor">
+      <a:schemeClr val="tx1">
+        <a:lumMod val="65000"/>
+        <a:lumOff val="35000"/>
+      </a:schemeClr>
+    </cs:fontRef>
+    <cs:defRPr sz="900" kern="1200"/>
+  </cs:trendlineLabel>
+  <cs:upBar>
+    <cs:lnRef idx="0"/>
+    <cs:fillRef idx="0"/>
+    <cs:effectRef idx="0"/>
+    <cs:fontRef idx="minor">
+      <a:schemeClr val="dk1"/>
+    </cs:fontRef>
+    <cs:spPr>
+      <a:solidFill>
+        <a:schemeClr val="lt1"/>
+      </a:solidFill>
+      <a:ln w="9525">
+        <a:solidFill>
+          <a:schemeClr val="tx1">
+            <a:lumMod val="15000"/>
+            <a:lumOff val="85000"/>
+          </a:schemeClr>
+        </a:solidFill>
+      </a:ln>
+    </cs:spPr>
+  </cs:upBar>
+  <cs:valueAxis>
+    <cs:lnRef idx="0"/>
+    <cs:fillRef idx="0"/>
+    <cs:effectRef idx="0"/>
+    <cs:fontRef idx="minor">
+      <a:schemeClr val="tx1">
+        <a:lumMod val="65000"/>
+        <a:lumOff val="35000"/>
+      </a:schemeClr>
+    </cs:fontRef>
+    <cs:defRPr sz="900" kern="1200"/>
+  </cs:valueAxis>
+  <cs:wall>
+    <cs:lnRef idx="0"/>
+    <cs:fillRef idx="0"/>
+    <cs:effectRef idx="0"/>
+    <cs:fontRef idx="minor">
+      <a:schemeClr val="tx1"/>
+    </cs:fontRef>
+    <cs:spPr>
+      <a:noFill/>
+      <a:ln>
+        <a:noFill/>
+      </a:ln>
+    </cs:spPr>
+  </cs:wall>
+</cs:chartStyle>
 </file>
 
 <file path=ppt/notesMasters/notesMaster1.xml><?xml version="1.0" encoding="utf-8"?>
@@ -664,6 +2037,156 @@
 </p:notes>
 </file>
 
+<file path=ppt/notesSlides/notesSlide10.xml><?xml version="1.0" encoding="utf-8"?>
+<p:notes xmlns:a="http://schemas.openxmlformats.org/drawingml/2006/main" xmlns:r="http://schemas.openxmlformats.org/officeDocument/2006/relationships" xmlns:p="http://schemas.openxmlformats.org/presentationml/2006/main">
+  <p:cSld>
+    <p:spTree>
+      <p:nvGrpSpPr>
+        <p:cNvPr id="1" name="">
+          <a:extLst>
+            <a:ext uri="{FF2B5EF4-FFF2-40B4-BE49-F238E27FC236}">
+              <a16:creationId xmlns:a16="http://schemas.microsoft.com/office/drawing/2014/main" id="{B0A5561C-125C-F16B-A76E-421E7F54F9F0}"/>
+            </a:ext>
+          </a:extLst>
+        </p:cNvPr>
+        <p:cNvGrpSpPr/>
+        <p:nvPr/>
+      </p:nvGrpSpPr>
+      <p:grpSpPr>
+        <a:xfrm>
+          <a:off x="0" y="0"/>
+          <a:ext cx="0" cy="0"/>
+          <a:chOff x="0" y="0"/>
+          <a:chExt cx="0" cy="0"/>
+        </a:xfrm>
+      </p:grpSpPr>
+      <p:sp>
+        <p:nvSpPr>
+          <p:cNvPr id="597" name="PlaceHolder 1">
+            <a:extLst>
+              <a:ext uri="{FF2B5EF4-FFF2-40B4-BE49-F238E27FC236}">
+                <a16:creationId xmlns:a16="http://schemas.microsoft.com/office/drawing/2014/main" id="{C44F820D-9AD4-39D9-EAF9-08CFE5569D51}"/>
+              </a:ext>
+            </a:extLst>
+          </p:cNvPr>
+          <p:cNvSpPr>
+            <a:spLocks noGrp="1"/>
+          </p:cNvSpPr>
+          <p:nvPr>
+            <p:ph type="body"/>
+          </p:nvPr>
+        </p:nvSpPr>
+        <p:spPr>
+          <a:xfrm>
+            <a:off x="676080" y="4722480"/>
+            <a:ext cx="5392080" cy="4457520"/>
+          </a:xfrm>
+          <a:prstGeom prst="rect">
+            <a:avLst/>
+          </a:prstGeom>
+          <a:noFill/>
+          <a:ln w="0">
+            <a:noFill/>
+          </a:ln>
+        </p:spPr>
+        <p:txBody>
+          <a:bodyPr lIns="92520" tIns="46440" rIns="92520" bIns="46440" anchor="t">
+            <a:noAutofit/>
+          </a:bodyPr>
+          <a:lstStyle/>
+          <a:p>
+            <a:pPr marL="216000" indent="-216000">
+              <a:buNone/>
+            </a:pPr>
+            <a:endParaRPr lang="es-ES" sz="1800" b="0" strike="noStrike" spc="-1">
+              <a:solidFill>
+                <a:srgbClr val="000000"/>
+              </a:solidFill>
+              <a:latin typeface="Arial"/>
+            </a:endParaRPr>
+          </a:p>
+        </p:txBody>
+      </p:sp>
+      <p:sp>
+        <p:nvSpPr>
+          <p:cNvPr id="598" name="CustomShape 119">
+            <a:extLst>
+              <a:ext uri="{FF2B5EF4-FFF2-40B4-BE49-F238E27FC236}">
+                <a16:creationId xmlns:a16="http://schemas.microsoft.com/office/drawing/2014/main" id="{C2C47569-AAE9-E857-D178-B81FBBAD83F8}"/>
+              </a:ext>
+            </a:extLst>
+          </p:cNvPr>
+          <p:cNvSpPr/>
+          <p:nvPr/>
+        </p:nvSpPr>
+        <p:spPr>
+          <a:xfrm>
+            <a:off x="3830400" y="9443520"/>
+            <a:ext cx="2912400" cy="480600"/>
+          </a:xfrm>
+          <a:prstGeom prst="rect">
+            <a:avLst/>
+          </a:prstGeom>
+          <a:noFill/>
+          <a:ln w="9360">
+            <a:noFill/>
+          </a:ln>
+        </p:spPr>
+        <p:style>
+          <a:lnRef idx="0">
+            <a:scrgbClr r="0" g="0" b="0"/>
+          </a:lnRef>
+          <a:fillRef idx="0">
+            <a:scrgbClr r="0" g="0" b="0"/>
+          </a:fillRef>
+          <a:effectRef idx="0">
+            <a:scrgbClr r="0" g="0" b="0"/>
+          </a:effectRef>
+          <a:fontRef idx="minor"/>
+        </p:style>
+        <p:txBody>
+          <a:bodyPr lIns="92520" tIns="46440" rIns="92520" bIns="46440" anchor="b">
+            <a:noAutofit/>
+          </a:bodyPr>
+          <a:lstStyle/>
+          <a:p>
+            <a:pPr algn="r" defTabSz="914400">
+              <a:lnSpc>
+                <a:spcPct val="100000"/>
+              </a:lnSpc>
+            </a:pPr>
+            <a:fld id="{69B26DC3-D8D0-4E48-806B-9A34D9996EE9}" type="slidenum">
+              <a:rPr lang="es-ES" sz="1200" b="0" strike="noStrike" spc="-1">
+                <a:solidFill>
+                  <a:srgbClr val="000000"/>
+                </a:solidFill>
+                <a:latin typeface="Times New Roman"/>
+                <a:ea typeface="+mn-ea"/>
+              </a:rPr>
+              <a:t>11</a:t>
+            </a:fld>
+            <a:endParaRPr lang="es-ES" sz="1200" b="0" strike="noStrike" spc="-1">
+              <a:solidFill>
+                <a:srgbClr val="000000"/>
+              </a:solidFill>
+              <a:latin typeface="Arial"/>
+            </a:endParaRPr>
+          </a:p>
+        </p:txBody>
+      </p:sp>
+    </p:spTree>
+    <p:extLst>
+      <p:ext uri="{BB962C8B-B14F-4D97-AF65-F5344CB8AC3E}">
+        <p14:creationId xmlns:p14="http://schemas.microsoft.com/office/powerpoint/2010/main" val="3578052299"/>
+      </p:ext>
+    </p:extLst>
+  </p:cSld>
+  <p:clrMapOvr>
+    <a:masterClrMapping/>
+  </p:clrMapOvr>
+</p:notes>
+</file>
+
 <file path=ppt/notesSlides/notesSlide2.xml><?xml version="1.0" encoding="utf-8"?>
 <p:notes xmlns:a="http://schemas.openxmlformats.org/drawingml/2006/main" xmlns:r="http://schemas.openxmlformats.org/officeDocument/2006/relationships" xmlns:p="http://schemas.openxmlformats.org/presentationml/2006/main">
   <p:cSld>
@@ -1226,7 +2749,7 @@
         <p:cNvPr id="1" name="">
           <a:extLst>
             <a:ext uri="{FF2B5EF4-FFF2-40B4-BE49-F238E27FC236}">
-              <a16:creationId xmlns:a16="http://schemas.microsoft.com/office/drawing/2014/main" id="{CA571D2F-1EF0-6C9F-BBAE-CEA4F5DA3E85}"/>
+              <a16:creationId xmlns:a16="http://schemas.microsoft.com/office/drawing/2014/main" id="{E79C6D9C-29F6-7E64-06F0-84A670263069}"/>
             </a:ext>
           </a:extLst>
         </p:cNvPr>
@@ -1246,7 +2769,7 @@
           <p:cNvPr id="597" name="PlaceHolder 1">
             <a:extLst>
               <a:ext uri="{FF2B5EF4-FFF2-40B4-BE49-F238E27FC236}">
-                <a16:creationId xmlns:a16="http://schemas.microsoft.com/office/drawing/2014/main" id="{095C0E47-8963-3074-2B1D-C7FBE5C71937}"/>
+                <a16:creationId xmlns:a16="http://schemas.microsoft.com/office/drawing/2014/main" id="{6867D91E-6D28-CF82-C0C3-3CEFB51E26ED}"/>
               </a:ext>
             </a:extLst>
           </p:cNvPr>
@@ -1293,7 +2816,7 @@
           <p:cNvPr id="598" name="CustomShape 119">
             <a:extLst>
               <a:ext uri="{FF2B5EF4-FFF2-40B4-BE49-F238E27FC236}">
-                <a16:creationId xmlns:a16="http://schemas.microsoft.com/office/drawing/2014/main" id="{A3CF3B79-0BFE-250D-A2C7-22BD8D35C4C3}"/>
+                <a16:creationId xmlns:a16="http://schemas.microsoft.com/office/drawing/2014/main" id="{993DA7AE-01A0-889C-77E4-DE1547CE3749}"/>
               </a:ext>
             </a:extLst>
           </p:cNvPr>
@@ -1358,7 +2881,7 @@
     </p:spTree>
     <p:extLst>
       <p:ext uri="{BB962C8B-B14F-4D97-AF65-F5344CB8AC3E}">
-        <p14:creationId xmlns:p14="http://schemas.microsoft.com/office/powerpoint/2010/main" val="3382703234"/>
+        <p14:creationId xmlns:p14="http://schemas.microsoft.com/office/powerpoint/2010/main" val="1670765524"/>
       </p:ext>
     </p:extLst>
   </p:cSld>
@@ -1376,7 +2899,7 @@
         <p:cNvPr id="1" name="">
           <a:extLst>
             <a:ext uri="{FF2B5EF4-FFF2-40B4-BE49-F238E27FC236}">
-              <a16:creationId xmlns:a16="http://schemas.microsoft.com/office/drawing/2014/main" id="{E79C6D9C-29F6-7E64-06F0-84A670263069}"/>
+              <a16:creationId xmlns:a16="http://schemas.microsoft.com/office/drawing/2014/main" id="{D0240865-273F-623E-80FF-945E20DA41CF}"/>
             </a:ext>
           </a:extLst>
         </p:cNvPr>
@@ -1396,7 +2919,7 @@
           <p:cNvPr id="597" name="PlaceHolder 1">
             <a:extLst>
               <a:ext uri="{FF2B5EF4-FFF2-40B4-BE49-F238E27FC236}">
-                <a16:creationId xmlns:a16="http://schemas.microsoft.com/office/drawing/2014/main" id="{6867D91E-6D28-CF82-C0C3-3CEFB51E26ED}"/>
+                <a16:creationId xmlns:a16="http://schemas.microsoft.com/office/drawing/2014/main" id="{662509EE-6BA3-1A8E-8F55-24F21E9D64F7}"/>
               </a:ext>
             </a:extLst>
           </p:cNvPr>
@@ -1443,7 +2966,7 @@
           <p:cNvPr id="598" name="CustomShape 119">
             <a:extLst>
               <a:ext uri="{FF2B5EF4-FFF2-40B4-BE49-F238E27FC236}">
-                <a16:creationId xmlns:a16="http://schemas.microsoft.com/office/drawing/2014/main" id="{993DA7AE-01A0-889C-77E4-DE1547CE3749}"/>
+                <a16:creationId xmlns:a16="http://schemas.microsoft.com/office/drawing/2014/main" id="{A5AC87E1-F880-84A4-B1D9-D892735B6291}"/>
               </a:ext>
             </a:extLst>
           </p:cNvPr>
@@ -1508,7 +3031,7 @@
     </p:spTree>
     <p:extLst>
       <p:ext uri="{BB962C8B-B14F-4D97-AF65-F5344CB8AC3E}">
-        <p14:creationId xmlns:p14="http://schemas.microsoft.com/office/powerpoint/2010/main" val="1670765524"/>
+        <p14:creationId xmlns:p14="http://schemas.microsoft.com/office/powerpoint/2010/main" val="4116055724"/>
       </p:ext>
     </p:extLst>
   </p:cSld>
@@ -1526,7 +3049,7 @@
         <p:cNvPr id="1" name="">
           <a:extLst>
             <a:ext uri="{FF2B5EF4-FFF2-40B4-BE49-F238E27FC236}">
-              <a16:creationId xmlns:a16="http://schemas.microsoft.com/office/drawing/2014/main" id="{B0A5561C-125C-F16B-A76E-421E7F54F9F0}"/>
+              <a16:creationId xmlns:a16="http://schemas.microsoft.com/office/drawing/2014/main" id="{BC171990-AC98-CCD0-40A0-233A33DBB4F8}"/>
             </a:ext>
           </a:extLst>
         </p:cNvPr>
@@ -1546,7 +3069,7 @@
           <p:cNvPr id="597" name="PlaceHolder 1">
             <a:extLst>
               <a:ext uri="{FF2B5EF4-FFF2-40B4-BE49-F238E27FC236}">
-                <a16:creationId xmlns:a16="http://schemas.microsoft.com/office/drawing/2014/main" id="{C44F820D-9AD4-39D9-EAF9-08CFE5569D51}"/>
+                <a16:creationId xmlns:a16="http://schemas.microsoft.com/office/drawing/2014/main" id="{060E4BF4-1E1E-018A-6441-98BF2BFAACD4}"/>
               </a:ext>
             </a:extLst>
           </p:cNvPr>
@@ -1593,7 +3116,7 @@
           <p:cNvPr id="598" name="CustomShape 119">
             <a:extLst>
               <a:ext uri="{FF2B5EF4-FFF2-40B4-BE49-F238E27FC236}">
-                <a16:creationId xmlns:a16="http://schemas.microsoft.com/office/drawing/2014/main" id="{C2C47569-AAE9-E857-D178-B81FBBAD83F8}"/>
+                <a16:creationId xmlns:a16="http://schemas.microsoft.com/office/drawing/2014/main" id="{22E128E1-7368-F046-62A4-02F6857EF5B7}"/>
               </a:ext>
             </a:extLst>
           </p:cNvPr>
@@ -1658,7 +3181,157 @@
     </p:spTree>
     <p:extLst>
       <p:ext uri="{BB962C8B-B14F-4D97-AF65-F5344CB8AC3E}">
-        <p14:creationId xmlns:p14="http://schemas.microsoft.com/office/powerpoint/2010/main" val="3578052299"/>
+        <p14:creationId xmlns:p14="http://schemas.microsoft.com/office/powerpoint/2010/main" val="1486580192"/>
+      </p:ext>
+    </p:extLst>
+  </p:cSld>
+  <p:clrMapOvr>
+    <a:masterClrMapping/>
+  </p:clrMapOvr>
+</p:notes>
+</file>
+
+<file path=ppt/notesSlides/notesSlide9.xml><?xml version="1.0" encoding="utf-8"?>
+<p:notes xmlns:a="http://schemas.openxmlformats.org/drawingml/2006/main" xmlns:r="http://schemas.openxmlformats.org/officeDocument/2006/relationships" xmlns:p="http://schemas.openxmlformats.org/presentationml/2006/main">
+  <p:cSld>
+    <p:spTree>
+      <p:nvGrpSpPr>
+        <p:cNvPr id="1" name="">
+          <a:extLst>
+            <a:ext uri="{FF2B5EF4-FFF2-40B4-BE49-F238E27FC236}">
+              <a16:creationId xmlns:a16="http://schemas.microsoft.com/office/drawing/2014/main" id="{CA571D2F-1EF0-6C9F-BBAE-CEA4F5DA3E85}"/>
+            </a:ext>
+          </a:extLst>
+        </p:cNvPr>
+        <p:cNvGrpSpPr/>
+        <p:nvPr/>
+      </p:nvGrpSpPr>
+      <p:grpSpPr>
+        <a:xfrm>
+          <a:off x="0" y="0"/>
+          <a:ext cx="0" cy="0"/>
+          <a:chOff x="0" y="0"/>
+          <a:chExt cx="0" cy="0"/>
+        </a:xfrm>
+      </p:grpSpPr>
+      <p:sp>
+        <p:nvSpPr>
+          <p:cNvPr id="597" name="PlaceHolder 1">
+            <a:extLst>
+              <a:ext uri="{FF2B5EF4-FFF2-40B4-BE49-F238E27FC236}">
+                <a16:creationId xmlns:a16="http://schemas.microsoft.com/office/drawing/2014/main" id="{095C0E47-8963-3074-2B1D-C7FBE5C71937}"/>
+              </a:ext>
+            </a:extLst>
+          </p:cNvPr>
+          <p:cNvSpPr>
+            <a:spLocks noGrp="1"/>
+          </p:cNvSpPr>
+          <p:nvPr>
+            <p:ph type="body"/>
+          </p:nvPr>
+        </p:nvSpPr>
+        <p:spPr>
+          <a:xfrm>
+            <a:off x="676080" y="4722480"/>
+            <a:ext cx="5392080" cy="4457520"/>
+          </a:xfrm>
+          <a:prstGeom prst="rect">
+            <a:avLst/>
+          </a:prstGeom>
+          <a:noFill/>
+          <a:ln w="0">
+            <a:noFill/>
+          </a:ln>
+        </p:spPr>
+        <p:txBody>
+          <a:bodyPr lIns="92520" tIns="46440" rIns="92520" bIns="46440" anchor="t">
+            <a:noAutofit/>
+          </a:bodyPr>
+          <a:lstStyle/>
+          <a:p>
+            <a:pPr marL="216000" indent="-216000">
+              <a:buNone/>
+            </a:pPr>
+            <a:endParaRPr lang="es-ES" sz="1800" b="0" strike="noStrike" spc="-1">
+              <a:solidFill>
+                <a:srgbClr val="000000"/>
+              </a:solidFill>
+              <a:latin typeface="Arial"/>
+            </a:endParaRPr>
+          </a:p>
+        </p:txBody>
+      </p:sp>
+      <p:sp>
+        <p:nvSpPr>
+          <p:cNvPr id="598" name="CustomShape 119">
+            <a:extLst>
+              <a:ext uri="{FF2B5EF4-FFF2-40B4-BE49-F238E27FC236}">
+                <a16:creationId xmlns:a16="http://schemas.microsoft.com/office/drawing/2014/main" id="{A3CF3B79-0BFE-250D-A2C7-22BD8D35C4C3}"/>
+              </a:ext>
+            </a:extLst>
+          </p:cNvPr>
+          <p:cNvSpPr/>
+          <p:nvPr/>
+        </p:nvSpPr>
+        <p:spPr>
+          <a:xfrm>
+            <a:off x="3830400" y="9443520"/>
+            <a:ext cx="2912400" cy="480600"/>
+          </a:xfrm>
+          <a:prstGeom prst="rect">
+            <a:avLst/>
+          </a:prstGeom>
+          <a:noFill/>
+          <a:ln w="9360">
+            <a:noFill/>
+          </a:ln>
+        </p:spPr>
+        <p:style>
+          <a:lnRef idx="0">
+            <a:scrgbClr r="0" g="0" b="0"/>
+          </a:lnRef>
+          <a:fillRef idx="0">
+            <a:scrgbClr r="0" g="0" b="0"/>
+          </a:fillRef>
+          <a:effectRef idx="0">
+            <a:scrgbClr r="0" g="0" b="0"/>
+          </a:effectRef>
+          <a:fontRef idx="minor"/>
+        </p:style>
+        <p:txBody>
+          <a:bodyPr lIns="92520" tIns="46440" rIns="92520" bIns="46440" anchor="b">
+            <a:noAutofit/>
+          </a:bodyPr>
+          <a:lstStyle/>
+          <a:p>
+            <a:pPr algn="r" defTabSz="914400">
+              <a:lnSpc>
+                <a:spcPct val="100000"/>
+              </a:lnSpc>
+            </a:pPr>
+            <a:fld id="{69B26DC3-D8D0-4E48-806B-9A34D9996EE9}" type="slidenum">
+              <a:rPr lang="es-ES" sz="1200" b="0" strike="noStrike" spc="-1">
+                <a:solidFill>
+                  <a:srgbClr val="000000"/>
+                </a:solidFill>
+                <a:latin typeface="Times New Roman"/>
+                <a:ea typeface="+mn-ea"/>
+              </a:rPr>
+              <a:t>10</a:t>
+            </a:fld>
+            <a:endParaRPr lang="es-ES" sz="1200" b="0" strike="noStrike" spc="-1">
+              <a:solidFill>
+                <a:srgbClr val="000000"/>
+              </a:solidFill>
+              <a:latin typeface="Arial"/>
+            </a:endParaRPr>
+          </a:p>
+        </p:txBody>
+      </p:sp>
+    </p:spTree>
+    <p:extLst>
+      <p:ext uri="{BB962C8B-B14F-4D97-AF65-F5344CB8AC3E}">
+        <p14:creationId xmlns:p14="http://schemas.microsoft.com/office/powerpoint/2010/main" val="3382703234"/>
       </p:ext>
     </p:extLst>
   </p:cSld>
@@ -6466,6 +8139,1840 @@
     </p:bg>
     <p:spTree>
       <p:nvGrpSpPr>
+        <p:cNvPr id="1" name="">
+          <a:extLst>
+            <a:ext uri="{FF2B5EF4-FFF2-40B4-BE49-F238E27FC236}">
+              <a16:creationId xmlns:a16="http://schemas.microsoft.com/office/drawing/2014/main" id="{3EF3D0CE-751A-AF42-283F-F0F6F0FB4707}"/>
+            </a:ext>
+          </a:extLst>
+        </p:cNvPr>
+        <p:cNvGrpSpPr/>
+        <p:nvPr/>
+      </p:nvGrpSpPr>
+      <p:grpSpPr>
+        <a:xfrm>
+          <a:off x="0" y="0"/>
+          <a:ext cx="0" cy="0"/>
+          <a:chOff x="0" y="0"/>
+          <a:chExt cx="0" cy="0"/>
+        </a:xfrm>
+      </p:grpSpPr>
+      <p:sp>
+        <p:nvSpPr>
+          <p:cNvPr id="86" name="CustomShape 110">
+            <a:extLst>
+              <a:ext uri="{FF2B5EF4-FFF2-40B4-BE49-F238E27FC236}">
+                <a16:creationId xmlns:a16="http://schemas.microsoft.com/office/drawing/2014/main" id="{06382C58-6524-B4B2-977B-E89FF630D8F5}"/>
+              </a:ext>
+            </a:extLst>
+          </p:cNvPr>
+          <p:cNvSpPr/>
+          <p:nvPr/>
+        </p:nvSpPr>
+        <p:spPr>
+          <a:xfrm>
+            <a:off x="772560" y="392040"/>
+            <a:ext cx="960120" cy="199080"/>
+          </a:xfrm>
+          <a:custGeom>
+            <a:avLst/>
+            <a:gdLst>
+              <a:gd name="textAreaLeft" fmla="*/ 0 w 960120"/>
+              <a:gd name="textAreaRight" fmla="*/ 961920 w 960120"/>
+              <a:gd name="textAreaTop" fmla="*/ 0 h 199080"/>
+              <a:gd name="textAreaBottom" fmla="*/ 200880 h 199080"/>
+            </a:gdLst>
+            <a:ahLst/>
+            <a:cxnLst/>
+            <a:rect l="textAreaLeft" t="textAreaTop" r="textAreaRight" b="textAreaBottom"/>
+            <a:pathLst>
+              <a:path w="479" h="201">
+                <a:moveTo>
+                  <a:pt x="0" y="0"/>
+                </a:moveTo>
+                <a:lnTo>
+                  <a:pt x="478" y="0"/>
+                </a:lnTo>
+                <a:lnTo>
+                  <a:pt x="422" y="200"/>
+                </a:lnTo>
+                <a:lnTo>
+                  <a:pt x="0" y="200"/>
+                </a:lnTo>
+                <a:lnTo>
+                  <a:pt x="0" y="0"/>
+                </a:lnTo>
+              </a:path>
+            </a:pathLst>
+          </a:custGeom>
+          <a:solidFill>
+            <a:srgbClr val="ED7D31"/>
+          </a:solidFill>
+          <a:ln w="12600">
+            <a:noFill/>
+          </a:ln>
+        </p:spPr>
+        <p:style>
+          <a:lnRef idx="0">
+            <a:scrgbClr r="0" g="0" b="0"/>
+          </a:lnRef>
+          <a:fillRef idx="0">
+            <a:scrgbClr r="0" g="0" b="0"/>
+          </a:fillRef>
+          <a:effectRef idx="0">
+            <a:scrgbClr r="0" g="0" b="0"/>
+          </a:effectRef>
+          <a:fontRef idx="minor"/>
+        </p:style>
+        <p:txBody>
+          <a:bodyPr lIns="90000" tIns="45000" rIns="90000" bIns="45000" anchor="t">
+            <a:noAutofit/>
+          </a:bodyPr>
+          <a:lstStyle/>
+          <a:p>
+            <a:pPr defTabSz="914400">
+              <a:lnSpc>
+                <a:spcPct val="100000"/>
+              </a:lnSpc>
+            </a:pPr>
+            <a:endParaRPr lang="es-ES" sz="1800" b="0" strike="noStrike" spc="-1">
+              <a:solidFill>
+                <a:srgbClr val="000000"/>
+              </a:solidFill>
+              <a:latin typeface="Arial"/>
+              <a:ea typeface="DejaVu Sans"/>
+            </a:endParaRPr>
+          </a:p>
+        </p:txBody>
+      </p:sp>
+      <p:sp>
+        <p:nvSpPr>
+          <p:cNvPr id="87" name="CustomShape 111">
+            <a:extLst>
+              <a:ext uri="{FF2B5EF4-FFF2-40B4-BE49-F238E27FC236}">
+                <a16:creationId xmlns:a16="http://schemas.microsoft.com/office/drawing/2014/main" id="{37B41D7C-093B-1B9E-4985-24E833A1DCB9}"/>
+              </a:ext>
+            </a:extLst>
+          </p:cNvPr>
+          <p:cNvSpPr/>
+          <p:nvPr/>
+        </p:nvSpPr>
+        <p:spPr>
+          <a:xfrm>
+            <a:off x="1704960" y="392040"/>
+            <a:ext cx="558360" cy="199080"/>
+          </a:xfrm>
+          <a:custGeom>
+            <a:avLst/>
+            <a:gdLst>
+              <a:gd name="textAreaLeft" fmla="*/ 0 w 558360"/>
+              <a:gd name="textAreaRight" fmla="*/ 560160 w 558360"/>
+              <a:gd name="textAreaTop" fmla="*/ 0 h 199080"/>
+              <a:gd name="textAreaBottom" fmla="*/ 200880 h 199080"/>
+            </a:gdLst>
+            <a:ahLst/>
+            <a:cxnLst/>
+            <a:rect l="textAreaLeft" t="textAreaTop" r="textAreaRight" b="textAreaBottom"/>
+            <a:pathLst>
+              <a:path w="282" h="201">
+                <a:moveTo>
+                  <a:pt x="56" y="0"/>
+                </a:moveTo>
+                <a:lnTo>
+                  <a:pt x="0" y="200"/>
+                </a:lnTo>
+                <a:lnTo>
+                  <a:pt x="225" y="200"/>
+                </a:lnTo>
+                <a:lnTo>
+                  <a:pt x="281" y="0"/>
+                </a:lnTo>
+                <a:lnTo>
+                  <a:pt x="56" y="0"/>
+                </a:lnTo>
+              </a:path>
+            </a:pathLst>
+          </a:custGeom>
+          <a:solidFill>
+            <a:srgbClr val="ED7D31"/>
+          </a:solidFill>
+          <a:ln w="12600">
+            <a:noFill/>
+          </a:ln>
+        </p:spPr>
+        <p:style>
+          <a:lnRef idx="0">
+            <a:scrgbClr r="0" g="0" b="0"/>
+          </a:lnRef>
+          <a:fillRef idx="0">
+            <a:scrgbClr r="0" g="0" b="0"/>
+          </a:fillRef>
+          <a:effectRef idx="0">
+            <a:scrgbClr r="0" g="0" b="0"/>
+          </a:effectRef>
+          <a:fontRef idx="minor"/>
+        </p:style>
+        <p:txBody>
+          <a:bodyPr lIns="90000" tIns="45000" rIns="90000" bIns="45000" anchor="t">
+            <a:noAutofit/>
+          </a:bodyPr>
+          <a:lstStyle/>
+          <a:p>
+            <a:pPr defTabSz="914400">
+              <a:lnSpc>
+                <a:spcPct val="100000"/>
+              </a:lnSpc>
+            </a:pPr>
+            <a:endParaRPr lang="es-ES" sz="1800" b="0" strike="noStrike" spc="-1">
+              <a:solidFill>
+                <a:srgbClr val="000000"/>
+              </a:solidFill>
+              <a:latin typeface="Arial"/>
+              <a:ea typeface="DejaVu Sans"/>
+            </a:endParaRPr>
+          </a:p>
+        </p:txBody>
+      </p:sp>
+      <p:sp>
+        <p:nvSpPr>
+          <p:cNvPr id="88" name="CustomShape 112">
+            <a:extLst>
+              <a:ext uri="{FF2B5EF4-FFF2-40B4-BE49-F238E27FC236}">
+                <a16:creationId xmlns:a16="http://schemas.microsoft.com/office/drawing/2014/main" id="{7D406422-1B38-5D75-8835-26A6D27A863C}"/>
+              </a:ext>
+            </a:extLst>
+          </p:cNvPr>
+          <p:cNvSpPr/>
+          <p:nvPr/>
+        </p:nvSpPr>
+        <p:spPr>
+          <a:xfrm>
+            <a:off x="2227320" y="392040"/>
+            <a:ext cx="444240" cy="199080"/>
+          </a:xfrm>
+          <a:custGeom>
+            <a:avLst/>
+            <a:gdLst>
+              <a:gd name="textAreaLeft" fmla="*/ 0 w 444240"/>
+              <a:gd name="textAreaRight" fmla="*/ 446040 w 444240"/>
+              <a:gd name="textAreaTop" fmla="*/ 0 h 199080"/>
+              <a:gd name="textAreaBottom" fmla="*/ 200880 h 199080"/>
+            </a:gdLst>
+            <a:ahLst/>
+            <a:cxnLst/>
+            <a:rect l="textAreaLeft" t="textAreaTop" r="textAreaRight" b="textAreaBottom"/>
+            <a:pathLst>
+              <a:path w="226" h="201">
+                <a:moveTo>
+                  <a:pt x="56" y="0"/>
+                </a:moveTo>
+                <a:lnTo>
+                  <a:pt x="0" y="200"/>
+                </a:lnTo>
+                <a:lnTo>
+                  <a:pt x="169" y="200"/>
+                </a:lnTo>
+                <a:lnTo>
+                  <a:pt x="225" y="0"/>
+                </a:lnTo>
+                <a:lnTo>
+                  <a:pt x="56" y="0"/>
+                </a:lnTo>
+              </a:path>
+            </a:pathLst>
+          </a:custGeom>
+          <a:solidFill>
+            <a:srgbClr val="ED7D31">
+              <a:alpha val="80000"/>
+            </a:srgbClr>
+          </a:solidFill>
+          <a:ln w="12600">
+            <a:noFill/>
+          </a:ln>
+        </p:spPr>
+        <p:style>
+          <a:lnRef idx="0">
+            <a:scrgbClr r="0" g="0" b="0"/>
+          </a:lnRef>
+          <a:fillRef idx="0">
+            <a:scrgbClr r="0" g="0" b="0"/>
+          </a:fillRef>
+          <a:effectRef idx="0">
+            <a:scrgbClr r="0" g="0" b="0"/>
+          </a:effectRef>
+          <a:fontRef idx="minor"/>
+        </p:style>
+        <p:txBody>
+          <a:bodyPr lIns="90000" tIns="45000" rIns="90000" bIns="45000" anchor="t">
+            <a:noAutofit/>
+          </a:bodyPr>
+          <a:lstStyle/>
+          <a:p>
+            <a:pPr defTabSz="914400">
+              <a:lnSpc>
+                <a:spcPct val="100000"/>
+              </a:lnSpc>
+            </a:pPr>
+            <a:endParaRPr lang="es-ES" sz="1800" b="0" strike="noStrike" spc="-1">
+              <a:solidFill>
+                <a:srgbClr val="000000"/>
+              </a:solidFill>
+              <a:latin typeface="Arial"/>
+              <a:ea typeface="DejaVu Sans"/>
+            </a:endParaRPr>
+          </a:p>
+        </p:txBody>
+      </p:sp>
+      <p:sp>
+        <p:nvSpPr>
+          <p:cNvPr id="89" name="CustomShape 113">
+            <a:extLst>
+              <a:ext uri="{FF2B5EF4-FFF2-40B4-BE49-F238E27FC236}">
+                <a16:creationId xmlns:a16="http://schemas.microsoft.com/office/drawing/2014/main" id="{FCCB649D-2745-9441-A053-5A55059590EC}"/>
+              </a:ext>
+            </a:extLst>
+          </p:cNvPr>
+          <p:cNvSpPr/>
+          <p:nvPr/>
+        </p:nvSpPr>
+        <p:spPr>
+          <a:xfrm>
+            <a:off x="2629080" y="392040"/>
+            <a:ext cx="329760" cy="199080"/>
+          </a:xfrm>
+          <a:custGeom>
+            <a:avLst/>
+            <a:gdLst>
+              <a:gd name="textAreaLeft" fmla="*/ 0 w 329760"/>
+              <a:gd name="textAreaRight" fmla="*/ 331560 w 329760"/>
+              <a:gd name="textAreaTop" fmla="*/ 0 h 199080"/>
+              <a:gd name="textAreaBottom" fmla="*/ 200880 h 199080"/>
+            </a:gdLst>
+            <a:ahLst/>
+            <a:cxnLst/>
+            <a:rect l="textAreaLeft" t="textAreaTop" r="textAreaRight" b="textAreaBottom"/>
+            <a:pathLst>
+              <a:path w="170" h="201">
+                <a:moveTo>
+                  <a:pt x="56" y="0"/>
+                </a:moveTo>
+                <a:lnTo>
+                  <a:pt x="0" y="200"/>
+                </a:lnTo>
+                <a:lnTo>
+                  <a:pt x="113" y="200"/>
+                </a:lnTo>
+                <a:lnTo>
+                  <a:pt x="169" y="0"/>
+                </a:lnTo>
+                <a:lnTo>
+                  <a:pt x="56" y="0"/>
+                </a:lnTo>
+              </a:path>
+            </a:pathLst>
+          </a:custGeom>
+          <a:solidFill>
+            <a:srgbClr val="ED7D31"/>
+          </a:solidFill>
+          <a:ln w="12600">
+            <a:noFill/>
+          </a:ln>
+        </p:spPr>
+        <p:style>
+          <a:lnRef idx="0">
+            <a:scrgbClr r="0" g="0" b="0"/>
+          </a:lnRef>
+          <a:fillRef idx="0">
+            <a:scrgbClr r="0" g="0" b="0"/>
+          </a:fillRef>
+          <a:effectRef idx="0">
+            <a:scrgbClr r="0" g="0" b="0"/>
+          </a:effectRef>
+          <a:fontRef idx="minor"/>
+        </p:style>
+        <p:txBody>
+          <a:bodyPr lIns="90000" tIns="45000" rIns="90000" bIns="45000" anchor="t">
+            <a:noAutofit/>
+          </a:bodyPr>
+          <a:lstStyle/>
+          <a:p>
+            <a:pPr defTabSz="914400">
+              <a:lnSpc>
+                <a:spcPct val="100000"/>
+              </a:lnSpc>
+            </a:pPr>
+            <a:endParaRPr lang="es-ES" sz="1800" b="0" strike="noStrike" spc="-1">
+              <a:solidFill>
+                <a:srgbClr val="000000"/>
+              </a:solidFill>
+              <a:latin typeface="Arial"/>
+              <a:ea typeface="DejaVu Sans"/>
+            </a:endParaRPr>
+          </a:p>
+        </p:txBody>
+      </p:sp>
+      <p:sp>
+        <p:nvSpPr>
+          <p:cNvPr id="90" name="CustomShape 114">
+            <a:extLst>
+              <a:ext uri="{FF2B5EF4-FFF2-40B4-BE49-F238E27FC236}">
+                <a16:creationId xmlns:a16="http://schemas.microsoft.com/office/drawing/2014/main" id="{3593FC77-645F-C6E6-6219-D6D6FE29A284}"/>
+              </a:ext>
+            </a:extLst>
+          </p:cNvPr>
+          <p:cNvSpPr/>
+          <p:nvPr/>
+        </p:nvSpPr>
+        <p:spPr>
+          <a:xfrm>
+            <a:off x="2991240" y="392040"/>
+            <a:ext cx="213480" cy="199080"/>
+          </a:xfrm>
+          <a:custGeom>
+            <a:avLst/>
+            <a:gdLst>
+              <a:gd name="textAreaLeft" fmla="*/ 0 w 213480"/>
+              <a:gd name="textAreaRight" fmla="*/ 215280 w 213480"/>
+              <a:gd name="textAreaTop" fmla="*/ 0 h 199080"/>
+              <a:gd name="textAreaBottom" fmla="*/ 200880 h 199080"/>
+            </a:gdLst>
+            <a:ahLst/>
+            <a:cxnLst/>
+            <a:rect l="textAreaLeft" t="textAreaTop" r="textAreaRight" b="textAreaBottom"/>
+            <a:pathLst>
+              <a:path w="113" h="201">
+                <a:moveTo>
+                  <a:pt x="56" y="0"/>
+                </a:moveTo>
+                <a:lnTo>
+                  <a:pt x="0" y="200"/>
+                </a:lnTo>
+                <a:lnTo>
+                  <a:pt x="56" y="200"/>
+                </a:lnTo>
+                <a:lnTo>
+                  <a:pt x="112" y="0"/>
+                </a:lnTo>
+                <a:lnTo>
+                  <a:pt x="56" y="0"/>
+                </a:lnTo>
+              </a:path>
+            </a:pathLst>
+          </a:custGeom>
+          <a:solidFill>
+            <a:srgbClr val="ED7D31"/>
+          </a:solidFill>
+          <a:ln w="12600">
+            <a:noFill/>
+          </a:ln>
+        </p:spPr>
+        <p:style>
+          <a:lnRef idx="0">
+            <a:scrgbClr r="0" g="0" b="0"/>
+          </a:lnRef>
+          <a:fillRef idx="0">
+            <a:scrgbClr r="0" g="0" b="0"/>
+          </a:fillRef>
+          <a:effectRef idx="0">
+            <a:scrgbClr r="0" g="0" b="0"/>
+          </a:effectRef>
+          <a:fontRef idx="minor"/>
+        </p:style>
+        <p:txBody>
+          <a:bodyPr lIns="90000" tIns="45000" rIns="90000" bIns="45000" anchor="t">
+            <a:noAutofit/>
+          </a:bodyPr>
+          <a:lstStyle/>
+          <a:p>
+            <a:pPr defTabSz="914400">
+              <a:lnSpc>
+                <a:spcPct val="100000"/>
+              </a:lnSpc>
+            </a:pPr>
+            <a:endParaRPr lang="es-ES" sz="1800" b="0" strike="noStrike" spc="-1">
+              <a:solidFill>
+                <a:srgbClr val="000000"/>
+              </a:solidFill>
+              <a:latin typeface="Arial"/>
+              <a:ea typeface="DejaVu Sans"/>
+            </a:endParaRPr>
+          </a:p>
+        </p:txBody>
+      </p:sp>
+      <p:sp>
+        <p:nvSpPr>
+          <p:cNvPr id="91" name="CustomShape 115">
+            <a:extLst>
+              <a:ext uri="{FF2B5EF4-FFF2-40B4-BE49-F238E27FC236}">
+                <a16:creationId xmlns:a16="http://schemas.microsoft.com/office/drawing/2014/main" id="{B21E9388-DC5A-9E75-3CB6-0B08B1F7B8E4}"/>
+              </a:ext>
+            </a:extLst>
+          </p:cNvPr>
+          <p:cNvSpPr/>
+          <p:nvPr/>
+        </p:nvSpPr>
+        <p:spPr>
+          <a:xfrm>
+            <a:off x="2912040" y="392040"/>
+            <a:ext cx="136080" cy="199080"/>
+          </a:xfrm>
+          <a:custGeom>
+            <a:avLst/>
+            <a:gdLst>
+              <a:gd name="textAreaLeft" fmla="*/ 0 w 136080"/>
+              <a:gd name="textAreaRight" fmla="*/ 137880 w 136080"/>
+              <a:gd name="textAreaTop" fmla="*/ 0 h 199080"/>
+              <a:gd name="textAreaBottom" fmla="*/ 200880 h 199080"/>
+            </a:gdLst>
+            <a:ahLst/>
+            <a:cxnLst/>
+            <a:rect l="textAreaLeft" t="textAreaTop" r="textAreaRight" b="textAreaBottom"/>
+            <a:pathLst>
+              <a:path w="75" h="201">
+                <a:moveTo>
+                  <a:pt x="56" y="0"/>
+                </a:moveTo>
+                <a:lnTo>
+                  <a:pt x="0" y="200"/>
+                </a:lnTo>
+                <a:lnTo>
+                  <a:pt x="18" y="200"/>
+                </a:lnTo>
+                <a:lnTo>
+                  <a:pt x="74" y="0"/>
+                </a:lnTo>
+                <a:lnTo>
+                  <a:pt x="56" y="0"/>
+                </a:lnTo>
+              </a:path>
+            </a:pathLst>
+          </a:custGeom>
+          <a:solidFill>
+            <a:srgbClr val="ED7D31"/>
+          </a:solidFill>
+          <a:ln w="12600">
+            <a:noFill/>
+          </a:ln>
+        </p:spPr>
+        <p:style>
+          <a:lnRef idx="0">
+            <a:scrgbClr r="0" g="0" b="0"/>
+          </a:lnRef>
+          <a:fillRef idx="0">
+            <a:scrgbClr r="0" g="0" b="0"/>
+          </a:fillRef>
+          <a:effectRef idx="0">
+            <a:scrgbClr r="0" g="0" b="0"/>
+          </a:effectRef>
+          <a:fontRef idx="minor"/>
+        </p:style>
+        <p:txBody>
+          <a:bodyPr lIns="90000" tIns="45000" rIns="90000" bIns="45000" anchor="t">
+            <a:noAutofit/>
+          </a:bodyPr>
+          <a:lstStyle/>
+          <a:p>
+            <a:pPr defTabSz="914400">
+              <a:lnSpc>
+                <a:spcPct val="100000"/>
+              </a:lnSpc>
+            </a:pPr>
+            <a:endParaRPr lang="es-ES" sz="1800" b="0" strike="noStrike" spc="-1">
+              <a:solidFill>
+                <a:srgbClr val="000000"/>
+              </a:solidFill>
+              <a:latin typeface="Arial"/>
+              <a:ea typeface="DejaVu Sans"/>
+            </a:endParaRPr>
+          </a:p>
+        </p:txBody>
+      </p:sp>
+      <p:sp>
+        <p:nvSpPr>
+          <p:cNvPr id="92" name="CustomShape 116">
+            <a:extLst>
+              <a:ext uri="{FF2B5EF4-FFF2-40B4-BE49-F238E27FC236}">
+                <a16:creationId xmlns:a16="http://schemas.microsoft.com/office/drawing/2014/main" id="{7F15EDC5-A388-459E-43F1-B6A2ECD6129D}"/>
+              </a:ext>
+            </a:extLst>
+          </p:cNvPr>
+          <p:cNvSpPr/>
+          <p:nvPr/>
+        </p:nvSpPr>
+        <p:spPr>
+          <a:xfrm>
+            <a:off x="3492360" y="6585120"/>
+            <a:ext cx="7161840" cy="60840"/>
+          </a:xfrm>
+          <a:custGeom>
+            <a:avLst/>
+            <a:gdLst>
+              <a:gd name="textAreaLeft" fmla="*/ 0 w 7161840"/>
+              <a:gd name="textAreaRight" fmla="*/ 7163640 w 7161840"/>
+              <a:gd name="textAreaTop" fmla="*/ 0 h 60840"/>
+              <a:gd name="textAreaBottom" fmla="*/ 62640 h 60840"/>
+            </a:gdLst>
+            <a:ahLst/>
+            <a:cxnLst/>
+            <a:rect l="textAreaLeft" t="textAreaTop" r="textAreaRight" b="textAreaBottom"/>
+            <a:pathLst>
+              <a:path w="5288" h="49">
+                <a:moveTo>
+                  <a:pt x="0" y="48"/>
+                </a:moveTo>
+                <a:lnTo>
+                  <a:pt x="5287" y="48"/>
+                </a:lnTo>
+                <a:lnTo>
+                  <a:pt x="5287" y="0"/>
+                </a:lnTo>
+                <a:lnTo>
+                  <a:pt x="14" y="0"/>
+                </a:lnTo>
+                <a:lnTo>
+                  <a:pt x="0" y="48"/>
+                </a:lnTo>
+              </a:path>
+            </a:pathLst>
+          </a:custGeom>
+          <a:solidFill>
+            <a:srgbClr val="ED7D31"/>
+          </a:solidFill>
+          <a:ln w="12600">
+            <a:noFill/>
+          </a:ln>
+        </p:spPr>
+        <p:style>
+          <a:lnRef idx="0">
+            <a:scrgbClr r="0" g="0" b="0"/>
+          </a:lnRef>
+          <a:fillRef idx="0">
+            <a:scrgbClr r="0" g="0" b="0"/>
+          </a:fillRef>
+          <a:effectRef idx="0">
+            <a:scrgbClr r="0" g="0" b="0"/>
+          </a:effectRef>
+          <a:fontRef idx="minor"/>
+        </p:style>
+        <p:txBody>
+          <a:bodyPr lIns="90000" tIns="17640" rIns="90000" bIns="17640" anchor="t">
+            <a:noAutofit/>
+          </a:bodyPr>
+          <a:lstStyle/>
+          <a:p>
+            <a:pPr defTabSz="914400">
+              <a:lnSpc>
+                <a:spcPct val="100000"/>
+              </a:lnSpc>
+            </a:pPr>
+            <a:endParaRPr lang="es-ES" sz="1800" b="0" strike="noStrike" spc="-1">
+              <a:solidFill>
+                <a:srgbClr val="000000"/>
+              </a:solidFill>
+              <a:latin typeface="Arial"/>
+              <a:ea typeface="DejaVu Sans"/>
+            </a:endParaRPr>
+          </a:p>
+        </p:txBody>
+      </p:sp>
+      <p:sp>
+        <p:nvSpPr>
+          <p:cNvPr id="93" name="CustomShape 117">
+            <a:extLst>
+              <a:ext uri="{FF2B5EF4-FFF2-40B4-BE49-F238E27FC236}">
+                <a16:creationId xmlns:a16="http://schemas.microsoft.com/office/drawing/2014/main" id="{BBF0DBE7-B6FE-221B-9C24-C3DCA268AC86}"/>
+              </a:ext>
+            </a:extLst>
+          </p:cNvPr>
+          <p:cNvSpPr/>
+          <p:nvPr/>
+        </p:nvSpPr>
+        <p:spPr>
+          <a:xfrm>
+            <a:off x="3917520" y="260640"/>
+            <a:ext cx="6463080" cy="549720"/>
+          </a:xfrm>
+          <a:prstGeom prst="rect">
+            <a:avLst/>
+          </a:prstGeom>
+          <a:noFill/>
+          <a:ln w="12600">
+            <a:noFill/>
+          </a:ln>
+        </p:spPr>
+        <p:style>
+          <a:lnRef idx="0">
+            <a:scrgbClr r="0" g="0" b="0"/>
+          </a:lnRef>
+          <a:fillRef idx="0">
+            <a:scrgbClr r="0" g="0" b="0"/>
+          </a:fillRef>
+          <a:effectRef idx="0">
+            <a:scrgbClr r="0" g="0" b="0"/>
+          </a:effectRef>
+          <a:fontRef idx="minor"/>
+        </p:style>
+        <p:txBody>
+          <a:bodyPr lIns="90000" tIns="45000" rIns="90000" bIns="45000" anchor="t">
+            <a:noAutofit/>
+          </a:bodyPr>
+          <a:lstStyle/>
+          <a:p>
+            <a:pPr defTabSz="914400">
+              <a:lnSpc>
+                <a:spcPct val="100000"/>
+              </a:lnSpc>
+            </a:pPr>
+            <a:endParaRPr lang="es-ES" sz="1800" b="0" strike="noStrike" spc="-1">
+              <a:solidFill>
+                <a:srgbClr val="000000"/>
+              </a:solidFill>
+              <a:latin typeface="Arial"/>
+              <a:ea typeface="DejaVu Sans"/>
+            </a:endParaRPr>
+          </a:p>
+        </p:txBody>
+      </p:sp>
+      <p:sp>
+        <p:nvSpPr>
+          <p:cNvPr id="94" name="CustomShape 118">
+            <a:extLst>
+              <a:ext uri="{FF2B5EF4-FFF2-40B4-BE49-F238E27FC236}">
+                <a16:creationId xmlns:a16="http://schemas.microsoft.com/office/drawing/2014/main" id="{78F0A9A9-55B0-DCB9-E341-9A48C1686F40}"/>
+              </a:ext>
+            </a:extLst>
+          </p:cNvPr>
+          <p:cNvSpPr/>
+          <p:nvPr/>
+        </p:nvSpPr>
+        <p:spPr>
+          <a:xfrm>
+            <a:off x="3917520" y="260640"/>
+            <a:ext cx="5238360" cy="410760"/>
+          </a:xfrm>
+          <a:prstGeom prst="rect">
+            <a:avLst/>
+          </a:prstGeom>
+          <a:noFill/>
+          <a:ln w="0">
+            <a:noFill/>
+          </a:ln>
+        </p:spPr>
+        <p:style>
+          <a:lnRef idx="0">
+            <a:scrgbClr r="0" g="0" b="0"/>
+          </a:lnRef>
+          <a:fillRef idx="0">
+            <a:scrgbClr r="0" g="0" b="0"/>
+          </a:fillRef>
+          <a:effectRef idx="0">
+            <a:scrgbClr r="0" g="0" b="0"/>
+          </a:effectRef>
+          <a:fontRef idx="minor"/>
+        </p:style>
+        <p:txBody>
+          <a:bodyPr lIns="90000" tIns="45000" rIns="90000" bIns="45000" anchor="t">
+            <a:noAutofit/>
+          </a:bodyPr>
+          <a:lstStyle/>
+          <a:p>
+            <a:pPr defTabSz="914400">
+              <a:lnSpc>
+                <a:spcPct val="100000"/>
+              </a:lnSpc>
+            </a:pPr>
+            <a:r>
+              <a:rPr lang="es-ES" sz="2600" b="1" strike="noStrike" spc="-1" dirty="0">
+                <a:solidFill>
+                  <a:srgbClr val="000000"/>
+                </a:solidFill>
+                <a:latin typeface="Arial"/>
+                <a:ea typeface="DejaVu Sans"/>
+              </a:rPr>
+              <a:t>BURNDOWN</a:t>
+            </a:r>
+            <a:endParaRPr lang="es-ES" sz="2600" b="0" strike="noStrike" spc="-1" dirty="0">
+              <a:solidFill>
+                <a:srgbClr val="000000"/>
+              </a:solidFill>
+              <a:latin typeface="Arial"/>
+            </a:endParaRPr>
+          </a:p>
+        </p:txBody>
+      </p:sp>
+      <p:pic>
+        <p:nvPicPr>
+          <p:cNvPr id="95" name="Imagen 24">
+            <a:extLst>
+              <a:ext uri="{FF2B5EF4-FFF2-40B4-BE49-F238E27FC236}">
+                <a16:creationId xmlns:a16="http://schemas.microsoft.com/office/drawing/2014/main" id="{70CCD7D4-6E18-F8E6-99BA-3A5B8092E2DE}"/>
+              </a:ext>
+            </a:extLst>
+          </p:cNvPr>
+          <p:cNvPicPr/>
+          <p:nvPr/>
+        </p:nvPicPr>
+        <p:blipFill>
+          <a:blip r:embed="rId3"/>
+          <a:stretch/>
+        </p:blipFill>
+        <p:spPr>
+          <a:xfrm>
+            <a:off x="87480" y="51480"/>
+            <a:ext cx="713880" cy="828720"/>
+          </a:xfrm>
+          <a:prstGeom prst="rect">
+            <a:avLst/>
+          </a:prstGeom>
+          <a:ln w="0">
+            <a:noFill/>
+          </a:ln>
+        </p:spPr>
+      </p:pic>
+      <p:pic>
+        <p:nvPicPr>
+          <p:cNvPr id="96" name="Imagen 25">
+            <a:extLst>
+              <a:ext uri="{FF2B5EF4-FFF2-40B4-BE49-F238E27FC236}">
+                <a16:creationId xmlns:a16="http://schemas.microsoft.com/office/drawing/2014/main" id="{27E2E278-4DD2-C197-CC95-2912CA812F8A}"/>
+              </a:ext>
+            </a:extLst>
+          </p:cNvPr>
+          <p:cNvPicPr/>
+          <p:nvPr/>
+        </p:nvPicPr>
+        <p:blipFill>
+          <a:blip r:embed="rId4"/>
+          <a:stretch/>
+        </p:blipFill>
+        <p:spPr>
+          <a:xfrm>
+            <a:off x="11378520" y="16200"/>
+            <a:ext cx="713880" cy="1038600"/>
+          </a:xfrm>
+          <a:prstGeom prst="rect">
+            <a:avLst/>
+          </a:prstGeom>
+          <a:ln w="0">
+            <a:noFill/>
+          </a:ln>
+        </p:spPr>
+      </p:pic>
+      <p:sp>
+        <p:nvSpPr>
+          <p:cNvPr id="97" name="PlaceHolder 3">
+            <a:extLst>
+              <a:ext uri="{FF2B5EF4-FFF2-40B4-BE49-F238E27FC236}">
+                <a16:creationId xmlns:a16="http://schemas.microsoft.com/office/drawing/2014/main" id="{CA164B33-D6BB-4E01-4990-B14616E5EBB0}"/>
+              </a:ext>
+            </a:extLst>
+          </p:cNvPr>
+          <p:cNvSpPr/>
+          <p:nvPr/>
+        </p:nvSpPr>
+        <p:spPr>
+          <a:xfrm>
+            <a:off x="610920" y="932760"/>
+            <a:ext cx="2437200" cy="5205600"/>
+          </a:xfrm>
+          <a:prstGeom prst="rect">
+            <a:avLst/>
+          </a:prstGeom>
+          <a:noFill/>
+          <a:ln w="0">
+            <a:noFill/>
+          </a:ln>
+        </p:spPr>
+        <p:style>
+          <a:lnRef idx="0">
+            <a:scrgbClr r="0" g="0" b="0"/>
+          </a:lnRef>
+          <a:fillRef idx="0">
+            <a:scrgbClr r="0" g="0" b="0"/>
+          </a:fillRef>
+          <a:effectRef idx="0">
+            <a:scrgbClr r="0" g="0" b="0"/>
+          </a:effectRef>
+          <a:fontRef idx="minor"/>
+        </p:style>
+        <p:txBody>
+          <a:bodyPr lIns="0" tIns="0" rIns="0" bIns="0" anchor="t">
+            <a:noAutofit/>
+          </a:bodyPr>
+          <a:lstStyle/>
+          <a:p>
+            <a:pPr marL="457200" defTabSz="914400">
+              <a:lnSpc>
+                <a:spcPct val="100000"/>
+              </a:lnSpc>
+            </a:pPr>
+            <a:endParaRPr lang="es-ES" sz="2400" b="0" strike="noStrike" spc="-1" dirty="0">
+              <a:solidFill>
+                <a:srgbClr val="000000"/>
+              </a:solidFill>
+              <a:latin typeface="Arial"/>
+            </a:endParaRPr>
+          </a:p>
+        </p:txBody>
+      </p:sp>
+      <p:graphicFrame>
+        <p:nvGraphicFramePr>
+          <p:cNvPr id="2" name="Chart 1">
+            <a:extLst>
+              <a:ext uri="{FF2B5EF4-FFF2-40B4-BE49-F238E27FC236}">
+                <a16:creationId xmlns:a16="http://schemas.microsoft.com/office/drawing/2014/main" id="{00000000-0008-0000-0000-000002000000}"/>
+              </a:ext>
+            </a:extLst>
+          </p:cNvPr>
+          <p:cNvGraphicFramePr>
+            <a:graphicFrameLocks/>
+          </p:cNvGraphicFramePr>
+          <p:nvPr>
+            <p:extLst>
+              <p:ext uri="{D42A27DB-BD31-4B8C-83A1-F6EECF244321}">
+                <p14:modId xmlns:p14="http://schemas.microsoft.com/office/powerpoint/2010/main" val="3525464418"/>
+              </p:ext>
+            </p:extLst>
+          </p:nvPr>
+        </p:nvGraphicFramePr>
+        <p:xfrm>
+          <a:off x="1811400" y="719639"/>
+          <a:ext cx="9061387" cy="5824035"/>
+        </p:xfrm>
+        <a:graphic>
+          <a:graphicData uri="http://schemas.openxmlformats.org/drawingml/2006/chart">
+            <c:chart xmlns:c="http://schemas.openxmlformats.org/drawingml/2006/chart" xmlns:r="http://schemas.openxmlformats.org/officeDocument/2006/relationships" r:id="rId5"/>
+          </a:graphicData>
+        </a:graphic>
+      </p:graphicFrame>
+    </p:spTree>
+    <p:extLst>
+      <p:ext uri="{BB962C8B-B14F-4D97-AF65-F5344CB8AC3E}">
+        <p14:creationId xmlns:p14="http://schemas.microsoft.com/office/powerpoint/2010/main" val="1597298343"/>
+      </p:ext>
+    </p:extLst>
+  </p:cSld>
+  <p:clrMapOvr>
+    <a:masterClrMapping/>
+  </p:clrMapOvr>
+</p:sld>
+</file>
+
+<file path=ppt/slides/slide11.xml><?xml version="1.0" encoding="utf-8"?>
+<p:sld xmlns:a="http://schemas.openxmlformats.org/drawingml/2006/main" xmlns:r="http://schemas.openxmlformats.org/officeDocument/2006/relationships" xmlns:p="http://schemas.openxmlformats.org/presentationml/2006/main">
+  <p:cSld>
+    <p:bg>
+      <p:bgPr>
+        <a:solidFill>
+          <a:schemeClr val="lt1"/>
+        </a:solidFill>
+        <a:effectLst/>
+      </p:bgPr>
+    </p:bg>
+    <p:spTree>
+      <p:nvGrpSpPr>
+        <p:cNvPr id="1" name="">
+          <a:extLst>
+            <a:ext uri="{FF2B5EF4-FFF2-40B4-BE49-F238E27FC236}">
+              <a16:creationId xmlns:a16="http://schemas.microsoft.com/office/drawing/2014/main" id="{46AF10DE-182F-FCAC-BC5F-51CE6EABB9A3}"/>
+            </a:ext>
+          </a:extLst>
+        </p:cNvPr>
+        <p:cNvGrpSpPr/>
+        <p:nvPr/>
+      </p:nvGrpSpPr>
+      <p:grpSpPr>
+        <a:xfrm>
+          <a:off x="0" y="0"/>
+          <a:ext cx="0" cy="0"/>
+          <a:chOff x="0" y="0"/>
+          <a:chExt cx="0" cy="0"/>
+        </a:xfrm>
+      </p:grpSpPr>
+      <p:sp>
+        <p:nvSpPr>
+          <p:cNvPr id="86" name="CustomShape 110">
+            <a:extLst>
+              <a:ext uri="{FF2B5EF4-FFF2-40B4-BE49-F238E27FC236}">
+                <a16:creationId xmlns:a16="http://schemas.microsoft.com/office/drawing/2014/main" id="{6FE45C6D-6DAE-8C38-365F-B216B0C025BB}"/>
+              </a:ext>
+            </a:extLst>
+          </p:cNvPr>
+          <p:cNvSpPr/>
+          <p:nvPr/>
+        </p:nvSpPr>
+        <p:spPr>
+          <a:xfrm>
+            <a:off x="772560" y="392040"/>
+            <a:ext cx="960120" cy="199080"/>
+          </a:xfrm>
+          <a:custGeom>
+            <a:avLst/>
+            <a:gdLst>
+              <a:gd name="textAreaLeft" fmla="*/ 0 w 960120"/>
+              <a:gd name="textAreaRight" fmla="*/ 961920 w 960120"/>
+              <a:gd name="textAreaTop" fmla="*/ 0 h 199080"/>
+              <a:gd name="textAreaBottom" fmla="*/ 200880 h 199080"/>
+            </a:gdLst>
+            <a:ahLst/>
+            <a:cxnLst/>
+            <a:rect l="textAreaLeft" t="textAreaTop" r="textAreaRight" b="textAreaBottom"/>
+            <a:pathLst>
+              <a:path w="479" h="201">
+                <a:moveTo>
+                  <a:pt x="0" y="0"/>
+                </a:moveTo>
+                <a:lnTo>
+                  <a:pt x="478" y="0"/>
+                </a:lnTo>
+                <a:lnTo>
+                  <a:pt x="422" y="200"/>
+                </a:lnTo>
+                <a:lnTo>
+                  <a:pt x="0" y="200"/>
+                </a:lnTo>
+                <a:lnTo>
+                  <a:pt x="0" y="0"/>
+                </a:lnTo>
+              </a:path>
+            </a:pathLst>
+          </a:custGeom>
+          <a:solidFill>
+            <a:srgbClr val="ED7D31"/>
+          </a:solidFill>
+          <a:ln w="12600">
+            <a:noFill/>
+          </a:ln>
+        </p:spPr>
+        <p:style>
+          <a:lnRef idx="0">
+            <a:scrgbClr r="0" g="0" b="0"/>
+          </a:lnRef>
+          <a:fillRef idx="0">
+            <a:scrgbClr r="0" g="0" b="0"/>
+          </a:fillRef>
+          <a:effectRef idx="0">
+            <a:scrgbClr r="0" g="0" b="0"/>
+          </a:effectRef>
+          <a:fontRef idx="minor"/>
+        </p:style>
+        <p:txBody>
+          <a:bodyPr lIns="90000" tIns="45000" rIns="90000" bIns="45000" anchor="t">
+            <a:noAutofit/>
+          </a:bodyPr>
+          <a:lstStyle/>
+          <a:p>
+            <a:pPr defTabSz="914400">
+              <a:lnSpc>
+                <a:spcPct val="100000"/>
+              </a:lnSpc>
+            </a:pPr>
+            <a:endParaRPr lang="es-ES" sz="1800" b="0" strike="noStrike" spc="-1">
+              <a:solidFill>
+                <a:srgbClr val="000000"/>
+              </a:solidFill>
+              <a:latin typeface="Arial"/>
+              <a:ea typeface="DejaVu Sans"/>
+            </a:endParaRPr>
+          </a:p>
+        </p:txBody>
+      </p:sp>
+      <p:sp>
+        <p:nvSpPr>
+          <p:cNvPr id="87" name="CustomShape 111">
+            <a:extLst>
+              <a:ext uri="{FF2B5EF4-FFF2-40B4-BE49-F238E27FC236}">
+                <a16:creationId xmlns:a16="http://schemas.microsoft.com/office/drawing/2014/main" id="{39C11285-68C7-F42B-E8F6-3B82D3364D37}"/>
+              </a:ext>
+            </a:extLst>
+          </p:cNvPr>
+          <p:cNvSpPr/>
+          <p:nvPr/>
+        </p:nvSpPr>
+        <p:spPr>
+          <a:xfrm>
+            <a:off x="1704960" y="392040"/>
+            <a:ext cx="558360" cy="199080"/>
+          </a:xfrm>
+          <a:custGeom>
+            <a:avLst/>
+            <a:gdLst>
+              <a:gd name="textAreaLeft" fmla="*/ 0 w 558360"/>
+              <a:gd name="textAreaRight" fmla="*/ 560160 w 558360"/>
+              <a:gd name="textAreaTop" fmla="*/ 0 h 199080"/>
+              <a:gd name="textAreaBottom" fmla="*/ 200880 h 199080"/>
+            </a:gdLst>
+            <a:ahLst/>
+            <a:cxnLst/>
+            <a:rect l="textAreaLeft" t="textAreaTop" r="textAreaRight" b="textAreaBottom"/>
+            <a:pathLst>
+              <a:path w="282" h="201">
+                <a:moveTo>
+                  <a:pt x="56" y="0"/>
+                </a:moveTo>
+                <a:lnTo>
+                  <a:pt x="0" y="200"/>
+                </a:lnTo>
+                <a:lnTo>
+                  <a:pt x="225" y="200"/>
+                </a:lnTo>
+                <a:lnTo>
+                  <a:pt x="281" y="0"/>
+                </a:lnTo>
+                <a:lnTo>
+                  <a:pt x="56" y="0"/>
+                </a:lnTo>
+              </a:path>
+            </a:pathLst>
+          </a:custGeom>
+          <a:solidFill>
+            <a:srgbClr val="ED7D31"/>
+          </a:solidFill>
+          <a:ln w="12600">
+            <a:noFill/>
+          </a:ln>
+        </p:spPr>
+        <p:style>
+          <a:lnRef idx="0">
+            <a:scrgbClr r="0" g="0" b="0"/>
+          </a:lnRef>
+          <a:fillRef idx="0">
+            <a:scrgbClr r="0" g="0" b="0"/>
+          </a:fillRef>
+          <a:effectRef idx="0">
+            <a:scrgbClr r="0" g="0" b="0"/>
+          </a:effectRef>
+          <a:fontRef idx="minor"/>
+        </p:style>
+        <p:txBody>
+          <a:bodyPr lIns="90000" tIns="45000" rIns="90000" bIns="45000" anchor="t">
+            <a:noAutofit/>
+          </a:bodyPr>
+          <a:lstStyle/>
+          <a:p>
+            <a:pPr defTabSz="914400">
+              <a:lnSpc>
+                <a:spcPct val="100000"/>
+              </a:lnSpc>
+            </a:pPr>
+            <a:endParaRPr lang="es-ES" sz="1800" b="0" strike="noStrike" spc="-1">
+              <a:solidFill>
+                <a:srgbClr val="000000"/>
+              </a:solidFill>
+              <a:latin typeface="Arial"/>
+              <a:ea typeface="DejaVu Sans"/>
+            </a:endParaRPr>
+          </a:p>
+        </p:txBody>
+      </p:sp>
+      <p:sp>
+        <p:nvSpPr>
+          <p:cNvPr id="88" name="CustomShape 112">
+            <a:extLst>
+              <a:ext uri="{FF2B5EF4-FFF2-40B4-BE49-F238E27FC236}">
+                <a16:creationId xmlns:a16="http://schemas.microsoft.com/office/drawing/2014/main" id="{0A67A833-7F9A-3DD4-93DB-E13303061730}"/>
+              </a:ext>
+            </a:extLst>
+          </p:cNvPr>
+          <p:cNvSpPr/>
+          <p:nvPr/>
+        </p:nvSpPr>
+        <p:spPr>
+          <a:xfrm>
+            <a:off x="2227320" y="392040"/>
+            <a:ext cx="444240" cy="199080"/>
+          </a:xfrm>
+          <a:custGeom>
+            <a:avLst/>
+            <a:gdLst>
+              <a:gd name="textAreaLeft" fmla="*/ 0 w 444240"/>
+              <a:gd name="textAreaRight" fmla="*/ 446040 w 444240"/>
+              <a:gd name="textAreaTop" fmla="*/ 0 h 199080"/>
+              <a:gd name="textAreaBottom" fmla="*/ 200880 h 199080"/>
+            </a:gdLst>
+            <a:ahLst/>
+            <a:cxnLst/>
+            <a:rect l="textAreaLeft" t="textAreaTop" r="textAreaRight" b="textAreaBottom"/>
+            <a:pathLst>
+              <a:path w="226" h="201">
+                <a:moveTo>
+                  <a:pt x="56" y="0"/>
+                </a:moveTo>
+                <a:lnTo>
+                  <a:pt x="0" y="200"/>
+                </a:lnTo>
+                <a:lnTo>
+                  <a:pt x="169" y="200"/>
+                </a:lnTo>
+                <a:lnTo>
+                  <a:pt x="225" y="0"/>
+                </a:lnTo>
+                <a:lnTo>
+                  <a:pt x="56" y="0"/>
+                </a:lnTo>
+              </a:path>
+            </a:pathLst>
+          </a:custGeom>
+          <a:solidFill>
+            <a:srgbClr val="ED7D31">
+              <a:alpha val="80000"/>
+            </a:srgbClr>
+          </a:solidFill>
+          <a:ln w="12600">
+            <a:noFill/>
+          </a:ln>
+        </p:spPr>
+        <p:style>
+          <a:lnRef idx="0">
+            <a:scrgbClr r="0" g="0" b="0"/>
+          </a:lnRef>
+          <a:fillRef idx="0">
+            <a:scrgbClr r="0" g="0" b="0"/>
+          </a:fillRef>
+          <a:effectRef idx="0">
+            <a:scrgbClr r="0" g="0" b="0"/>
+          </a:effectRef>
+          <a:fontRef idx="minor"/>
+        </p:style>
+        <p:txBody>
+          <a:bodyPr lIns="90000" tIns="45000" rIns="90000" bIns="45000" anchor="t">
+            <a:noAutofit/>
+          </a:bodyPr>
+          <a:lstStyle/>
+          <a:p>
+            <a:pPr defTabSz="914400">
+              <a:lnSpc>
+                <a:spcPct val="100000"/>
+              </a:lnSpc>
+            </a:pPr>
+            <a:endParaRPr lang="es-ES" sz="1800" b="0" strike="noStrike" spc="-1">
+              <a:solidFill>
+                <a:srgbClr val="000000"/>
+              </a:solidFill>
+              <a:latin typeface="Arial"/>
+              <a:ea typeface="DejaVu Sans"/>
+            </a:endParaRPr>
+          </a:p>
+        </p:txBody>
+      </p:sp>
+      <p:sp>
+        <p:nvSpPr>
+          <p:cNvPr id="89" name="CustomShape 113">
+            <a:extLst>
+              <a:ext uri="{FF2B5EF4-FFF2-40B4-BE49-F238E27FC236}">
+                <a16:creationId xmlns:a16="http://schemas.microsoft.com/office/drawing/2014/main" id="{3FA2C14A-7E70-AE42-FB3B-B814D5892DA4}"/>
+              </a:ext>
+            </a:extLst>
+          </p:cNvPr>
+          <p:cNvSpPr/>
+          <p:nvPr/>
+        </p:nvSpPr>
+        <p:spPr>
+          <a:xfrm>
+            <a:off x="2629080" y="392040"/>
+            <a:ext cx="329760" cy="199080"/>
+          </a:xfrm>
+          <a:custGeom>
+            <a:avLst/>
+            <a:gdLst>
+              <a:gd name="textAreaLeft" fmla="*/ 0 w 329760"/>
+              <a:gd name="textAreaRight" fmla="*/ 331560 w 329760"/>
+              <a:gd name="textAreaTop" fmla="*/ 0 h 199080"/>
+              <a:gd name="textAreaBottom" fmla="*/ 200880 h 199080"/>
+            </a:gdLst>
+            <a:ahLst/>
+            <a:cxnLst/>
+            <a:rect l="textAreaLeft" t="textAreaTop" r="textAreaRight" b="textAreaBottom"/>
+            <a:pathLst>
+              <a:path w="170" h="201">
+                <a:moveTo>
+                  <a:pt x="56" y="0"/>
+                </a:moveTo>
+                <a:lnTo>
+                  <a:pt x="0" y="200"/>
+                </a:lnTo>
+                <a:lnTo>
+                  <a:pt x="113" y="200"/>
+                </a:lnTo>
+                <a:lnTo>
+                  <a:pt x="169" y="0"/>
+                </a:lnTo>
+                <a:lnTo>
+                  <a:pt x="56" y="0"/>
+                </a:lnTo>
+              </a:path>
+            </a:pathLst>
+          </a:custGeom>
+          <a:solidFill>
+            <a:srgbClr val="ED7D31"/>
+          </a:solidFill>
+          <a:ln w="12600">
+            <a:noFill/>
+          </a:ln>
+        </p:spPr>
+        <p:style>
+          <a:lnRef idx="0">
+            <a:scrgbClr r="0" g="0" b="0"/>
+          </a:lnRef>
+          <a:fillRef idx="0">
+            <a:scrgbClr r="0" g="0" b="0"/>
+          </a:fillRef>
+          <a:effectRef idx="0">
+            <a:scrgbClr r="0" g="0" b="0"/>
+          </a:effectRef>
+          <a:fontRef idx="minor"/>
+        </p:style>
+        <p:txBody>
+          <a:bodyPr lIns="90000" tIns="45000" rIns="90000" bIns="45000" anchor="t">
+            <a:noAutofit/>
+          </a:bodyPr>
+          <a:lstStyle/>
+          <a:p>
+            <a:pPr defTabSz="914400">
+              <a:lnSpc>
+                <a:spcPct val="100000"/>
+              </a:lnSpc>
+            </a:pPr>
+            <a:endParaRPr lang="es-ES" sz="1800" b="0" strike="noStrike" spc="-1">
+              <a:solidFill>
+                <a:srgbClr val="000000"/>
+              </a:solidFill>
+              <a:latin typeface="Arial"/>
+              <a:ea typeface="DejaVu Sans"/>
+            </a:endParaRPr>
+          </a:p>
+        </p:txBody>
+      </p:sp>
+      <p:sp>
+        <p:nvSpPr>
+          <p:cNvPr id="90" name="CustomShape 114">
+            <a:extLst>
+              <a:ext uri="{FF2B5EF4-FFF2-40B4-BE49-F238E27FC236}">
+                <a16:creationId xmlns:a16="http://schemas.microsoft.com/office/drawing/2014/main" id="{52820939-B3FF-0519-5F6D-7F2238C087AA}"/>
+              </a:ext>
+            </a:extLst>
+          </p:cNvPr>
+          <p:cNvSpPr/>
+          <p:nvPr/>
+        </p:nvSpPr>
+        <p:spPr>
+          <a:xfrm>
+            <a:off x="2991240" y="392040"/>
+            <a:ext cx="213480" cy="199080"/>
+          </a:xfrm>
+          <a:custGeom>
+            <a:avLst/>
+            <a:gdLst>
+              <a:gd name="textAreaLeft" fmla="*/ 0 w 213480"/>
+              <a:gd name="textAreaRight" fmla="*/ 215280 w 213480"/>
+              <a:gd name="textAreaTop" fmla="*/ 0 h 199080"/>
+              <a:gd name="textAreaBottom" fmla="*/ 200880 h 199080"/>
+            </a:gdLst>
+            <a:ahLst/>
+            <a:cxnLst/>
+            <a:rect l="textAreaLeft" t="textAreaTop" r="textAreaRight" b="textAreaBottom"/>
+            <a:pathLst>
+              <a:path w="113" h="201">
+                <a:moveTo>
+                  <a:pt x="56" y="0"/>
+                </a:moveTo>
+                <a:lnTo>
+                  <a:pt x="0" y="200"/>
+                </a:lnTo>
+                <a:lnTo>
+                  <a:pt x="56" y="200"/>
+                </a:lnTo>
+                <a:lnTo>
+                  <a:pt x="112" y="0"/>
+                </a:lnTo>
+                <a:lnTo>
+                  <a:pt x="56" y="0"/>
+                </a:lnTo>
+              </a:path>
+            </a:pathLst>
+          </a:custGeom>
+          <a:solidFill>
+            <a:srgbClr val="ED7D31"/>
+          </a:solidFill>
+          <a:ln w="12600">
+            <a:noFill/>
+          </a:ln>
+        </p:spPr>
+        <p:style>
+          <a:lnRef idx="0">
+            <a:scrgbClr r="0" g="0" b="0"/>
+          </a:lnRef>
+          <a:fillRef idx="0">
+            <a:scrgbClr r="0" g="0" b="0"/>
+          </a:fillRef>
+          <a:effectRef idx="0">
+            <a:scrgbClr r="0" g="0" b="0"/>
+          </a:effectRef>
+          <a:fontRef idx="minor"/>
+        </p:style>
+        <p:txBody>
+          <a:bodyPr lIns="90000" tIns="45000" rIns="90000" bIns="45000" anchor="t">
+            <a:noAutofit/>
+          </a:bodyPr>
+          <a:lstStyle/>
+          <a:p>
+            <a:pPr defTabSz="914400">
+              <a:lnSpc>
+                <a:spcPct val="100000"/>
+              </a:lnSpc>
+            </a:pPr>
+            <a:endParaRPr lang="es-ES" sz="1800" b="0" strike="noStrike" spc="-1">
+              <a:solidFill>
+                <a:srgbClr val="000000"/>
+              </a:solidFill>
+              <a:latin typeface="Arial"/>
+              <a:ea typeface="DejaVu Sans"/>
+            </a:endParaRPr>
+          </a:p>
+        </p:txBody>
+      </p:sp>
+      <p:sp>
+        <p:nvSpPr>
+          <p:cNvPr id="91" name="CustomShape 115">
+            <a:extLst>
+              <a:ext uri="{FF2B5EF4-FFF2-40B4-BE49-F238E27FC236}">
+                <a16:creationId xmlns:a16="http://schemas.microsoft.com/office/drawing/2014/main" id="{676F1187-35DD-28D2-AE5C-7F1AFA77C80B}"/>
+              </a:ext>
+            </a:extLst>
+          </p:cNvPr>
+          <p:cNvSpPr/>
+          <p:nvPr/>
+        </p:nvSpPr>
+        <p:spPr>
+          <a:xfrm>
+            <a:off x="2912040" y="392040"/>
+            <a:ext cx="136080" cy="199080"/>
+          </a:xfrm>
+          <a:custGeom>
+            <a:avLst/>
+            <a:gdLst>
+              <a:gd name="textAreaLeft" fmla="*/ 0 w 136080"/>
+              <a:gd name="textAreaRight" fmla="*/ 137880 w 136080"/>
+              <a:gd name="textAreaTop" fmla="*/ 0 h 199080"/>
+              <a:gd name="textAreaBottom" fmla="*/ 200880 h 199080"/>
+            </a:gdLst>
+            <a:ahLst/>
+            <a:cxnLst/>
+            <a:rect l="textAreaLeft" t="textAreaTop" r="textAreaRight" b="textAreaBottom"/>
+            <a:pathLst>
+              <a:path w="75" h="201">
+                <a:moveTo>
+                  <a:pt x="56" y="0"/>
+                </a:moveTo>
+                <a:lnTo>
+                  <a:pt x="0" y="200"/>
+                </a:lnTo>
+                <a:lnTo>
+                  <a:pt x="18" y="200"/>
+                </a:lnTo>
+                <a:lnTo>
+                  <a:pt x="74" y="0"/>
+                </a:lnTo>
+                <a:lnTo>
+                  <a:pt x="56" y="0"/>
+                </a:lnTo>
+              </a:path>
+            </a:pathLst>
+          </a:custGeom>
+          <a:solidFill>
+            <a:srgbClr val="ED7D31"/>
+          </a:solidFill>
+          <a:ln w="12600">
+            <a:noFill/>
+          </a:ln>
+        </p:spPr>
+        <p:style>
+          <a:lnRef idx="0">
+            <a:scrgbClr r="0" g="0" b="0"/>
+          </a:lnRef>
+          <a:fillRef idx="0">
+            <a:scrgbClr r="0" g="0" b="0"/>
+          </a:fillRef>
+          <a:effectRef idx="0">
+            <a:scrgbClr r="0" g="0" b="0"/>
+          </a:effectRef>
+          <a:fontRef idx="minor"/>
+        </p:style>
+        <p:txBody>
+          <a:bodyPr lIns="90000" tIns="45000" rIns="90000" bIns="45000" anchor="t">
+            <a:noAutofit/>
+          </a:bodyPr>
+          <a:lstStyle/>
+          <a:p>
+            <a:pPr defTabSz="914400">
+              <a:lnSpc>
+                <a:spcPct val="100000"/>
+              </a:lnSpc>
+            </a:pPr>
+            <a:endParaRPr lang="es-ES" sz="1800" b="0" strike="noStrike" spc="-1">
+              <a:solidFill>
+                <a:srgbClr val="000000"/>
+              </a:solidFill>
+              <a:latin typeface="Arial"/>
+              <a:ea typeface="DejaVu Sans"/>
+            </a:endParaRPr>
+          </a:p>
+        </p:txBody>
+      </p:sp>
+      <p:sp>
+        <p:nvSpPr>
+          <p:cNvPr id="92" name="CustomShape 116">
+            <a:extLst>
+              <a:ext uri="{FF2B5EF4-FFF2-40B4-BE49-F238E27FC236}">
+                <a16:creationId xmlns:a16="http://schemas.microsoft.com/office/drawing/2014/main" id="{A310FA13-539A-802F-E35E-152D5A49B951}"/>
+              </a:ext>
+            </a:extLst>
+          </p:cNvPr>
+          <p:cNvSpPr/>
+          <p:nvPr/>
+        </p:nvSpPr>
+        <p:spPr>
+          <a:xfrm>
+            <a:off x="3492360" y="6585120"/>
+            <a:ext cx="7161840" cy="60840"/>
+          </a:xfrm>
+          <a:custGeom>
+            <a:avLst/>
+            <a:gdLst>
+              <a:gd name="textAreaLeft" fmla="*/ 0 w 7161840"/>
+              <a:gd name="textAreaRight" fmla="*/ 7163640 w 7161840"/>
+              <a:gd name="textAreaTop" fmla="*/ 0 h 60840"/>
+              <a:gd name="textAreaBottom" fmla="*/ 62640 h 60840"/>
+            </a:gdLst>
+            <a:ahLst/>
+            <a:cxnLst/>
+            <a:rect l="textAreaLeft" t="textAreaTop" r="textAreaRight" b="textAreaBottom"/>
+            <a:pathLst>
+              <a:path w="5288" h="49">
+                <a:moveTo>
+                  <a:pt x="0" y="48"/>
+                </a:moveTo>
+                <a:lnTo>
+                  <a:pt x="5287" y="48"/>
+                </a:lnTo>
+                <a:lnTo>
+                  <a:pt x="5287" y="0"/>
+                </a:lnTo>
+                <a:lnTo>
+                  <a:pt x="14" y="0"/>
+                </a:lnTo>
+                <a:lnTo>
+                  <a:pt x="0" y="48"/>
+                </a:lnTo>
+              </a:path>
+            </a:pathLst>
+          </a:custGeom>
+          <a:solidFill>
+            <a:srgbClr val="ED7D31"/>
+          </a:solidFill>
+          <a:ln w="12600">
+            <a:noFill/>
+          </a:ln>
+        </p:spPr>
+        <p:style>
+          <a:lnRef idx="0">
+            <a:scrgbClr r="0" g="0" b="0"/>
+          </a:lnRef>
+          <a:fillRef idx="0">
+            <a:scrgbClr r="0" g="0" b="0"/>
+          </a:fillRef>
+          <a:effectRef idx="0">
+            <a:scrgbClr r="0" g="0" b="0"/>
+          </a:effectRef>
+          <a:fontRef idx="minor"/>
+        </p:style>
+        <p:txBody>
+          <a:bodyPr lIns="90000" tIns="17640" rIns="90000" bIns="17640" anchor="t">
+            <a:noAutofit/>
+          </a:bodyPr>
+          <a:lstStyle/>
+          <a:p>
+            <a:pPr defTabSz="914400">
+              <a:lnSpc>
+                <a:spcPct val="100000"/>
+              </a:lnSpc>
+            </a:pPr>
+            <a:endParaRPr lang="es-ES" sz="1800" b="0" strike="noStrike" spc="-1">
+              <a:solidFill>
+                <a:srgbClr val="000000"/>
+              </a:solidFill>
+              <a:latin typeface="Arial"/>
+              <a:ea typeface="DejaVu Sans"/>
+            </a:endParaRPr>
+          </a:p>
+        </p:txBody>
+      </p:sp>
+      <p:sp>
+        <p:nvSpPr>
+          <p:cNvPr id="93" name="CustomShape 117">
+            <a:extLst>
+              <a:ext uri="{FF2B5EF4-FFF2-40B4-BE49-F238E27FC236}">
+                <a16:creationId xmlns:a16="http://schemas.microsoft.com/office/drawing/2014/main" id="{13414A6C-3954-F8FD-E080-6B1499622816}"/>
+              </a:ext>
+            </a:extLst>
+          </p:cNvPr>
+          <p:cNvSpPr/>
+          <p:nvPr/>
+        </p:nvSpPr>
+        <p:spPr>
+          <a:xfrm>
+            <a:off x="3917520" y="260640"/>
+            <a:ext cx="6463080" cy="549720"/>
+          </a:xfrm>
+          <a:prstGeom prst="rect">
+            <a:avLst/>
+          </a:prstGeom>
+          <a:noFill/>
+          <a:ln w="12600">
+            <a:noFill/>
+          </a:ln>
+        </p:spPr>
+        <p:style>
+          <a:lnRef idx="0">
+            <a:scrgbClr r="0" g="0" b="0"/>
+          </a:lnRef>
+          <a:fillRef idx="0">
+            <a:scrgbClr r="0" g="0" b="0"/>
+          </a:fillRef>
+          <a:effectRef idx="0">
+            <a:scrgbClr r="0" g="0" b="0"/>
+          </a:effectRef>
+          <a:fontRef idx="minor"/>
+        </p:style>
+        <p:txBody>
+          <a:bodyPr lIns="90000" tIns="45000" rIns="90000" bIns="45000" anchor="t">
+            <a:noAutofit/>
+          </a:bodyPr>
+          <a:lstStyle/>
+          <a:p>
+            <a:pPr defTabSz="914400">
+              <a:lnSpc>
+                <a:spcPct val="100000"/>
+              </a:lnSpc>
+            </a:pPr>
+            <a:endParaRPr lang="es-ES" sz="1800" b="0" strike="noStrike" spc="-1">
+              <a:solidFill>
+                <a:srgbClr val="000000"/>
+              </a:solidFill>
+              <a:latin typeface="Arial"/>
+              <a:ea typeface="DejaVu Sans"/>
+            </a:endParaRPr>
+          </a:p>
+        </p:txBody>
+      </p:sp>
+      <p:sp>
+        <p:nvSpPr>
+          <p:cNvPr id="94" name="CustomShape 118">
+            <a:extLst>
+              <a:ext uri="{FF2B5EF4-FFF2-40B4-BE49-F238E27FC236}">
+                <a16:creationId xmlns:a16="http://schemas.microsoft.com/office/drawing/2014/main" id="{8800FA75-C2EB-33CE-A2B5-B8DBF98D27B1}"/>
+              </a:ext>
+            </a:extLst>
+          </p:cNvPr>
+          <p:cNvSpPr/>
+          <p:nvPr/>
+        </p:nvSpPr>
+        <p:spPr>
+          <a:xfrm>
+            <a:off x="3917520" y="260640"/>
+            <a:ext cx="5238360" cy="410760"/>
+          </a:xfrm>
+          <a:prstGeom prst="rect">
+            <a:avLst/>
+          </a:prstGeom>
+          <a:noFill/>
+          <a:ln w="0">
+            <a:noFill/>
+          </a:ln>
+        </p:spPr>
+        <p:style>
+          <a:lnRef idx="0">
+            <a:scrgbClr r="0" g="0" b="0"/>
+          </a:lnRef>
+          <a:fillRef idx="0">
+            <a:scrgbClr r="0" g="0" b="0"/>
+          </a:fillRef>
+          <a:effectRef idx="0">
+            <a:scrgbClr r="0" g="0" b="0"/>
+          </a:effectRef>
+          <a:fontRef idx="minor"/>
+        </p:style>
+        <p:txBody>
+          <a:bodyPr lIns="90000" tIns="45000" rIns="90000" bIns="45000" anchor="t">
+            <a:noAutofit/>
+          </a:bodyPr>
+          <a:lstStyle/>
+          <a:p>
+            <a:pPr defTabSz="914400">
+              <a:lnSpc>
+                <a:spcPct val="100000"/>
+              </a:lnSpc>
+            </a:pPr>
+            <a:r>
+              <a:rPr lang="es-ES" sz="2600" b="1" strike="noStrike" spc="-1" dirty="0">
+                <a:solidFill>
+                  <a:srgbClr val="000000"/>
+                </a:solidFill>
+                <a:latin typeface="Arial"/>
+                <a:ea typeface="DejaVu Sans"/>
+              </a:rPr>
+              <a:t>DEMOSTRACION </a:t>
+            </a:r>
+            <a:endParaRPr lang="es-ES" sz="2600" b="0" strike="noStrike" spc="-1" dirty="0">
+              <a:solidFill>
+                <a:srgbClr val="000000"/>
+              </a:solidFill>
+              <a:latin typeface="Arial"/>
+            </a:endParaRPr>
+          </a:p>
+        </p:txBody>
+      </p:sp>
+      <p:pic>
+        <p:nvPicPr>
+          <p:cNvPr id="95" name="Imagen 24">
+            <a:extLst>
+              <a:ext uri="{FF2B5EF4-FFF2-40B4-BE49-F238E27FC236}">
+                <a16:creationId xmlns:a16="http://schemas.microsoft.com/office/drawing/2014/main" id="{772D123F-572E-56EF-BD57-30DA386F3CE3}"/>
+              </a:ext>
+            </a:extLst>
+          </p:cNvPr>
+          <p:cNvPicPr/>
+          <p:nvPr/>
+        </p:nvPicPr>
+        <p:blipFill>
+          <a:blip r:embed="rId3"/>
+          <a:stretch/>
+        </p:blipFill>
+        <p:spPr>
+          <a:xfrm>
+            <a:off x="87480" y="51480"/>
+            <a:ext cx="713880" cy="828720"/>
+          </a:xfrm>
+          <a:prstGeom prst="rect">
+            <a:avLst/>
+          </a:prstGeom>
+          <a:ln w="0">
+            <a:noFill/>
+          </a:ln>
+        </p:spPr>
+      </p:pic>
+      <p:pic>
+        <p:nvPicPr>
+          <p:cNvPr id="96" name="Imagen 25">
+            <a:extLst>
+              <a:ext uri="{FF2B5EF4-FFF2-40B4-BE49-F238E27FC236}">
+                <a16:creationId xmlns:a16="http://schemas.microsoft.com/office/drawing/2014/main" id="{01B006C9-4A74-1EAF-505D-1C44D7FAB401}"/>
+              </a:ext>
+            </a:extLst>
+          </p:cNvPr>
+          <p:cNvPicPr/>
+          <p:nvPr/>
+        </p:nvPicPr>
+        <p:blipFill>
+          <a:blip r:embed="rId4"/>
+          <a:stretch/>
+        </p:blipFill>
+        <p:spPr>
+          <a:xfrm>
+            <a:off x="11378520" y="16200"/>
+            <a:ext cx="713880" cy="1038600"/>
+          </a:xfrm>
+          <a:prstGeom prst="rect">
+            <a:avLst/>
+          </a:prstGeom>
+          <a:ln w="0">
+            <a:noFill/>
+          </a:ln>
+        </p:spPr>
+      </p:pic>
+      <p:sp>
+        <p:nvSpPr>
+          <p:cNvPr id="97" name="PlaceHolder 3">
+            <a:extLst>
+              <a:ext uri="{FF2B5EF4-FFF2-40B4-BE49-F238E27FC236}">
+                <a16:creationId xmlns:a16="http://schemas.microsoft.com/office/drawing/2014/main" id="{C22683E9-E190-3178-C48B-5D354A42A7CC}"/>
+              </a:ext>
+            </a:extLst>
+          </p:cNvPr>
+          <p:cNvSpPr/>
+          <p:nvPr/>
+        </p:nvSpPr>
+        <p:spPr>
+          <a:xfrm>
+            <a:off x="610920" y="932760"/>
+            <a:ext cx="2437200" cy="5205600"/>
+          </a:xfrm>
+          <a:prstGeom prst="rect">
+            <a:avLst/>
+          </a:prstGeom>
+          <a:noFill/>
+          <a:ln w="0">
+            <a:noFill/>
+          </a:ln>
+        </p:spPr>
+        <p:style>
+          <a:lnRef idx="0">
+            <a:scrgbClr r="0" g="0" b="0"/>
+          </a:lnRef>
+          <a:fillRef idx="0">
+            <a:scrgbClr r="0" g="0" b="0"/>
+          </a:fillRef>
+          <a:effectRef idx="0">
+            <a:scrgbClr r="0" g="0" b="0"/>
+          </a:effectRef>
+          <a:fontRef idx="minor"/>
+        </p:style>
+        <p:txBody>
+          <a:bodyPr lIns="0" tIns="0" rIns="0" bIns="0" anchor="t">
+            <a:noAutofit/>
+          </a:bodyPr>
+          <a:lstStyle/>
+          <a:p>
+            <a:pPr marL="457200" defTabSz="914400">
+              <a:lnSpc>
+                <a:spcPct val="100000"/>
+              </a:lnSpc>
+            </a:pPr>
+            <a:endParaRPr lang="es-ES" sz="2400" b="0" strike="noStrike" spc="-1" dirty="0">
+              <a:solidFill>
+                <a:srgbClr val="000000"/>
+              </a:solidFill>
+              <a:latin typeface="Arial"/>
+            </a:endParaRPr>
+          </a:p>
+        </p:txBody>
+      </p:sp>
+    </p:spTree>
+    <p:extLst>
+      <p:ext uri="{BB962C8B-B14F-4D97-AF65-F5344CB8AC3E}">
+        <p14:creationId xmlns:p14="http://schemas.microsoft.com/office/powerpoint/2010/main" val="256392808"/>
+      </p:ext>
+    </p:extLst>
+  </p:cSld>
+  <p:clrMapOvr>
+    <a:masterClrMapping/>
+  </p:clrMapOvr>
+</p:sld>
+</file>
+
+<file path=ppt/slides/slide12.xml><?xml version="1.0" encoding="utf-8"?>
+<p:sld xmlns:a="http://schemas.openxmlformats.org/drawingml/2006/main" xmlns:r="http://schemas.openxmlformats.org/officeDocument/2006/relationships" xmlns:p="http://schemas.openxmlformats.org/presentationml/2006/main">
+  <p:cSld>
+    <p:bg>
+      <p:bgPr>
+        <a:solidFill>
+          <a:schemeClr val="lt1"/>
+        </a:solidFill>
+        <a:effectLst/>
+      </p:bgPr>
+    </p:bg>
+    <p:spTree>
+      <p:nvGrpSpPr>
         <p:cNvPr id="1" name=""/>
         <p:cNvGrpSpPr/>
         <p:nvPr/>
@@ -7904,7 +11411,7 @@
                 <a:latin typeface="Arial"/>
                 <a:ea typeface="DejaVu Sans"/>
               </a:rPr>
-              <a:t>Sprint </a:t>
+              <a:t>Sprint 01 </a:t>
             </a:r>
             <a:r>
               <a:rPr lang="es-ES" sz="2600" b="0" strike="noStrike" spc="-1" dirty="0" err="1">
@@ -7934,11 +11441,6 @@
             </a:endParaRPr>
           </a:p>
           <a:p>
-            <a:pPr defTabSz="914400">
-              <a:lnSpc>
-                <a:spcPct val="100000"/>
-              </a:lnSpc>
-            </a:pPr>
             <a:r>
               <a:rPr lang="es-ES" sz="2400" b="0" strike="noStrike" spc="-1" dirty="0">
                 <a:solidFill>
@@ -7950,15 +11452,15 @@
               <a:t>	- </a:t>
             </a:r>
             <a:r>
-              <a:rPr lang="es-ES" sz="2400" b="0" strike="noStrike" spc="-1" dirty="0" err="1">
+              <a:rPr lang="es-ES" sz="2400" spc="-1" dirty="0">
                 <a:solidFill>
                   <a:srgbClr val="000000"/>
                 </a:solidFill>
-                <a:latin typeface="Arial"/>
-                <a:ea typeface="DejaVu Sans"/>
               </a:rPr>
-              <a:t>Daily</a:t>
+              <a:t>Sprint 01 Backlog </a:t>
             </a:r>
+          </a:p>
+          <a:p>
             <a:r>
               <a:rPr lang="es-ES" sz="2400" b="0" strike="noStrike" spc="-1" dirty="0">
                 <a:solidFill>
@@ -7967,46 +11469,55 @@
                 <a:latin typeface="Arial"/>
                 <a:ea typeface="DejaVu Sans"/>
               </a:rPr>
-              <a:t> Scrum</a:t>
+              <a:t>	- Épicas</a:t>
+            </a:r>
+          </a:p>
+          <a:p>
+            <a:r>
+              <a:rPr lang="es-ES" sz="2400" spc="-1" dirty="0">
+                <a:solidFill>
+                  <a:srgbClr val="000000"/>
+                </a:solidFill>
+                <a:latin typeface="Arial"/>
+                <a:ea typeface="DejaVu Sans"/>
+              </a:rPr>
+              <a:t>	- Incrementos</a:t>
             </a:r>
             <a:endParaRPr lang="es-ES" sz="2400" b="0" strike="noStrike" spc="-1" dirty="0">
               <a:solidFill>
                 <a:srgbClr val="000000"/>
               </a:solidFill>
               <a:latin typeface="Arial"/>
+              <a:ea typeface="DejaVu Sans"/>
             </a:endParaRPr>
           </a:p>
           <a:p>
-            <a:pPr defTabSz="914400">
-              <a:lnSpc>
-                <a:spcPct val="100000"/>
-              </a:lnSpc>
-            </a:pPr>
             <a:r>
-              <a:rPr lang="es-ES" sz="2400" b="0" strike="noStrike" spc="-1" dirty="0">
+              <a:rPr lang="es-ES" sz="2400" spc="-1" dirty="0">
                 <a:solidFill>
                   <a:srgbClr val="000000"/>
                 </a:solidFill>
                 <a:latin typeface="Arial"/>
                 <a:ea typeface="DejaVu Sans"/>
               </a:rPr>
-              <a:t>	- Sprint </a:t>
+              <a:t>	- </a:t>
             </a:r>
             <a:r>
-              <a:rPr lang="es-ES" sz="2400" b="0" strike="noStrike" spc="-1" dirty="0" err="1">
+              <a:rPr lang="es-ES" sz="2400" spc="-1" dirty="0" err="1">
                 <a:solidFill>
                   <a:srgbClr val="000000"/>
                 </a:solidFill>
                 <a:latin typeface="Arial"/>
                 <a:ea typeface="DejaVu Sans"/>
               </a:rPr>
-              <a:t>Review</a:t>
+              <a:t>Burndown</a:t>
             </a:r>
-            <a:endParaRPr lang="es-ES" sz="2400" b="0" strike="noStrike" spc="-1" dirty="0">
+            <a:endParaRPr lang="es-ES" sz="2400" spc="-1" dirty="0">
               <a:solidFill>
                 <a:srgbClr val="000000"/>
               </a:solidFill>
               <a:latin typeface="Arial"/>
+              <a:ea typeface="DejaVu Sans"/>
             </a:endParaRPr>
           </a:p>
           <a:p>
@@ -12179,7 +15690,7 @@
                   <a:schemeClr val="accent1"/>
                 </a:solidFill>
               </a:rPr>
-              <a:t> 28 Issues</a:t>
+              <a:t> 29 Issues</a:t>
             </a:r>
           </a:p>
         </p:txBody>
@@ -12960,7 +16471,7 @@
                 <a:latin typeface="Arial"/>
                 <a:ea typeface="DejaVu Sans"/>
               </a:rPr>
-              <a:t>SPRINT 01 BACKLOG</a:t>
+              <a:t>ÉPICAS</a:t>
             </a:r>
             <a:endParaRPr lang="es-ES" sz="2600" b="0" strike="noStrike" spc="-1" dirty="0">
               <a:solidFill>
@@ -13086,12 +16597,48 @@
           </a:p>
         </p:txBody>
       </p:sp>
-      <p:sp>
-        <p:nvSpPr>
-          <p:cNvPr id="2" name="CuadroTexto 1">
+      <p:pic>
+        <p:nvPicPr>
+          <p:cNvPr id="4" name="Imagen 3">
             <a:extLst>
               <a:ext uri="{FF2B5EF4-FFF2-40B4-BE49-F238E27FC236}">
-                <a16:creationId xmlns:a16="http://schemas.microsoft.com/office/drawing/2014/main" id="{4479D7BE-56C2-2989-E106-6344A192ED01}"/>
+                <a16:creationId xmlns:a16="http://schemas.microsoft.com/office/drawing/2014/main" id="{5BE31102-98A3-902A-185D-42AD31A4E2EB}"/>
+              </a:ext>
+            </a:extLst>
+          </p:cNvPr>
+          <p:cNvPicPr>
+            <a:picLocks noChangeAspect="1"/>
+          </p:cNvPicPr>
+          <p:nvPr/>
+        </p:nvPicPr>
+        <p:blipFill>
+          <a:blip r:embed="rId5">
+            <a:extLst>
+              <a:ext uri="{28A0092B-C50C-407E-A947-70E740481C1C}">
+                <a14:useLocalDpi xmlns:a14="http://schemas.microsoft.com/office/drawing/2010/main" val="0"/>
+              </a:ext>
+            </a:extLst>
+          </a:blip>
+          <a:stretch>
+            <a:fillRect/>
+          </a:stretch>
+        </p:blipFill>
+        <p:spPr>
+          <a:xfrm>
+            <a:off x="710519" y="2814943"/>
+            <a:ext cx="10603832" cy="3323417"/>
+          </a:xfrm>
+          <a:prstGeom prst="rect">
+            <a:avLst/>
+          </a:prstGeom>
+        </p:spPr>
+      </p:pic>
+      <p:sp>
+        <p:nvSpPr>
+          <p:cNvPr id="5" name="CuadroTexto 4">
+            <a:extLst>
+              <a:ext uri="{FF2B5EF4-FFF2-40B4-BE49-F238E27FC236}">
+                <a16:creationId xmlns:a16="http://schemas.microsoft.com/office/drawing/2014/main" id="{CFEB818B-63B2-BE3C-B571-FEDCD22E3C93}"/>
               </a:ext>
             </a:extLst>
           </p:cNvPr>
@@ -13100,8 +16647,8 @@
         </p:nvSpPr>
         <p:spPr>
           <a:xfrm>
-            <a:off x="3048120" y="932760"/>
-            <a:ext cx="5783180" cy="584775"/>
+            <a:off x="3749366" y="943642"/>
+            <a:ext cx="7667946" cy="2246769"/>
           </a:xfrm>
           <a:prstGeom prst="rect">
             <a:avLst/>
@@ -13114,15 +16661,48 @@
           </a:bodyPr>
           <a:lstStyle/>
           <a:p>
-            <a:pPr algn="ctr"/>
             <a:r>
-              <a:rPr lang="es-ES" sz="3200" b="1" dirty="0">
+              <a:rPr lang="es-ES" sz="2800" b="1" dirty="0">
                 <a:solidFill>
-                  <a:schemeClr val="accent1"/>
+                  <a:srgbClr val="0070C0"/>
                 </a:solidFill>
               </a:rPr>
-              <a:t>EPICAS</a:t>
+              <a:t>3 Épicas:</a:t>
             </a:r>
+          </a:p>
+          <a:p>
+            <a:pPr marL="457200" indent="-457200">
+              <a:buFont typeface="Arial" panose="020B0604020202020204" pitchFamily="34" charset="0"/>
+              <a:buChar char="•"/>
+            </a:pPr>
+            <a:r>
+              <a:rPr lang="es-ES" sz="2800" b="1" dirty="0"/>
+              <a:t>Autores y Artículos</a:t>
+            </a:r>
+          </a:p>
+          <a:p>
+            <a:pPr marL="457200" indent="-457200">
+              <a:buFont typeface="Arial" panose="020B0604020202020204" pitchFamily="34" charset="0"/>
+              <a:buChar char="•"/>
+            </a:pPr>
+            <a:r>
+              <a:rPr lang="es-ES" sz="2800" b="1" dirty="0"/>
+              <a:t>Consejeros y Evaluaciones</a:t>
+            </a:r>
+          </a:p>
+          <a:p>
+            <a:pPr marL="457200" indent="-457200">
+              <a:buFont typeface="Arial" panose="020B0604020202020204" pitchFamily="34" charset="0"/>
+              <a:buChar char="•"/>
+            </a:pPr>
+            <a:r>
+              <a:rPr lang="es-ES" sz="2800" b="1" dirty="0"/>
+              <a:t>Gestión de Números de Revista</a:t>
+            </a:r>
+            <a:endParaRPr lang="es-ES" sz="2800" dirty="0"/>
+          </a:p>
+          <a:p>
+            <a:endParaRPr lang="es-ES" sz="2800" dirty="0"/>
           </a:p>
         </p:txBody>
       </p:sp>
@@ -13140,938 +16720,6 @@
 </file>
 
 <file path=ppt/slides/slide7.xml><?xml version="1.0" encoding="utf-8"?>
-<p:sld xmlns:a="http://schemas.openxmlformats.org/drawingml/2006/main" xmlns:r="http://schemas.openxmlformats.org/officeDocument/2006/relationships" xmlns:p="http://schemas.openxmlformats.org/presentationml/2006/main">
-  <p:cSld>
-    <p:bg>
-      <p:bgPr>
-        <a:solidFill>
-          <a:schemeClr val="lt1"/>
-        </a:solidFill>
-        <a:effectLst/>
-      </p:bgPr>
-    </p:bg>
-    <p:spTree>
-      <p:nvGrpSpPr>
-        <p:cNvPr id="1" name="">
-          <a:extLst>
-            <a:ext uri="{FF2B5EF4-FFF2-40B4-BE49-F238E27FC236}">
-              <a16:creationId xmlns:a16="http://schemas.microsoft.com/office/drawing/2014/main" id="{3EF3D0CE-751A-AF42-283F-F0F6F0FB4707}"/>
-            </a:ext>
-          </a:extLst>
-        </p:cNvPr>
-        <p:cNvGrpSpPr/>
-        <p:nvPr/>
-      </p:nvGrpSpPr>
-      <p:grpSpPr>
-        <a:xfrm>
-          <a:off x="0" y="0"/>
-          <a:ext cx="0" cy="0"/>
-          <a:chOff x="0" y="0"/>
-          <a:chExt cx="0" cy="0"/>
-        </a:xfrm>
-      </p:grpSpPr>
-      <p:sp>
-        <p:nvSpPr>
-          <p:cNvPr id="86" name="CustomShape 110">
-            <a:extLst>
-              <a:ext uri="{FF2B5EF4-FFF2-40B4-BE49-F238E27FC236}">
-                <a16:creationId xmlns:a16="http://schemas.microsoft.com/office/drawing/2014/main" id="{06382C58-6524-B4B2-977B-E89FF630D8F5}"/>
-              </a:ext>
-            </a:extLst>
-          </p:cNvPr>
-          <p:cNvSpPr/>
-          <p:nvPr/>
-        </p:nvSpPr>
-        <p:spPr>
-          <a:xfrm>
-            <a:off x="772560" y="392040"/>
-            <a:ext cx="960120" cy="199080"/>
-          </a:xfrm>
-          <a:custGeom>
-            <a:avLst/>
-            <a:gdLst>
-              <a:gd name="textAreaLeft" fmla="*/ 0 w 960120"/>
-              <a:gd name="textAreaRight" fmla="*/ 961920 w 960120"/>
-              <a:gd name="textAreaTop" fmla="*/ 0 h 199080"/>
-              <a:gd name="textAreaBottom" fmla="*/ 200880 h 199080"/>
-            </a:gdLst>
-            <a:ahLst/>
-            <a:cxnLst/>
-            <a:rect l="textAreaLeft" t="textAreaTop" r="textAreaRight" b="textAreaBottom"/>
-            <a:pathLst>
-              <a:path w="479" h="201">
-                <a:moveTo>
-                  <a:pt x="0" y="0"/>
-                </a:moveTo>
-                <a:lnTo>
-                  <a:pt x="478" y="0"/>
-                </a:lnTo>
-                <a:lnTo>
-                  <a:pt x="422" y="200"/>
-                </a:lnTo>
-                <a:lnTo>
-                  <a:pt x="0" y="200"/>
-                </a:lnTo>
-                <a:lnTo>
-                  <a:pt x="0" y="0"/>
-                </a:lnTo>
-              </a:path>
-            </a:pathLst>
-          </a:custGeom>
-          <a:solidFill>
-            <a:srgbClr val="ED7D31"/>
-          </a:solidFill>
-          <a:ln w="12600">
-            <a:noFill/>
-          </a:ln>
-        </p:spPr>
-        <p:style>
-          <a:lnRef idx="0">
-            <a:scrgbClr r="0" g="0" b="0"/>
-          </a:lnRef>
-          <a:fillRef idx="0">
-            <a:scrgbClr r="0" g="0" b="0"/>
-          </a:fillRef>
-          <a:effectRef idx="0">
-            <a:scrgbClr r="0" g="0" b="0"/>
-          </a:effectRef>
-          <a:fontRef idx="minor"/>
-        </p:style>
-        <p:txBody>
-          <a:bodyPr lIns="90000" tIns="45000" rIns="90000" bIns="45000" anchor="t">
-            <a:noAutofit/>
-          </a:bodyPr>
-          <a:lstStyle/>
-          <a:p>
-            <a:pPr defTabSz="914400">
-              <a:lnSpc>
-                <a:spcPct val="100000"/>
-              </a:lnSpc>
-            </a:pPr>
-            <a:endParaRPr lang="es-ES" sz="1800" b="0" strike="noStrike" spc="-1">
-              <a:solidFill>
-                <a:srgbClr val="000000"/>
-              </a:solidFill>
-              <a:latin typeface="Arial"/>
-              <a:ea typeface="DejaVu Sans"/>
-            </a:endParaRPr>
-          </a:p>
-        </p:txBody>
-      </p:sp>
-      <p:sp>
-        <p:nvSpPr>
-          <p:cNvPr id="87" name="CustomShape 111">
-            <a:extLst>
-              <a:ext uri="{FF2B5EF4-FFF2-40B4-BE49-F238E27FC236}">
-                <a16:creationId xmlns:a16="http://schemas.microsoft.com/office/drawing/2014/main" id="{37B41D7C-093B-1B9E-4985-24E833A1DCB9}"/>
-              </a:ext>
-            </a:extLst>
-          </p:cNvPr>
-          <p:cNvSpPr/>
-          <p:nvPr/>
-        </p:nvSpPr>
-        <p:spPr>
-          <a:xfrm>
-            <a:off x="1704960" y="392040"/>
-            <a:ext cx="558360" cy="199080"/>
-          </a:xfrm>
-          <a:custGeom>
-            <a:avLst/>
-            <a:gdLst>
-              <a:gd name="textAreaLeft" fmla="*/ 0 w 558360"/>
-              <a:gd name="textAreaRight" fmla="*/ 560160 w 558360"/>
-              <a:gd name="textAreaTop" fmla="*/ 0 h 199080"/>
-              <a:gd name="textAreaBottom" fmla="*/ 200880 h 199080"/>
-            </a:gdLst>
-            <a:ahLst/>
-            <a:cxnLst/>
-            <a:rect l="textAreaLeft" t="textAreaTop" r="textAreaRight" b="textAreaBottom"/>
-            <a:pathLst>
-              <a:path w="282" h="201">
-                <a:moveTo>
-                  <a:pt x="56" y="0"/>
-                </a:moveTo>
-                <a:lnTo>
-                  <a:pt x="0" y="200"/>
-                </a:lnTo>
-                <a:lnTo>
-                  <a:pt x="225" y="200"/>
-                </a:lnTo>
-                <a:lnTo>
-                  <a:pt x="281" y="0"/>
-                </a:lnTo>
-                <a:lnTo>
-                  <a:pt x="56" y="0"/>
-                </a:lnTo>
-              </a:path>
-            </a:pathLst>
-          </a:custGeom>
-          <a:solidFill>
-            <a:srgbClr val="ED7D31"/>
-          </a:solidFill>
-          <a:ln w="12600">
-            <a:noFill/>
-          </a:ln>
-        </p:spPr>
-        <p:style>
-          <a:lnRef idx="0">
-            <a:scrgbClr r="0" g="0" b="0"/>
-          </a:lnRef>
-          <a:fillRef idx="0">
-            <a:scrgbClr r="0" g="0" b="0"/>
-          </a:fillRef>
-          <a:effectRef idx="0">
-            <a:scrgbClr r="0" g="0" b="0"/>
-          </a:effectRef>
-          <a:fontRef idx="minor"/>
-        </p:style>
-        <p:txBody>
-          <a:bodyPr lIns="90000" tIns="45000" rIns="90000" bIns="45000" anchor="t">
-            <a:noAutofit/>
-          </a:bodyPr>
-          <a:lstStyle/>
-          <a:p>
-            <a:pPr defTabSz="914400">
-              <a:lnSpc>
-                <a:spcPct val="100000"/>
-              </a:lnSpc>
-            </a:pPr>
-            <a:endParaRPr lang="es-ES" sz="1800" b="0" strike="noStrike" spc="-1">
-              <a:solidFill>
-                <a:srgbClr val="000000"/>
-              </a:solidFill>
-              <a:latin typeface="Arial"/>
-              <a:ea typeface="DejaVu Sans"/>
-            </a:endParaRPr>
-          </a:p>
-        </p:txBody>
-      </p:sp>
-      <p:sp>
-        <p:nvSpPr>
-          <p:cNvPr id="88" name="CustomShape 112">
-            <a:extLst>
-              <a:ext uri="{FF2B5EF4-FFF2-40B4-BE49-F238E27FC236}">
-                <a16:creationId xmlns:a16="http://schemas.microsoft.com/office/drawing/2014/main" id="{7D406422-1B38-5D75-8835-26A6D27A863C}"/>
-              </a:ext>
-            </a:extLst>
-          </p:cNvPr>
-          <p:cNvSpPr/>
-          <p:nvPr/>
-        </p:nvSpPr>
-        <p:spPr>
-          <a:xfrm>
-            <a:off x="2227320" y="392040"/>
-            <a:ext cx="444240" cy="199080"/>
-          </a:xfrm>
-          <a:custGeom>
-            <a:avLst/>
-            <a:gdLst>
-              <a:gd name="textAreaLeft" fmla="*/ 0 w 444240"/>
-              <a:gd name="textAreaRight" fmla="*/ 446040 w 444240"/>
-              <a:gd name="textAreaTop" fmla="*/ 0 h 199080"/>
-              <a:gd name="textAreaBottom" fmla="*/ 200880 h 199080"/>
-            </a:gdLst>
-            <a:ahLst/>
-            <a:cxnLst/>
-            <a:rect l="textAreaLeft" t="textAreaTop" r="textAreaRight" b="textAreaBottom"/>
-            <a:pathLst>
-              <a:path w="226" h="201">
-                <a:moveTo>
-                  <a:pt x="56" y="0"/>
-                </a:moveTo>
-                <a:lnTo>
-                  <a:pt x="0" y="200"/>
-                </a:lnTo>
-                <a:lnTo>
-                  <a:pt x="169" y="200"/>
-                </a:lnTo>
-                <a:lnTo>
-                  <a:pt x="225" y="0"/>
-                </a:lnTo>
-                <a:lnTo>
-                  <a:pt x="56" y="0"/>
-                </a:lnTo>
-              </a:path>
-            </a:pathLst>
-          </a:custGeom>
-          <a:solidFill>
-            <a:srgbClr val="ED7D31">
-              <a:alpha val="80000"/>
-            </a:srgbClr>
-          </a:solidFill>
-          <a:ln w="12600">
-            <a:noFill/>
-          </a:ln>
-        </p:spPr>
-        <p:style>
-          <a:lnRef idx="0">
-            <a:scrgbClr r="0" g="0" b="0"/>
-          </a:lnRef>
-          <a:fillRef idx="0">
-            <a:scrgbClr r="0" g="0" b="0"/>
-          </a:fillRef>
-          <a:effectRef idx="0">
-            <a:scrgbClr r="0" g="0" b="0"/>
-          </a:effectRef>
-          <a:fontRef idx="minor"/>
-        </p:style>
-        <p:txBody>
-          <a:bodyPr lIns="90000" tIns="45000" rIns="90000" bIns="45000" anchor="t">
-            <a:noAutofit/>
-          </a:bodyPr>
-          <a:lstStyle/>
-          <a:p>
-            <a:pPr defTabSz="914400">
-              <a:lnSpc>
-                <a:spcPct val="100000"/>
-              </a:lnSpc>
-            </a:pPr>
-            <a:endParaRPr lang="es-ES" sz="1800" b="0" strike="noStrike" spc="-1">
-              <a:solidFill>
-                <a:srgbClr val="000000"/>
-              </a:solidFill>
-              <a:latin typeface="Arial"/>
-              <a:ea typeface="DejaVu Sans"/>
-            </a:endParaRPr>
-          </a:p>
-        </p:txBody>
-      </p:sp>
-      <p:sp>
-        <p:nvSpPr>
-          <p:cNvPr id="89" name="CustomShape 113">
-            <a:extLst>
-              <a:ext uri="{FF2B5EF4-FFF2-40B4-BE49-F238E27FC236}">
-                <a16:creationId xmlns:a16="http://schemas.microsoft.com/office/drawing/2014/main" id="{FCCB649D-2745-9441-A053-5A55059590EC}"/>
-              </a:ext>
-            </a:extLst>
-          </p:cNvPr>
-          <p:cNvSpPr/>
-          <p:nvPr/>
-        </p:nvSpPr>
-        <p:spPr>
-          <a:xfrm>
-            <a:off x="2629080" y="392040"/>
-            <a:ext cx="329760" cy="199080"/>
-          </a:xfrm>
-          <a:custGeom>
-            <a:avLst/>
-            <a:gdLst>
-              <a:gd name="textAreaLeft" fmla="*/ 0 w 329760"/>
-              <a:gd name="textAreaRight" fmla="*/ 331560 w 329760"/>
-              <a:gd name="textAreaTop" fmla="*/ 0 h 199080"/>
-              <a:gd name="textAreaBottom" fmla="*/ 200880 h 199080"/>
-            </a:gdLst>
-            <a:ahLst/>
-            <a:cxnLst/>
-            <a:rect l="textAreaLeft" t="textAreaTop" r="textAreaRight" b="textAreaBottom"/>
-            <a:pathLst>
-              <a:path w="170" h="201">
-                <a:moveTo>
-                  <a:pt x="56" y="0"/>
-                </a:moveTo>
-                <a:lnTo>
-                  <a:pt x="0" y="200"/>
-                </a:lnTo>
-                <a:lnTo>
-                  <a:pt x="113" y="200"/>
-                </a:lnTo>
-                <a:lnTo>
-                  <a:pt x="169" y="0"/>
-                </a:lnTo>
-                <a:lnTo>
-                  <a:pt x="56" y="0"/>
-                </a:lnTo>
-              </a:path>
-            </a:pathLst>
-          </a:custGeom>
-          <a:solidFill>
-            <a:srgbClr val="ED7D31"/>
-          </a:solidFill>
-          <a:ln w="12600">
-            <a:noFill/>
-          </a:ln>
-        </p:spPr>
-        <p:style>
-          <a:lnRef idx="0">
-            <a:scrgbClr r="0" g="0" b="0"/>
-          </a:lnRef>
-          <a:fillRef idx="0">
-            <a:scrgbClr r="0" g="0" b="0"/>
-          </a:fillRef>
-          <a:effectRef idx="0">
-            <a:scrgbClr r="0" g="0" b="0"/>
-          </a:effectRef>
-          <a:fontRef idx="minor"/>
-        </p:style>
-        <p:txBody>
-          <a:bodyPr lIns="90000" tIns="45000" rIns="90000" bIns="45000" anchor="t">
-            <a:noAutofit/>
-          </a:bodyPr>
-          <a:lstStyle/>
-          <a:p>
-            <a:pPr defTabSz="914400">
-              <a:lnSpc>
-                <a:spcPct val="100000"/>
-              </a:lnSpc>
-            </a:pPr>
-            <a:endParaRPr lang="es-ES" sz="1800" b="0" strike="noStrike" spc="-1">
-              <a:solidFill>
-                <a:srgbClr val="000000"/>
-              </a:solidFill>
-              <a:latin typeface="Arial"/>
-              <a:ea typeface="DejaVu Sans"/>
-            </a:endParaRPr>
-          </a:p>
-        </p:txBody>
-      </p:sp>
-      <p:sp>
-        <p:nvSpPr>
-          <p:cNvPr id="90" name="CustomShape 114">
-            <a:extLst>
-              <a:ext uri="{FF2B5EF4-FFF2-40B4-BE49-F238E27FC236}">
-                <a16:creationId xmlns:a16="http://schemas.microsoft.com/office/drawing/2014/main" id="{3593FC77-645F-C6E6-6219-D6D6FE29A284}"/>
-              </a:ext>
-            </a:extLst>
-          </p:cNvPr>
-          <p:cNvSpPr/>
-          <p:nvPr/>
-        </p:nvSpPr>
-        <p:spPr>
-          <a:xfrm>
-            <a:off x="2991240" y="392040"/>
-            <a:ext cx="213480" cy="199080"/>
-          </a:xfrm>
-          <a:custGeom>
-            <a:avLst/>
-            <a:gdLst>
-              <a:gd name="textAreaLeft" fmla="*/ 0 w 213480"/>
-              <a:gd name="textAreaRight" fmla="*/ 215280 w 213480"/>
-              <a:gd name="textAreaTop" fmla="*/ 0 h 199080"/>
-              <a:gd name="textAreaBottom" fmla="*/ 200880 h 199080"/>
-            </a:gdLst>
-            <a:ahLst/>
-            <a:cxnLst/>
-            <a:rect l="textAreaLeft" t="textAreaTop" r="textAreaRight" b="textAreaBottom"/>
-            <a:pathLst>
-              <a:path w="113" h="201">
-                <a:moveTo>
-                  <a:pt x="56" y="0"/>
-                </a:moveTo>
-                <a:lnTo>
-                  <a:pt x="0" y="200"/>
-                </a:lnTo>
-                <a:lnTo>
-                  <a:pt x="56" y="200"/>
-                </a:lnTo>
-                <a:lnTo>
-                  <a:pt x="112" y="0"/>
-                </a:lnTo>
-                <a:lnTo>
-                  <a:pt x="56" y="0"/>
-                </a:lnTo>
-              </a:path>
-            </a:pathLst>
-          </a:custGeom>
-          <a:solidFill>
-            <a:srgbClr val="ED7D31"/>
-          </a:solidFill>
-          <a:ln w="12600">
-            <a:noFill/>
-          </a:ln>
-        </p:spPr>
-        <p:style>
-          <a:lnRef idx="0">
-            <a:scrgbClr r="0" g="0" b="0"/>
-          </a:lnRef>
-          <a:fillRef idx="0">
-            <a:scrgbClr r="0" g="0" b="0"/>
-          </a:fillRef>
-          <a:effectRef idx="0">
-            <a:scrgbClr r="0" g="0" b="0"/>
-          </a:effectRef>
-          <a:fontRef idx="minor"/>
-        </p:style>
-        <p:txBody>
-          <a:bodyPr lIns="90000" tIns="45000" rIns="90000" bIns="45000" anchor="t">
-            <a:noAutofit/>
-          </a:bodyPr>
-          <a:lstStyle/>
-          <a:p>
-            <a:pPr defTabSz="914400">
-              <a:lnSpc>
-                <a:spcPct val="100000"/>
-              </a:lnSpc>
-            </a:pPr>
-            <a:endParaRPr lang="es-ES" sz="1800" b="0" strike="noStrike" spc="-1">
-              <a:solidFill>
-                <a:srgbClr val="000000"/>
-              </a:solidFill>
-              <a:latin typeface="Arial"/>
-              <a:ea typeface="DejaVu Sans"/>
-            </a:endParaRPr>
-          </a:p>
-        </p:txBody>
-      </p:sp>
-      <p:sp>
-        <p:nvSpPr>
-          <p:cNvPr id="91" name="CustomShape 115">
-            <a:extLst>
-              <a:ext uri="{FF2B5EF4-FFF2-40B4-BE49-F238E27FC236}">
-                <a16:creationId xmlns:a16="http://schemas.microsoft.com/office/drawing/2014/main" id="{B21E9388-DC5A-9E75-3CB6-0B08B1F7B8E4}"/>
-              </a:ext>
-            </a:extLst>
-          </p:cNvPr>
-          <p:cNvSpPr/>
-          <p:nvPr/>
-        </p:nvSpPr>
-        <p:spPr>
-          <a:xfrm>
-            <a:off x="2912040" y="392040"/>
-            <a:ext cx="136080" cy="199080"/>
-          </a:xfrm>
-          <a:custGeom>
-            <a:avLst/>
-            <a:gdLst>
-              <a:gd name="textAreaLeft" fmla="*/ 0 w 136080"/>
-              <a:gd name="textAreaRight" fmla="*/ 137880 w 136080"/>
-              <a:gd name="textAreaTop" fmla="*/ 0 h 199080"/>
-              <a:gd name="textAreaBottom" fmla="*/ 200880 h 199080"/>
-            </a:gdLst>
-            <a:ahLst/>
-            <a:cxnLst/>
-            <a:rect l="textAreaLeft" t="textAreaTop" r="textAreaRight" b="textAreaBottom"/>
-            <a:pathLst>
-              <a:path w="75" h="201">
-                <a:moveTo>
-                  <a:pt x="56" y="0"/>
-                </a:moveTo>
-                <a:lnTo>
-                  <a:pt x="0" y="200"/>
-                </a:lnTo>
-                <a:lnTo>
-                  <a:pt x="18" y="200"/>
-                </a:lnTo>
-                <a:lnTo>
-                  <a:pt x="74" y="0"/>
-                </a:lnTo>
-                <a:lnTo>
-                  <a:pt x="56" y="0"/>
-                </a:lnTo>
-              </a:path>
-            </a:pathLst>
-          </a:custGeom>
-          <a:solidFill>
-            <a:srgbClr val="ED7D31"/>
-          </a:solidFill>
-          <a:ln w="12600">
-            <a:noFill/>
-          </a:ln>
-        </p:spPr>
-        <p:style>
-          <a:lnRef idx="0">
-            <a:scrgbClr r="0" g="0" b="0"/>
-          </a:lnRef>
-          <a:fillRef idx="0">
-            <a:scrgbClr r="0" g="0" b="0"/>
-          </a:fillRef>
-          <a:effectRef idx="0">
-            <a:scrgbClr r="0" g="0" b="0"/>
-          </a:effectRef>
-          <a:fontRef idx="minor"/>
-        </p:style>
-        <p:txBody>
-          <a:bodyPr lIns="90000" tIns="45000" rIns="90000" bIns="45000" anchor="t">
-            <a:noAutofit/>
-          </a:bodyPr>
-          <a:lstStyle/>
-          <a:p>
-            <a:pPr defTabSz="914400">
-              <a:lnSpc>
-                <a:spcPct val="100000"/>
-              </a:lnSpc>
-            </a:pPr>
-            <a:endParaRPr lang="es-ES" sz="1800" b="0" strike="noStrike" spc="-1">
-              <a:solidFill>
-                <a:srgbClr val="000000"/>
-              </a:solidFill>
-              <a:latin typeface="Arial"/>
-              <a:ea typeface="DejaVu Sans"/>
-            </a:endParaRPr>
-          </a:p>
-        </p:txBody>
-      </p:sp>
-      <p:sp>
-        <p:nvSpPr>
-          <p:cNvPr id="92" name="CustomShape 116">
-            <a:extLst>
-              <a:ext uri="{FF2B5EF4-FFF2-40B4-BE49-F238E27FC236}">
-                <a16:creationId xmlns:a16="http://schemas.microsoft.com/office/drawing/2014/main" id="{7F15EDC5-A388-459E-43F1-B6A2ECD6129D}"/>
-              </a:ext>
-            </a:extLst>
-          </p:cNvPr>
-          <p:cNvSpPr/>
-          <p:nvPr/>
-        </p:nvSpPr>
-        <p:spPr>
-          <a:xfrm>
-            <a:off x="3492360" y="6585120"/>
-            <a:ext cx="7161840" cy="60840"/>
-          </a:xfrm>
-          <a:custGeom>
-            <a:avLst/>
-            <a:gdLst>
-              <a:gd name="textAreaLeft" fmla="*/ 0 w 7161840"/>
-              <a:gd name="textAreaRight" fmla="*/ 7163640 w 7161840"/>
-              <a:gd name="textAreaTop" fmla="*/ 0 h 60840"/>
-              <a:gd name="textAreaBottom" fmla="*/ 62640 h 60840"/>
-            </a:gdLst>
-            <a:ahLst/>
-            <a:cxnLst/>
-            <a:rect l="textAreaLeft" t="textAreaTop" r="textAreaRight" b="textAreaBottom"/>
-            <a:pathLst>
-              <a:path w="5288" h="49">
-                <a:moveTo>
-                  <a:pt x="0" y="48"/>
-                </a:moveTo>
-                <a:lnTo>
-                  <a:pt x="5287" y="48"/>
-                </a:lnTo>
-                <a:lnTo>
-                  <a:pt x="5287" y="0"/>
-                </a:lnTo>
-                <a:lnTo>
-                  <a:pt x="14" y="0"/>
-                </a:lnTo>
-                <a:lnTo>
-                  <a:pt x="0" y="48"/>
-                </a:lnTo>
-              </a:path>
-            </a:pathLst>
-          </a:custGeom>
-          <a:solidFill>
-            <a:srgbClr val="ED7D31"/>
-          </a:solidFill>
-          <a:ln w="12600">
-            <a:noFill/>
-          </a:ln>
-        </p:spPr>
-        <p:style>
-          <a:lnRef idx="0">
-            <a:scrgbClr r="0" g="0" b="0"/>
-          </a:lnRef>
-          <a:fillRef idx="0">
-            <a:scrgbClr r="0" g="0" b="0"/>
-          </a:fillRef>
-          <a:effectRef idx="0">
-            <a:scrgbClr r="0" g="0" b="0"/>
-          </a:effectRef>
-          <a:fontRef idx="minor"/>
-        </p:style>
-        <p:txBody>
-          <a:bodyPr lIns="90000" tIns="17640" rIns="90000" bIns="17640" anchor="t">
-            <a:noAutofit/>
-          </a:bodyPr>
-          <a:lstStyle/>
-          <a:p>
-            <a:pPr defTabSz="914400">
-              <a:lnSpc>
-                <a:spcPct val="100000"/>
-              </a:lnSpc>
-            </a:pPr>
-            <a:endParaRPr lang="es-ES" sz="1800" b="0" strike="noStrike" spc="-1">
-              <a:solidFill>
-                <a:srgbClr val="000000"/>
-              </a:solidFill>
-              <a:latin typeface="Arial"/>
-              <a:ea typeface="DejaVu Sans"/>
-            </a:endParaRPr>
-          </a:p>
-        </p:txBody>
-      </p:sp>
-      <p:sp>
-        <p:nvSpPr>
-          <p:cNvPr id="93" name="CustomShape 117">
-            <a:extLst>
-              <a:ext uri="{FF2B5EF4-FFF2-40B4-BE49-F238E27FC236}">
-                <a16:creationId xmlns:a16="http://schemas.microsoft.com/office/drawing/2014/main" id="{BBF0DBE7-B6FE-221B-9C24-C3DCA268AC86}"/>
-              </a:ext>
-            </a:extLst>
-          </p:cNvPr>
-          <p:cNvSpPr/>
-          <p:nvPr/>
-        </p:nvSpPr>
-        <p:spPr>
-          <a:xfrm>
-            <a:off x="3917520" y="260640"/>
-            <a:ext cx="6463080" cy="549720"/>
-          </a:xfrm>
-          <a:prstGeom prst="rect">
-            <a:avLst/>
-          </a:prstGeom>
-          <a:noFill/>
-          <a:ln w="12600">
-            <a:noFill/>
-          </a:ln>
-        </p:spPr>
-        <p:style>
-          <a:lnRef idx="0">
-            <a:scrgbClr r="0" g="0" b="0"/>
-          </a:lnRef>
-          <a:fillRef idx="0">
-            <a:scrgbClr r="0" g="0" b="0"/>
-          </a:fillRef>
-          <a:effectRef idx="0">
-            <a:scrgbClr r="0" g="0" b="0"/>
-          </a:effectRef>
-          <a:fontRef idx="minor"/>
-        </p:style>
-        <p:txBody>
-          <a:bodyPr lIns="90000" tIns="45000" rIns="90000" bIns="45000" anchor="t">
-            <a:noAutofit/>
-          </a:bodyPr>
-          <a:lstStyle/>
-          <a:p>
-            <a:pPr defTabSz="914400">
-              <a:lnSpc>
-                <a:spcPct val="100000"/>
-              </a:lnSpc>
-            </a:pPr>
-            <a:endParaRPr lang="es-ES" sz="1800" b="0" strike="noStrike" spc="-1">
-              <a:solidFill>
-                <a:srgbClr val="000000"/>
-              </a:solidFill>
-              <a:latin typeface="Arial"/>
-              <a:ea typeface="DejaVu Sans"/>
-            </a:endParaRPr>
-          </a:p>
-        </p:txBody>
-      </p:sp>
-      <p:sp>
-        <p:nvSpPr>
-          <p:cNvPr id="94" name="CustomShape 118">
-            <a:extLst>
-              <a:ext uri="{FF2B5EF4-FFF2-40B4-BE49-F238E27FC236}">
-                <a16:creationId xmlns:a16="http://schemas.microsoft.com/office/drawing/2014/main" id="{78F0A9A9-55B0-DCB9-E341-9A48C1686F40}"/>
-              </a:ext>
-            </a:extLst>
-          </p:cNvPr>
-          <p:cNvSpPr/>
-          <p:nvPr/>
-        </p:nvSpPr>
-        <p:spPr>
-          <a:xfrm>
-            <a:off x="3917520" y="260640"/>
-            <a:ext cx="5238360" cy="410760"/>
-          </a:xfrm>
-          <a:prstGeom prst="rect">
-            <a:avLst/>
-          </a:prstGeom>
-          <a:noFill/>
-          <a:ln w="0">
-            <a:noFill/>
-          </a:ln>
-        </p:spPr>
-        <p:style>
-          <a:lnRef idx="0">
-            <a:scrgbClr r="0" g="0" b="0"/>
-          </a:lnRef>
-          <a:fillRef idx="0">
-            <a:scrgbClr r="0" g="0" b="0"/>
-          </a:fillRef>
-          <a:effectRef idx="0">
-            <a:scrgbClr r="0" g="0" b="0"/>
-          </a:effectRef>
-          <a:fontRef idx="minor"/>
-        </p:style>
-        <p:txBody>
-          <a:bodyPr lIns="90000" tIns="45000" rIns="90000" bIns="45000" anchor="t">
-            <a:noAutofit/>
-          </a:bodyPr>
-          <a:lstStyle/>
-          <a:p>
-            <a:pPr defTabSz="914400">
-              <a:lnSpc>
-                <a:spcPct val="100000"/>
-              </a:lnSpc>
-            </a:pPr>
-            <a:r>
-              <a:rPr lang="es-ES" sz="2600" b="1" strike="noStrike" spc="-1" dirty="0">
-                <a:solidFill>
-                  <a:srgbClr val="000000"/>
-                </a:solidFill>
-                <a:latin typeface="Arial"/>
-                <a:ea typeface="DejaVu Sans"/>
-              </a:rPr>
-              <a:t>SPRINT 01 BURNDOWN</a:t>
-            </a:r>
-            <a:endParaRPr lang="es-ES" sz="2600" b="0" strike="noStrike" spc="-1" dirty="0">
-              <a:solidFill>
-                <a:srgbClr val="000000"/>
-              </a:solidFill>
-              <a:latin typeface="Arial"/>
-            </a:endParaRPr>
-          </a:p>
-        </p:txBody>
-      </p:sp>
-      <p:pic>
-        <p:nvPicPr>
-          <p:cNvPr id="95" name="Imagen 24">
-            <a:extLst>
-              <a:ext uri="{FF2B5EF4-FFF2-40B4-BE49-F238E27FC236}">
-                <a16:creationId xmlns:a16="http://schemas.microsoft.com/office/drawing/2014/main" id="{70CCD7D4-6E18-F8E6-99BA-3A5B8092E2DE}"/>
-              </a:ext>
-            </a:extLst>
-          </p:cNvPr>
-          <p:cNvPicPr/>
-          <p:nvPr/>
-        </p:nvPicPr>
-        <p:blipFill>
-          <a:blip r:embed="rId3"/>
-          <a:stretch/>
-        </p:blipFill>
-        <p:spPr>
-          <a:xfrm>
-            <a:off x="87480" y="51480"/>
-            <a:ext cx="713880" cy="828720"/>
-          </a:xfrm>
-          <a:prstGeom prst="rect">
-            <a:avLst/>
-          </a:prstGeom>
-          <a:ln w="0">
-            <a:noFill/>
-          </a:ln>
-        </p:spPr>
-      </p:pic>
-      <p:pic>
-        <p:nvPicPr>
-          <p:cNvPr id="96" name="Imagen 25">
-            <a:extLst>
-              <a:ext uri="{FF2B5EF4-FFF2-40B4-BE49-F238E27FC236}">
-                <a16:creationId xmlns:a16="http://schemas.microsoft.com/office/drawing/2014/main" id="{27E2E278-4DD2-C197-CC95-2912CA812F8A}"/>
-              </a:ext>
-            </a:extLst>
-          </p:cNvPr>
-          <p:cNvPicPr/>
-          <p:nvPr/>
-        </p:nvPicPr>
-        <p:blipFill>
-          <a:blip r:embed="rId4"/>
-          <a:stretch/>
-        </p:blipFill>
-        <p:spPr>
-          <a:xfrm>
-            <a:off x="11378520" y="16200"/>
-            <a:ext cx="713880" cy="1038600"/>
-          </a:xfrm>
-          <a:prstGeom prst="rect">
-            <a:avLst/>
-          </a:prstGeom>
-          <a:ln w="0">
-            <a:noFill/>
-          </a:ln>
-        </p:spPr>
-      </p:pic>
-      <p:sp>
-        <p:nvSpPr>
-          <p:cNvPr id="97" name="PlaceHolder 3">
-            <a:extLst>
-              <a:ext uri="{FF2B5EF4-FFF2-40B4-BE49-F238E27FC236}">
-                <a16:creationId xmlns:a16="http://schemas.microsoft.com/office/drawing/2014/main" id="{CA164B33-D6BB-4E01-4990-B14616E5EBB0}"/>
-              </a:ext>
-            </a:extLst>
-          </p:cNvPr>
-          <p:cNvSpPr/>
-          <p:nvPr/>
-        </p:nvSpPr>
-        <p:spPr>
-          <a:xfrm>
-            <a:off x="610920" y="932760"/>
-            <a:ext cx="2437200" cy="5205600"/>
-          </a:xfrm>
-          <a:prstGeom prst="rect">
-            <a:avLst/>
-          </a:prstGeom>
-          <a:noFill/>
-          <a:ln w="0">
-            <a:noFill/>
-          </a:ln>
-        </p:spPr>
-        <p:style>
-          <a:lnRef idx="0">
-            <a:scrgbClr r="0" g="0" b="0"/>
-          </a:lnRef>
-          <a:fillRef idx="0">
-            <a:scrgbClr r="0" g="0" b="0"/>
-          </a:fillRef>
-          <a:effectRef idx="0">
-            <a:scrgbClr r="0" g="0" b="0"/>
-          </a:effectRef>
-          <a:fontRef idx="minor"/>
-        </p:style>
-        <p:txBody>
-          <a:bodyPr lIns="0" tIns="0" rIns="0" bIns="0" anchor="t">
-            <a:noAutofit/>
-          </a:bodyPr>
-          <a:lstStyle/>
-          <a:p>
-            <a:pPr marL="457200" defTabSz="914400">
-              <a:lnSpc>
-                <a:spcPct val="100000"/>
-              </a:lnSpc>
-            </a:pPr>
-            <a:endParaRPr lang="es-ES" sz="2400" b="0" strike="noStrike" spc="-1" dirty="0">
-              <a:solidFill>
-                <a:srgbClr val="000000"/>
-              </a:solidFill>
-              <a:latin typeface="Arial"/>
-            </a:endParaRPr>
-          </a:p>
-        </p:txBody>
-      </p:sp>
-      <p:pic>
-        <p:nvPicPr>
-          <p:cNvPr id="4" name="Imagen 3">
-            <a:extLst>
-              <a:ext uri="{FF2B5EF4-FFF2-40B4-BE49-F238E27FC236}">
-                <a16:creationId xmlns:a16="http://schemas.microsoft.com/office/drawing/2014/main" id="{D556A5EA-E13D-BD54-F694-99DF9BF30170}"/>
-              </a:ext>
-            </a:extLst>
-          </p:cNvPr>
-          <p:cNvPicPr>
-            <a:picLocks noChangeAspect="1"/>
-          </p:cNvPicPr>
-          <p:nvPr/>
-        </p:nvPicPr>
-        <p:blipFill>
-          <a:blip r:embed="rId5"/>
-          <a:stretch>
-            <a:fillRect/>
-          </a:stretch>
-        </p:blipFill>
-        <p:spPr>
-          <a:xfrm>
-            <a:off x="2109082" y="880200"/>
-            <a:ext cx="8545118" cy="5591955"/>
-          </a:xfrm>
-          <a:prstGeom prst="rect">
-            <a:avLst/>
-          </a:prstGeom>
-        </p:spPr>
-      </p:pic>
-    </p:spTree>
-    <p:extLst>
-      <p:ext uri="{BB962C8B-B14F-4D97-AF65-F5344CB8AC3E}">
-        <p14:creationId xmlns:p14="http://schemas.microsoft.com/office/powerpoint/2010/main" val="1597298343"/>
-      </p:ext>
-    </p:extLst>
-  </p:cSld>
-  <p:clrMapOvr>
-    <a:masterClrMapping/>
-  </p:clrMapOvr>
-</p:sld>
-</file>
-
-<file path=ppt/slides/slide8.xml><?xml version="1.0" encoding="utf-8"?>
 <p:sld xmlns:a="http://schemas.openxmlformats.org/drawingml/2006/main" xmlns:r="http://schemas.openxmlformats.org/officeDocument/2006/relationships" xmlns:p="http://schemas.openxmlformats.org/presentationml/2006/main">
   <p:cSld>
     <p:bg>
@@ -14792,7 +17440,7 @@
         </p:nvSpPr>
         <p:spPr>
           <a:xfrm>
-            <a:off x="3917520" y="260640"/>
+            <a:off x="3905522" y="212040"/>
             <a:ext cx="5238360" cy="410760"/>
           </a:xfrm>
           <a:prstGeom prst="rect">
@@ -14960,10 +17608,1891 @@
           </a:p>
         </p:txBody>
       </p:sp>
+      <p:pic>
+        <p:nvPicPr>
+          <p:cNvPr id="1026" name="Picture 2">
+            <a:extLst>
+              <a:ext uri="{FF2B5EF4-FFF2-40B4-BE49-F238E27FC236}">
+                <a16:creationId xmlns:a16="http://schemas.microsoft.com/office/drawing/2014/main" id="{2C676199-0DF2-B907-8C56-6AB09199E17B}"/>
+              </a:ext>
+            </a:extLst>
+          </p:cNvPr>
+          <p:cNvPicPr>
+            <a:picLocks noChangeAspect="1" noChangeArrowheads="1"/>
+          </p:cNvPicPr>
+          <p:nvPr/>
+        </p:nvPicPr>
+        <p:blipFill>
+          <a:blip r:embed="rId5" cstate="print">
+            <a:extLst>
+              <a:ext uri="{28A0092B-C50C-407E-A947-70E740481C1C}">
+                <a14:useLocalDpi xmlns:a14="http://schemas.microsoft.com/office/drawing/2010/main" val="0"/>
+              </a:ext>
+            </a:extLst>
+          </a:blip>
+          <a:srcRect/>
+          <a:stretch>
+            <a:fillRect/>
+          </a:stretch>
+        </p:blipFill>
+        <p:spPr bwMode="auto">
+          <a:xfrm>
+            <a:off x="2263320" y="622800"/>
+            <a:ext cx="6984432" cy="5962319"/>
+          </a:xfrm>
+          <a:prstGeom prst="rect">
+            <a:avLst/>
+          </a:prstGeom>
+          <a:noFill/>
+          <a:extLst>
+            <a:ext uri="{909E8E84-426E-40DD-AFC4-6F175D3DCCD1}">
+              <a14:hiddenFill xmlns:a14="http://schemas.microsoft.com/office/drawing/2010/main">
+                <a:solidFill>
+                  <a:srgbClr val="FFFFFF"/>
+                </a:solidFill>
+              </a14:hiddenFill>
+            </a:ext>
+          </a:extLst>
+        </p:spPr>
+      </p:pic>
+      <p:pic>
+        <p:nvPicPr>
+          <p:cNvPr id="1030" name="Picture 6">
+            <a:extLst>
+              <a:ext uri="{FF2B5EF4-FFF2-40B4-BE49-F238E27FC236}">
+                <a16:creationId xmlns:a16="http://schemas.microsoft.com/office/drawing/2014/main" id="{12BD3101-9BE3-E924-F182-E019640E1628}"/>
+              </a:ext>
+            </a:extLst>
+          </p:cNvPr>
+          <p:cNvPicPr>
+            <a:picLocks noChangeAspect="1" noChangeArrowheads="1"/>
+          </p:cNvPicPr>
+          <p:nvPr/>
+        </p:nvPicPr>
+        <p:blipFill>
+          <a:blip r:embed="rId6" cstate="print">
+            <a:extLst>
+              <a:ext uri="{BEBA8EAE-BF5A-486C-A8C5-ECC9F3942E4B}">
+                <a14:imgProps xmlns:a14="http://schemas.microsoft.com/office/drawing/2010/main">
+                  <a14:imgLayer r:embed="rId7">
+                    <a14:imgEffect>
+                      <a14:saturation sat="300000"/>
+                    </a14:imgEffect>
+                    <a14:imgEffect>
+                      <a14:brightnessContrast bright="-40000" contrast="40000"/>
+                    </a14:imgEffect>
+                  </a14:imgLayer>
+                </a14:imgProps>
+              </a:ext>
+              <a:ext uri="{28A0092B-C50C-407E-A947-70E740481C1C}">
+                <a14:useLocalDpi xmlns:a14="http://schemas.microsoft.com/office/drawing/2010/main" val="0"/>
+              </a:ext>
+            </a:extLst>
+          </a:blip>
+          <a:srcRect/>
+          <a:stretch>
+            <a:fillRect/>
+          </a:stretch>
+        </p:blipFill>
+        <p:spPr bwMode="auto">
+          <a:xfrm>
+            <a:off x="9247752" y="1034779"/>
+            <a:ext cx="385700" cy="385700"/>
+          </a:xfrm>
+          <a:prstGeom prst="rect">
+            <a:avLst/>
+          </a:prstGeom>
+          <a:noFill/>
+          <a:extLst>
+            <a:ext uri="{909E8E84-426E-40DD-AFC4-6F175D3DCCD1}">
+              <a14:hiddenFill xmlns:a14="http://schemas.microsoft.com/office/drawing/2010/main">
+                <a:solidFill>
+                  <a:srgbClr val="FFFFFF"/>
+                </a:solidFill>
+              </a14:hiddenFill>
+            </a:ext>
+          </a:extLst>
+        </p:spPr>
+      </p:pic>
+      <p:pic>
+        <p:nvPicPr>
+          <p:cNvPr id="8" name="Picture 6">
+            <a:extLst>
+              <a:ext uri="{FF2B5EF4-FFF2-40B4-BE49-F238E27FC236}">
+                <a16:creationId xmlns:a16="http://schemas.microsoft.com/office/drawing/2014/main" id="{59CCE10F-7707-2964-80D2-0EDC188FAC7D}"/>
+              </a:ext>
+            </a:extLst>
+          </p:cNvPr>
+          <p:cNvPicPr>
+            <a:picLocks noChangeAspect="1" noChangeArrowheads="1"/>
+          </p:cNvPicPr>
+          <p:nvPr/>
+        </p:nvPicPr>
+        <p:blipFill>
+          <a:blip r:embed="rId6" cstate="print">
+            <a:extLst>
+              <a:ext uri="{BEBA8EAE-BF5A-486C-A8C5-ECC9F3942E4B}">
+                <a14:imgProps xmlns:a14="http://schemas.microsoft.com/office/drawing/2010/main">
+                  <a14:imgLayer r:embed="rId7">
+                    <a14:imgEffect>
+                      <a14:saturation sat="300000"/>
+                    </a14:imgEffect>
+                    <a14:imgEffect>
+                      <a14:brightnessContrast bright="-40000" contrast="40000"/>
+                    </a14:imgEffect>
+                  </a14:imgLayer>
+                </a14:imgProps>
+              </a:ext>
+              <a:ext uri="{28A0092B-C50C-407E-A947-70E740481C1C}">
+                <a14:useLocalDpi xmlns:a14="http://schemas.microsoft.com/office/drawing/2010/main" val="0"/>
+              </a:ext>
+            </a:extLst>
+          </a:blip>
+          <a:srcRect/>
+          <a:stretch>
+            <a:fillRect/>
+          </a:stretch>
+        </p:blipFill>
+        <p:spPr bwMode="auto">
+          <a:xfrm>
+            <a:off x="9247752" y="1452159"/>
+            <a:ext cx="385700" cy="385700"/>
+          </a:xfrm>
+          <a:prstGeom prst="rect">
+            <a:avLst/>
+          </a:prstGeom>
+          <a:noFill/>
+          <a:extLst>
+            <a:ext uri="{909E8E84-426E-40DD-AFC4-6F175D3DCCD1}">
+              <a14:hiddenFill xmlns:a14="http://schemas.microsoft.com/office/drawing/2010/main">
+                <a:solidFill>
+                  <a:srgbClr val="FFFFFF"/>
+                </a:solidFill>
+              </a14:hiddenFill>
+            </a:ext>
+          </a:extLst>
+        </p:spPr>
+      </p:pic>
+      <p:pic>
+        <p:nvPicPr>
+          <p:cNvPr id="9" name="Picture 6">
+            <a:extLst>
+              <a:ext uri="{FF2B5EF4-FFF2-40B4-BE49-F238E27FC236}">
+                <a16:creationId xmlns:a16="http://schemas.microsoft.com/office/drawing/2014/main" id="{5438402A-DD12-09B4-584B-709A7DC9A4D3}"/>
+              </a:ext>
+            </a:extLst>
+          </p:cNvPr>
+          <p:cNvPicPr>
+            <a:picLocks noChangeAspect="1" noChangeArrowheads="1"/>
+          </p:cNvPicPr>
+          <p:nvPr/>
+        </p:nvPicPr>
+        <p:blipFill>
+          <a:blip r:embed="rId6" cstate="print">
+            <a:extLst>
+              <a:ext uri="{BEBA8EAE-BF5A-486C-A8C5-ECC9F3942E4B}">
+                <a14:imgProps xmlns:a14="http://schemas.microsoft.com/office/drawing/2010/main">
+                  <a14:imgLayer r:embed="rId7">
+                    <a14:imgEffect>
+                      <a14:saturation sat="300000"/>
+                    </a14:imgEffect>
+                    <a14:imgEffect>
+                      <a14:brightnessContrast bright="-40000" contrast="40000"/>
+                    </a14:imgEffect>
+                  </a14:imgLayer>
+                </a14:imgProps>
+              </a:ext>
+              <a:ext uri="{28A0092B-C50C-407E-A947-70E740481C1C}">
+                <a14:useLocalDpi xmlns:a14="http://schemas.microsoft.com/office/drawing/2010/main" val="0"/>
+              </a:ext>
+            </a:extLst>
+          </a:blip>
+          <a:srcRect/>
+          <a:stretch>
+            <a:fillRect/>
+          </a:stretch>
+        </p:blipFill>
+        <p:spPr bwMode="auto">
+          <a:xfrm>
+            <a:off x="9247752" y="1869539"/>
+            <a:ext cx="385700" cy="385700"/>
+          </a:xfrm>
+          <a:prstGeom prst="rect">
+            <a:avLst/>
+          </a:prstGeom>
+          <a:noFill/>
+          <a:extLst>
+            <a:ext uri="{909E8E84-426E-40DD-AFC4-6F175D3DCCD1}">
+              <a14:hiddenFill xmlns:a14="http://schemas.microsoft.com/office/drawing/2010/main">
+                <a:solidFill>
+                  <a:srgbClr val="FFFFFF"/>
+                </a:solidFill>
+              </a14:hiddenFill>
+            </a:ext>
+          </a:extLst>
+        </p:spPr>
+      </p:pic>
+      <p:pic>
+        <p:nvPicPr>
+          <p:cNvPr id="10" name="Picture 6">
+            <a:extLst>
+              <a:ext uri="{FF2B5EF4-FFF2-40B4-BE49-F238E27FC236}">
+                <a16:creationId xmlns:a16="http://schemas.microsoft.com/office/drawing/2014/main" id="{3D96EB40-7587-7051-B0D9-13DF83AF4BB0}"/>
+              </a:ext>
+            </a:extLst>
+          </p:cNvPr>
+          <p:cNvPicPr>
+            <a:picLocks noChangeAspect="1" noChangeArrowheads="1"/>
+          </p:cNvPicPr>
+          <p:nvPr/>
+        </p:nvPicPr>
+        <p:blipFill>
+          <a:blip r:embed="rId6" cstate="print">
+            <a:extLst>
+              <a:ext uri="{BEBA8EAE-BF5A-486C-A8C5-ECC9F3942E4B}">
+                <a14:imgProps xmlns:a14="http://schemas.microsoft.com/office/drawing/2010/main">
+                  <a14:imgLayer r:embed="rId7">
+                    <a14:imgEffect>
+                      <a14:saturation sat="300000"/>
+                    </a14:imgEffect>
+                    <a14:imgEffect>
+                      <a14:brightnessContrast bright="-40000" contrast="40000"/>
+                    </a14:imgEffect>
+                  </a14:imgLayer>
+                </a14:imgProps>
+              </a:ext>
+              <a:ext uri="{28A0092B-C50C-407E-A947-70E740481C1C}">
+                <a14:useLocalDpi xmlns:a14="http://schemas.microsoft.com/office/drawing/2010/main" val="0"/>
+              </a:ext>
+            </a:extLst>
+          </a:blip>
+          <a:srcRect/>
+          <a:stretch>
+            <a:fillRect/>
+          </a:stretch>
+        </p:blipFill>
+        <p:spPr bwMode="auto">
+          <a:xfrm>
+            <a:off x="9247752" y="2297498"/>
+            <a:ext cx="385700" cy="385700"/>
+          </a:xfrm>
+          <a:prstGeom prst="rect">
+            <a:avLst/>
+          </a:prstGeom>
+          <a:noFill/>
+          <a:extLst>
+            <a:ext uri="{909E8E84-426E-40DD-AFC4-6F175D3DCCD1}">
+              <a14:hiddenFill xmlns:a14="http://schemas.microsoft.com/office/drawing/2010/main">
+                <a:solidFill>
+                  <a:srgbClr val="FFFFFF"/>
+                </a:solidFill>
+              </a14:hiddenFill>
+            </a:ext>
+          </a:extLst>
+        </p:spPr>
+      </p:pic>
+      <p:pic>
+        <p:nvPicPr>
+          <p:cNvPr id="11" name="Picture 6">
+            <a:extLst>
+              <a:ext uri="{FF2B5EF4-FFF2-40B4-BE49-F238E27FC236}">
+                <a16:creationId xmlns:a16="http://schemas.microsoft.com/office/drawing/2014/main" id="{EFC68E5D-EA05-54B5-CD47-03D0893CB0F5}"/>
+              </a:ext>
+            </a:extLst>
+          </p:cNvPr>
+          <p:cNvPicPr>
+            <a:picLocks noChangeAspect="1" noChangeArrowheads="1"/>
+          </p:cNvPicPr>
+          <p:nvPr/>
+        </p:nvPicPr>
+        <p:blipFill>
+          <a:blip r:embed="rId6" cstate="print">
+            <a:extLst>
+              <a:ext uri="{BEBA8EAE-BF5A-486C-A8C5-ECC9F3942E4B}">
+                <a14:imgProps xmlns:a14="http://schemas.microsoft.com/office/drawing/2010/main">
+                  <a14:imgLayer r:embed="rId7">
+                    <a14:imgEffect>
+                      <a14:saturation sat="300000"/>
+                    </a14:imgEffect>
+                    <a14:imgEffect>
+                      <a14:brightnessContrast bright="-40000" contrast="40000"/>
+                    </a14:imgEffect>
+                  </a14:imgLayer>
+                </a14:imgProps>
+              </a:ext>
+              <a:ext uri="{28A0092B-C50C-407E-A947-70E740481C1C}">
+                <a14:useLocalDpi xmlns:a14="http://schemas.microsoft.com/office/drawing/2010/main" val="0"/>
+              </a:ext>
+            </a:extLst>
+          </a:blip>
+          <a:srcRect/>
+          <a:stretch>
+            <a:fillRect/>
+          </a:stretch>
+        </p:blipFill>
+        <p:spPr bwMode="auto">
+          <a:xfrm>
+            <a:off x="9280004" y="2726210"/>
+            <a:ext cx="385700" cy="385700"/>
+          </a:xfrm>
+          <a:prstGeom prst="rect">
+            <a:avLst/>
+          </a:prstGeom>
+          <a:noFill/>
+          <a:extLst>
+            <a:ext uri="{909E8E84-426E-40DD-AFC4-6F175D3DCCD1}">
+              <a14:hiddenFill xmlns:a14="http://schemas.microsoft.com/office/drawing/2010/main">
+                <a:solidFill>
+                  <a:srgbClr val="FFFFFF"/>
+                </a:solidFill>
+              </a14:hiddenFill>
+            </a:ext>
+          </a:extLst>
+        </p:spPr>
+      </p:pic>
+      <p:pic>
+        <p:nvPicPr>
+          <p:cNvPr id="12" name="Picture 6">
+            <a:extLst>
+              <a:ext uri="{FF2B5EF4-FFF2-40B4-BE49-F238E27FC236}">
+                <a16:creationId xmlns:a16="http://schemas.microsoft.com/office/drawing/2014/main" id="{9CCCC8EC-C7A7-2E5E-6999-573C869A423B}"/>
+              </a:ext>
+            </a:extLst>
+          </p:cNvPr>
+          <p:cNvPicPr>
+            <a:picLocks noChangeAspect="1" noChangeArrowheads="1"/>
+          </p:cNvPicPr>
+          <p:nvPr/>
+        </p:nvPicPr>
+        <p:blipFill>
+          <a:blip r:embed="rId6" cstate="print">
+            <a:extLst>
+              <a:ext uri="{BEBA8EAE-BF5A-486C-A8C5-ECC9F3942E4B}">
+                <a14:imgProps xmlns:a14="http://schemas.microsoft.com/office/drawing/2010/main">
+                  <a14:imgLayer r:embed="rId7">
+                    <a14:imgEffect>
+                      <a14:saturation sat="300000"/>
+                    </a14:imgEffect>
+                    <a14:imgEffect>
+                      <a14:brightnessContrast bright="-40000" contrast="40000"/>
+                    </a14:imgEffect>
+                  </a14:imgLayer>
+                </a14:imgProps>
+              </a:ext>
+              <a:ext uri="{28A0092B-C50C-407E-A947-70E740481C1C}">
+                <a14:useLocalDpi xmlns:a14="http://schemas.microsoft.com/office/drawing/2010/main" val="0"/>
+              </a:ext>
+            </a:extLst>
+          </a:blip>
+          <a:srcRect/>
+          <a:stretch>
+            <a:fillRect/>
+          </a:stretch>
+        </p:blipFill>
+        <p:spPr bwMode="auto">
+          <a:xfrm>
+            <a:off x="9280004" y="3119189"/>
+            <a:ext cx="385700" cy="385700"/>
+          </a:xfrm>
+          <a:prstGeom prst="rect">
+            <a:avLst/>
+          </a:prstGeom>
+          <a:noFill/>
+          <a:extLst>
+            <a:ext uri="{909E8E84-426E-40DD-AFC4-6F175D3DCCD1}">
+              <a14:hiddenFill xmlns:a14="http://schemas.microsoft.com/office/drawing/2010/main">
+                <a:solidFill>
+                  <a:srgbClr val="FFFFFF"/>
+                </a:solidFill>
+              </a14:hiddenFill>
+            </a:ext>
+          </a:extLst>
+        </p:spPr>
+      </p:pic>
+      <p:pic>
+        <p:nvPicPr>
+          <p:cNvPr id="13" name="Picture 6">
+            <a:extLst>
+              <a:ext uri="{FF2B5EF4-FFF2-40B4-BE49-F238E27FC236}">
+                <a16:creationId xmlns:a16="http://schemas.microsoft.com/office/drawing/2014/main" id="{BC57545B-E356-1B14-AB17-65CCE0FB5DA4}"/>
+              </a:ext>
+            </a:extLst>
+          </p:cNvPr>
+          <p:cNvPicPr>
+            <a:picLocks noChangeAspect="1" noChangeArrowheads="1"/>
+          </p:cNvPicPr>
+          <p:nvPr/>
+        </p:nvPicPr>
+        <p:blipFill>
+          <a:blip r:embed="rId6" cstate="print">
+            <a:extLst>
+              <a:ext uri="{BEBA8EAE-BF5A-486C-A8C5-ECC9F3942E4B}">
+                <a14:imgProps xmlns:a14="http://schemas.microsoft.com/office/drawing/2010/main">
+                  <a14:imgLayer r:embed="rId7">
+                    <a14:imgEffect>
+                      <a14:saturation sat="300000"/>
+                    </a14:imgEffect>
+                    <a14:imgEffect>
+                      <a14:brightnessContrast bright="-40000" contrast="40000"/>
+                    </a14:imgEffect>
+                  </a14:imgLayer>
+                </a14:imgProps>
+              </a:ext>
+              <a:ext uri="{28A0092B-C50C-407E-A947-70E740481C1C}">
+                <a14:useLocalDpi xmlns:a14="http://schemas.microsoft.com/office/drawing/2010/main" val="0"/>
+              </a:ext>
+            </a:extLst>
+          </a:blip>
+          <a:srcRect/>
+          <a:stretch>
+            <a:fillRect/>
+          </a:stretch>
+        </p:blipFill>
+        <p:spPr bwMode="auto">
+          <a:xfrm>
+            <a:off x="9280004" y="3644763"/>
+            <a:ext cx="385700" cy="385700"/>
+          </a:xfrm>
+          <a:prstGeom prst="rect">
+            <a:avLst/>
+          </a:prstGeom>
+          <a:noFill/>
+          <a:extLst>
+            <a:ext uri="{909E8E84-426E-40DD-AFC4-6F175D3DCCD1}">
+              <a14:hiddenFill xmlns:a14="http://schemas.microsoft.com/office/drawing/2010/main">
+                <a:solidFill>
+                  <a:srgbClr val="FFFFFF"/>
+                </a:solidFill>
+              </a14:hiddenFill>
+            </a:ext>
+          </a:extLst>
+        </p:spPr>
+      </p:pic>
+      <p:pic>
+        <p:nvPicPr>
+          <p:cNvPr id="14" name="Picture 6">
+            <a:extLst>
+              <a:ext uri="{FF2B5EF4-FFF2-40B4-BE49-F238E27FC236}">
+                <a16:creationId xmlns:a16="http://schemas.microsoft.com/office/drawing/2014/main" id="{EDC78AC4-5214-1C3F-3F10-E643491DA2BD}"/>
+              </a:ext>
+            </a:extLst>
+          </p:cNvPr>
+          <p:cNvPicPr>
+            <a:picLocks noChangeAspect="1" noChangeArrowheads="1"/>
+          </p:cNvPicPr>
+          <p:nvPr/>
+        </p:nvPicPr>
+        <p:blipFill>
+          <a:blip r:embed="rId6" cstate="print">
+            <a:extLst>
+              <a:ext uri="{BEBA8EAE-BF5A-486C-A8C5-ECC9F3942E4B}">
+                <a14:imgProps xmlns:a14="http://schemas.microsoft.com/office/drawing/2010/main">
+                  <a14:imgLayer r:embed="rId7">
+                    <a14:imgEffect>
+                      <a14:saturation sat="300000"/>
+                    </a14:imgEffect>
+                    <a14:imgEffect>
+                      <a14:brightnessContrast bright="-40000" contrast="40000"/>
+                    </a14:imgEffect>
+                  </a14:imgLayer>
+                </a14:imgProps>
+              </a:ext>
+              <a:ext uri="{28A0092B-C50C-407E-A947-70E740481C1C}">
+                <a14:useLocalDpi xmlns:a14="http://schemas.microsoft.com/office/drawing/2010/main" val="0"/>
+              </a:ext>
+            </a:extLst>
+          </a:blip>
+          <a:srcRect/>
+          <a:stretch>
+            <a:fillRect/>
+          </a:stretch>
+        </p:blipFill>
+        <p:spPr bwMode="auto">
+          <a:xfrm>
+            <a:off x="9288193" y="4090720"/>
+            <a:ext cx="385700" cy="385700"/>
+          </a:xfrm>
+          <a:prstGeom prst="rect">
+            <a:avLst/>
+          </a:prstGeom>
+          <a:noFill/>
+          <a:extLst>
+            <a:ext uri="{909E8E84-426E-40DD-AFC4-6F175D3DCCD1}">
+              <a14:hiddenFill xmlns:a14="http://schemas.microsoft.com/office/drawing/2010/main">
+                <a:solidFill>
+                  <a:srgbClr val="FFFFFF"/>
+                </a:solidFill>
+              </a14:hiddenFill>
+            </a:ext>
+          </a:extLst>
+        </p:spPr>
+      </p:pic>
+      <p:pic>
+        <p:nvPicPr>
+          <p:cNvPr id="15" name="Picture 6">
+            <a:extLst>
+              <a:ext uri="{FF2B5EF4-FFF2-40B4-BE49-F238E27FC236}">
+                <a16:creationId xmlns:a16="http://schemas.microsoft.com/office/drawing/2014/main" id="{E1E7FD59-7227-8370-7765-54CAB9458574}"/>
+              </a:ext>
+            </a:extLst>
+          </p:cNvPr>
+          <p:cNvPicPr>
+            <a:picLocks noChangeAspect="1" noChangeArrowheads="1"/>
+          </p:cNvPicPr>
+          <p:nvPr/>
+        </p:nvPicPr>
+        <p:blipFill>
+          <a:blip r:embed="rId6" cstate="print">
+            <a:extLst>
+              <a:ext uri="{BEBA8EAE-BF5A-486C-A8C5-ECC9F3942E4B}">
+                <a14:imgProps xmlns:a14="http://schemas.microsoft.com/office/drawing/2010/main">
+                  <a14:imgLayer r:embed="rId7">
+                    <a14:imgEffect>
+                      <a14:saturation sat="300000"/>
+                    </a14:imgEffect>
+                    <a14:imgEffect>
+                      <a14:brightnessContrast bright="-40000" contrast="40000"/>
+                    </a14:imgEffect>
+                  </a14:imgLayer>
+                </a14:imgProps>
+              </a:ext>
+              <a:ext uri="{28A0092B-C50C-407E-A947-70E740481C1C}">
+                <a14:useLocalDpi xmlns:a14="http://schemas.microsoft.com/office/drawing/2010/main" val="0"/>
+              </a:ext>
+            </a:extLst>
+          </a:blip>
+          <a:srcRect/>
+          <a:stretch>
+            <a:fillRect/>
+          </a:stretch>
+        </p:blipFill>
+        <p:spPr bwMode="auto">
+          <a:xfrm>
+            <a:off x="9296382" y="4536677"/>
+            <a:ext cx="385700" cy="385700"/>
+          </a:xfrm>
+          <a:prstGeom prst="rect">
+            <a:avLst/>
+          </a:prstGeom>
+          <a:noFill/>
+          <a:extLst>
+            <a:ext uri="{909E8E84-426E-40DD-AFC4-6F175D3DCCD1}">
+              <a14:hiddenFill xmlns:a14="http://schemas.microsoft.com/office/drawing/2010/main">
+                <a:solidFill>
+                  <a:srgbClr val="FFFFFF"/>
+                </a:solidFill>
+              </a14:hiddenFill>
+            </a:ext>
+          </a:extLst>
+        </p:spPr>
+      </p:pic>
+      <p:pic>
+        <p:nvPicPr>
+          <p:cNvPr id="16" name="Picture 6">
+            <a:extLst>
+              <a:ext uri="{FF2B5EF4-FFF2-40B4-BE49-F238E27FC236}">
+                <a16:creationId xmlns:a16="http://schemas.microsoft.com/office/drawing/2014/main" id="{105AA618-6ECC-B0F5-ADAC-62AD033096FD}"/>
+              </a:ext>
+            </a:extLst>
+          </p:cNvPr>
+          <p:cNvPicPr>
+            <a:picLocks noChangeAspect="1" noChangeArrowheads="1"/>
+          </p:cNvPicPr>
+          <p:nvPr/>
+        </p:nvPicPr>
+        <p:blipFill>
+          <a:blip r:embed="rId6" cstate="print">
+            <a:extLst>
+              <a:ext uri="{BEBA8EAE-BF5A-486C-A8C5-ECC9F3942E4B}">
+                <a14:imgProps xmlns:a14="http://schemas.microsoft.com/office/drawing/2010/main">
+                  <a14:imgLayer r:embed="rId7">
+                    <a14:imgEffect>
+                      <a14:saturation sat="300000"/>
+                    </a14:imgEffect>
+                    <a14:imgEffect>
+                      <a14:brightnessContrast bright="-40000" contrast="40000"/>
+                    </a14:imgEffect>
+                  </a14:imgLayer>
+                </a14:imgProps>
+              </a:ext>
+              <a:ext uri="{28A0092B-C50C-407E-A947-70E740481C1C}">
+                <a14:useLocalDpi xmlns:a14="http://schemas.microsoft.com/office/drawing/2010/main" val="0"/>
+              </a:ext>
+            </a:extLst>
+          </a:blip>
+          <a:srcRect/>
+          <a:stretch>
+            <a:fillRect/>
+          </a:stretch>
+        </p:blipFill>
+        <p:spPr bwMode="auto">
+          <a:xfrm>
+            <a:off x="9296382" y="4982634"/>
+            <a:ext cx="385700" cy="385700"/>
+          </a:xfrm>
+          <a:prstGeom prst="rect">
+            <a:avLst/>
+          </a:prstGeom>
+          <a:noFill/>
+          <a:extLst>
+            <a:ext uri="{909E8E84-426E-40DD-AFC4-6F175D3DCCD1}">
+              <a14:hiddenFill xmlns:a14="http://schemas.microsoft.com/office/drawing/2010/main">
+                <a:solidFill>
+                  <a:srgbClr val="FFFFFF"/>
+                </a:solidFill>
+              </a14:hiddenFill>
+            </a:ext>
+          </a:extLst>
+        </p:spPr>
+      </p:pic>
+      <p:pic>
+        <p:nvPicPr>
+          <p:cNvPr id="17" name="Picture 6">
+            <a:extLst>
+              <a:ext uri="{FF2B5EF4-FFF2-40B4-BE49-F238E27FC236}">
+                <a16:creationId xmlns:a16="http://schemas.microsoft.com/office/drawing/2014/main" id="{B8B314C8-EDBA-5BB5-7093-ADDE7F331E26}"/>
+              </a:ext>
+            </a:extLst>
+          </p:cNvPr>
+          <p:cNvPicPr>
+            <a:picLocks noChangeAspect="1" noChangeArrowheads="1"/>
+          </p:cNvPicPr>
+          <p:nvPr/>
+        </p:nvPicPr>
+        <p:blipFill>
+          <a:blip r:embed="rId6" cstate="print">
+            <a:extLst>
+              <a:ext uri="{BEBA8EAE-BF5A-486C-A8C5-ECC9F3942E4B}">
+                <a14:imgProps xmlns:a14="http://schemas.microsoft.com/office/drawing/2010/main">
+                  <a14:imgLayer r:embed="rId7">
+                    <a14:imgEffect>
+                      <a14:saturation sat="300000"/>
+                    </a14:imgEffect>
+                    <a14:imgEffect>
+                      <a14:brightnessContrast bright="-40000" contrast="40000"/>
+                    </a14:imgEffect>
+                  </a14:imgLayer>
+                </a14:imgProps>
+              </a:ext>
+              <a:ext uri="{28A0092B-C50C-407E-A947-70E740481C1C}">
+                <a14:useLocalDpi xmlns:a14="http://schemas.microsoft.com/office/drawing/2010/main" val="0"/>
+              </a:ext>
+            </a:extLst>
+          </a:blip>
+          <a:srcRect/>
+          <a:stretch>
+            <a:fillRect/>
+          </a:stretch>
+        </p:blipFill>
+        <p:spPr bwMode="auto">
+          <a:xfrm>
+            <a:off x="9288193" y="5398177"/>
+            <a:ext cx="385700" cy="385700"/>
+          </a:xfrm>
+          <a:prstGeom prst="rect">
+            <a:avLst/>
+          </a:prstGeom>
+          <a:noFill/>
+          <a:extLst>
+            <a:ext uri="{909E8E84-426E-40DD-AFC4-6F175D3DCCD1}">
+              <a14:hiddenFill xmlns:a14="http://schemas.microsoft.com/office/drawing/2010/main">
+                <a:solidFill>
+                  <a:srgbClr val="FFFFFF"/>
+                </a:solidFill>
+              </a14:hiddenFill>
+            </a:ext>
+          </a:extLst>
+        </p:spPr>
+      </p:pic>
+      <p:pic>
+        <p:nvPicPr>
+          <p:cNvPr id="18" name="Picture 6">
+            <a:extLst>
+              <a:ext uri="{FF2B5EF4-FFF2-40B4-BE49-F238E27FC236}">
+                <a16:creationId xmlns:a16="http://schemas.microsoft.com/office/drawing/2014/main" id="{DF9C17C8-1022-07A1-04D2-F58860E2798F}"/>
+              </a:ext>
+            </a:extLst>
+          </p:cNvPr>
+          <p:cNvPicPr>
+            <a:picLocks noChangeAspect="1" noChangeArrowheads="1"/>
+          </p:cNvPicPr>
+          <p:nvPr/>
+        </p:nvPicPr>
+        <p:blipFill>
+          <a:blip r:embed="rId6" cstate="print">
+            <a:extLst>
+              <a:ext uri="{BEBA8EAE-BF5A-486C-A8C5-ECC9F3942E4B}">
+                <a14:imgProps xmlns:a14="http://schemas.microsoft.com/office/drawing/2010/main">
+                  <a14:imgLayer r:embed="rId7">
+                    <a14:imgEffect>
+                      <a14:saturation sat="300000"/>
+                    </a14:imgEffect>
+                    <a14:imgEffect>
+                      <a14:brightnessContrast bright="-40000" contrast="40000"/>
+                    </a14:imgEffect>
+                  </a14:imgLayer>
+                </a14:imgProps>
+              </a:ext>
+              <a:ext uri="{28A0092B-C50C-407E-A947-70E740481C1C}">
+                <a14:useLocalDpi xmlns:a14="http://schemas.microsoft.com/office/drawing/2010/main" val="0"/>
+              </a:ext>
+            </a:extLst>
+          </a:blip>
+          <a:srcRect/>
+          <a:stretch>
+            <a:fillRect/>
+          </a:stretch>
+        </p:blipFill>
+        <p:spPr bwMode="auto">
+          <a:xfrm>
+            <a:off x="9296541" y="5823221"/>
+            <a:ext cx="385700" cy="385700"/>
+          </a:xfrm>
+          <a:prstGeom prst="rect">
+            <a:avLst/>
+          </a:prstGeom>
+          <a:noFill/>
+          <a:extLst>
+            <a:ext uri="{909E8E84-426E-40DD-AFC4-6F175D3DCCD1}">
+              <a14:hiddenFill xmlns:a14="http://schemas.microsoft.com/office/drawing/2010/main">
+                <a:solidFill>
+                  <a:srgbClr val="FFFFFF"/>
+                </a:solidFill>
+              </a14:hiddenFill>
+            </a:ext>
+          </a:extLst>
+        </p:spPr>
+      </p:pic>
     </p:spTree>
     <p:extLst>
       <p:ext uri="{BB962C8B-B14F-4D97-AF65-F5344CB8AC3E}">
         <p14:creationId xmlns:p14="http://schemas.microsoft.com/office/powerpoint/2010/main" val="1305341683"/>
+      </p:ext>
+    </p:extLst>
+  </p:cSld>
+  <p:clrMapOvr>
+    <a:masterClrMapping/>
+  </p:clrMapOvr>
+</p:sld>
+</file>
+
+<file path=ppt/slides/slide8.xml><?xml version="1.0" encoding="utf-8"?>
+<p:sld xmlns:a="http://schemas.openxmlformats.org/drawingml/2006/main" xmlns:r="http://schemas.openxmlformats.org/officeDocument/2006/relationships" xmlns:p="http://schemas.openxmlformats.org/presentationml/2006/main">
+  <p:cSld>
+    <p:bg>
+      <p:bgPr>
+        <a:solidFill>
+          <a:schemeClr val="lt1"/>
+        </a:solidFill>
+        <a:effectLst/>
+      </p:bgPr>
+    </p:bg>
+    <p:spTree>
+      <p:nvGrpSpPr>
+        <p:cNvPr id="1" name="">
+          <a:extLst>
+            <a:ext uri="{FF2B5EF4-FFF2-40B4-BE49-F238E27FC236}">
+              <a16:creationId xmlns:a16="http://schemas.microsoft.com/office/drawing/2014/main" id="{E6D73D16-4CC5-F1A2-B2D5-99A7F39D0789}"/>
+            </a:ext>
+          </a:extLst>
+        </p:cNvPr>
+        <p:cNvGrpSpPr/>
+        <p:nvPr/>
+      </p:nvGrpSpPr>
+      <p:grpSpPr>
+        <a:xfrm>
+          <a:off x="0" y="0"/>
+          <a:ext cx="0" cy="0"/>
+          <a:chOff x="0" y="0"/>
+          <a:chExt cx="0" cy="0"/>
+        </a:xfrm>
+      </p:grpSpPr>
+      <p:sp>
+        <p:nvSpPr>
+          <p:cNvPr id="86" name="CustomShape 110">
+            <a:extLst>
+              <a:ext uri="{FF2B5EF4-FFF2-40B4-BE49-F238E27FC236}">
+                <a16:creationId xmlns:a16="http://schemas.microsoft.com/office/drawing/2014/main" id="{7803DE45-5B70-EC8C-01D8-25ED430C923B}"/>
+              </a:ext>
+            </a:extLst>
+          </p:cNvPr>
+          <p:cNvSpPr/>
+          <p:nvPr/>
+        </p:nvSpPr>
+        <p:spPr>
+          <a:xfrm>
+            <a:off x="772560" y="392040"/>
+            <a:ext cx="960120" cy="199080"/>
+          </a:xfrm>
+          <a:custGeom>
+            <a:avLst/>
+            <a:gdLst>
+              <a:gd name="textAreaLeft" fmla="*/ 0 w 960120"/>
+              <a:gd name="textAreaRight" fmla="*/ 961920 w 960120"/>
+              <a:gd name="textAreaTop" fmla="*/ 0 h 199080"/>
+              <a:gd name="textAreaBottom" fmla="*/ 200880 h 199080"/>
+            </a:gdLst>
+            <a:ahLst/>
+            <a:cxnLst/>
+            <a:rect l="textAreaLeft" t="textAreaTop" r="textAreaRight" b="textAreaBottom"/>
+            <a:pathLst>
+              <a:path w="479" h="201">
+                <a:moveTo>
+                  <a:pt x="0" y="0"/>
+                </a:moveTo>
+                <a:lnTo>
+                  <a:pt x="478" y="0"/>
+                </a:lnTo>
+                <a:lnTo>
+                  <a:pt x="422" y="200"/>
+                </a:lnTo>
+                <a:lnTo>
+                  <a:pt x="0" y="200"/>
+                </a:lnTo>
+                <a:lnTo>
+                  <a:pt x="0" y="0"/>
+                </a:lnTo>
+              </a:path>
+            </a:pathLst>
+          </a:custGeom>
+          <a:solidFill>
+            <a:srgbClr val="ED7D31"/>
+          </a:solidFill>
+          <a:ln w="12600">
+            <a:noFill/>
+          </a:ln>
+        </p:spPr>
+        <p:style>
+          <a:lnRef idx="0">
+            <a:scrgbClr r="0" g="0" b="0"/>
+          </a:lnRef>
+          <a:fillRef idx="0">
+            <a:scrgbClr r="0" g="0" b="0"/>
+          </a:fillRef>
+          <a:effectRef idx="0">
+            <a:scrgbClr r="0" g="0" b="0"/>
+          </a:effectRef>
+          <a:fontRef idx="minor"/>
+        </p:style>
+        <p:txBody>
+          <a:bodyPr lIns="90000" tIns="45000" rIns="90000" bIns="45000" anchor="t">
+            <a:noAutofit/>
+          </a:bodyPr>
+          <a:lstStyle/>
+          <a:p>
+            <a:pPr defTabSz="914400">
+              <a:lnSpc>
+                <a:spcPct val="100000"/>
+              </a:lnSpc>
+            </a:pPr>
+            <a:endParaRPr lang="es-ES" sz="1800" b="0" strike="noStrike" spc="-1">
+              <a:solidFill>
+                <a:srgbClr val="000000"/>
+              </a:solidFill>
+              <a:latin typeface="Arial"/>
+              <a:ea typeface="DejaVu Sans"/>
+            </a:endParaRPr>
+          </a:p>
+        </p:txBody>
+      </p:sp>
+      <p:sp>
+        <p:nvSpPr>
+          <p:cNvPr id="87" name="CustomShape 111">
+            <a:extLst>
+              <a:ext uri="{FF2B5EF4-FFF2-40B4-BE49-F238E27FC236}">
+                <a16:creationId xmlns:a16="http://schemas.microsoft.com/office/drawing/2014/main" id="{9B35DE13-D23B-E0A1-D698-8EBD11A536C1}"/>
+              </a:ext>
+            </a:extLst>
+          </p:cNvPr>
+          <p:cNvSpPr/>
+          <p:nvPr/>
+        </p:nvSpPr>
+        <p:spPr>
+          <a:xfrm>
+            <a:off x="1704960" y="392040"/>
+            <a:ext cx="558360" cy="199080"/>
+          </a:xfrm>
+          <a:custGeom>
+            <a:avLst/>
+            <a:gdLst>
+              <a:gd name="textAreaLeft" fmla="*/ 0 w 558360"/>
+              <a:gd name="textAreaRight" fmla="*/ 560160 w 558360"/>
+              <a:gd name="textAreaTop" fmla="*/ 0 h 199080"/>
+              <a:gd name="textAreaBottom" fmla="*/ 200880 h 199080"/>
+            </a:gdLst>
+            <a:ahLst/>
+            <a:cxnLst/>
+            <a:rect l="textAreaLeft" t="textAreaTop" r="textAreaRight" b="textAreaBottom"/>
+            <a:pathLst>
+              <a:path w="282" h="201">
+                <a:moveTo>
+                  <a:pt x="56" y="0"/>
+                </a:moveTo>
+                <a:lnTo>
+                  <a:pt x="0" y="200"/>
+                </a:lnTo>
+                <a:lnTo>
+                  <a:pt x="225" y="200"/>
+                </a:lnTo>
+                <a:lnTo>
+                  <a:pt x="281" y="0"/>
+                </a:lnTo>
+                <a:lnTo>
+                  <a:pt x="56" y="0"/>
+                </a:lnTo>
+              </a:path>
+            </a:pathLst>
+          </a:custGeom>
+          <a:solidFill>
+            <a:srgbClr val="ED7D31"/>
+          </a:solidFill>
+          <a:ln w="12600">
+            <a:noFill/>
+          </a:ln>
+        </p:spPr>
+        <p:style>
+          <a:lnRef idx="0">
+            <a:scrgbClr r="0" g="0" b="0"/>
+          </a:lnRef>
+          <a:fillRef idx="0">
+            <a:scrgbClr r="0" g="0" b="0"/>
+          </a:fillRef>
+          <a:effectRef idx="0">
+            <a:scrgbClr r="0" g="0" b="0"/>
+          </a:effectRef>
+          <a:fontRef idx="minor"/>
+        </p:style>
+        <p:txBody>
+          <a:bodyPr lIns="90000" tIns="45000" rIns="90000" bIns="45000" anchor="t">
+            <a:noAutofit/>
+          </a:bodyPr>
+          <a:lstStyle/>
+          <a:p>
+            <a:pPr defTabSz="914400">
+              <a:lnSpc>
+                <a:spcPct val="100000"/>
+              </a:lnSpc>
+            </a:pPr>
+            <a:endParaRPr lang="es-ES" sz="1800" b="0" strike="noStrike" spc="-1">
+              <a:solidFill>
+                <a:srgbClr val="000000"/>
+              </a:solidFill>
+              <a:latin typeface="Arial"/>
+              <a:ea typeface="DejaVu Sans"/>
+            </a:endParaRPr>
+          </a:p>
+        </p:txBody>
+      </p:sp>
+      <p:sp>
+        <p:nvSpPr>
+          <p:cNvPr id="88" name="CustomShape 112">
+            <a:extLst>
+              <a:ext uri="{FF2B5EF4-FFF2-40B4-BE49-F238E27FC236}">
+                <a16:creationId xmlns:a16="http://schemas.microsoft.com/office/drawing/2014/main" id="{8EF19CA3-4B91-027B-0395-96995EDEBD5B}"/>
+              </a:ext>
+            </a:extLst>
+          </p:cNvPr>
+          <p:cNvSpPr/>
+          <p:nvPr/>
+        </p:nvSpPr>
+        <p:spPr>
+          <a:xfrm>
+            <a:off x="2227320" y="392040"/>
+            <a:ext cx="444240" cy="199080"/>
+          </a:xfrm>
+          <a:custGeom>
+            <a:avLst/>
+            <a:gdLst>
+              <a:gd name="textAreaLeft" fmla="*/ 0 w 444240"/>
+              <a:gd name="textAreaRight" fmla="*/ 446040 w 444240"/>
+              <a:gd name="textAreaTop" fmla="*/ 0 h 199080"/>
+              <a:gd name="textAreaBottom" fmla="*/ 200880 h 199080"/>
+            </a:gdLst>
+            <a:ahLst/>
+            <a:cxnLst/>
+            <a:rect l="textAreaLeft" t="textAreaTop" r="textAreaRight" b="textAreaBottom"/>
+            <a:pathLst>
+              <a:path w="226" h="201">
+                <a:moveTo>
+                  <a:pt x="56" y="0"/>
+                </a:moveTo>
+                <a:lnTo>
+                  <a:pt x="0" y="200"/>
+                </a:lnTo>
+                <a:lnTo>
+                  <a:pt x="169" y="200"/>
+                </a:lnTo>
+                <a:lnTo>
+                  <a:pt x="225" y="0"/>
+                </a:lnTo>
+                <a:lnTo>
+                  <a:pt x="56" y="0"/>
+                </a:lnTo>
+              </a:path>
+            </a:pathLst>
+          </a:custGeom>
+          <a:solidFill>
+            <a:srgbClr val="ED7D31">
+              <a:alpha val="80000"/>
+            </a:srgbClr>
+          </a:solidFill>
+          <a:ln w="12600">
+            <a:noFill/>
+          </a:ln>
+        </p:spPr>
+        <p:style>
+          <a:lnRef idx="0">
+            <a:scrgbClr r="0" g="0" b="0"/>
+          </a:lnRef>
+          <a:fillRef idx="0">
+            <a:scrgbClr r="0" g="0" b="0"/>
+          </a:fillRef>
+          <a:effectRef idx="0">
+            <a:scrgbClr r="0" g="0" b="0"/>
+          </a:effectRef>
+          <a:fontRef idx="minor"/>
+        </p:style>
+        <p:txBody>
+          <a:bodyPr lIns="90000" tIns="45000" rIns="90000" bIns="45000" anchor="t">
+            <a:noAutofit/>
+          </a:bodyPr>
+          <a:lstStyle/>
+          <a:p>
+            <a:pPr defTabSz="914400">
+              <a:lnSpc>
+                <a:spcPct val="100000"/>
+              </a:lnSpc>
+            </a:pPr>
+            <a:endParaRPr lang="es-ES" sz="1800" b="0" strike="noStrike" spc="-1">
+              <a:solidFill>
+                <a:srgbClr val="000000"/>
+              </a:solidFill>
+              <a:latin typeface="Arial"/>
+              <a:ea typeface="DejaVu Sans"/>
+            </a:endParaRPr>
+          </a:p>
+        </p:txBody>
+      </p:sp>
+      <p:sp>
+        <p:nvSpPr>
+          <p:cNvPr id="89" name="CustomShape 113">
+            <a:extLst>
+              <a:ext uri="{FF2B5EF4-FFF2-40B4-BE49-F238E27FC236}">
+                <a16:creationId xmlns:a16="http://schemas.microsoft.com/office/drawing/2014/main" id="{EF21BD3D-0095-F134-E37C-6D43FA401A97}"/>
+              </a:ext>
+            </a:extLst>
+          </p:cNvPr>
+          <p:cNvSpPr/>
+          <p:nvPr/>
+        </p:nvSpPr>
+        <p:spPr>
+          <a:xfrm>
+            <a:off x="2629080" y="392040"/>
+            <a:ext cx="329760" cy="199080"/>
+          </a:xfrm>
+          <a:custGeom>
+            <a:avLst/>
+            <a:gdLst>
+              <a:gd name="textAreaLeft" fmla="*/ 0 w 329760"/>
+              <a:gd name="textAreaRight" fmla="*/ 331560 w 329760"/>
+              <a:gd name="textAreaTop" fmla="*/ 0 h 199080"/>
+              <a:gd name="textAreaBottom" fmla="*/ 200880 h 199080"/>
+            </a:gdLst>
+            <a:ahLst/>
+            <a:cxnLst/>
+            <a:rect l="textAreaLeft" t="textAreaTop" r="textAreaRight" b="textAreaBottom"/>
+            <a:pathLst>
+              <a:path w="170" h="201">
+                <a:moveTo>
+                  <a:pt x="56" y="0"/>
+                </a:moveTo>
+                <a:lnTo>
+                  <a:pt x="0" y="200"/>
+                </a:lnTo>
+                <a:lnTo>
+                  <a:pt x="113" y="200"/>
+                </a:lnTo>
+                <a:lnTo>
+                  <a:pt x="169" y="0"/>
+                </a:lnTo>
+                <a:lnTo>
+                  <a:pt x="56" y="0"/>
+                </a:lnTo>
+              </a:path>
+            </a:pathLst>
+          </a:custGeom>
+          <a:solidFill>
+            <a:srgbClr val="ED7D31"/>
+          </a:solidFill>
+          <a:ln w="12600">
+            <a:noFill/>
+          </a:ln>
+        </p:spPr>
+        <p:style>
+          <a:lnRef idx="0">
+            <a:scrgbClr r="0" g="0" b="0"/>
+          </a:lnRef>
+          <a:fillRef idx="0">
+            <a:scrgbClr r="0" g="0" b="0"/>
+          </a:fillRef>
+          <a:effectRef idx="0">
+            <a:scrgbClr r="0" g="0" b="0"/>
+          </a:effectRef>
+          <a:fontRef idx="minor"/>
+        </p:style>
+        <p:txBody>
+          <a:bodyPr lIns="90000" tIns="45000" rIns="90000" bIns="45000" anchor="t">
+            <a:noAutofit/>
+          </a:bodyPr>
+          <a:lstStyle/>
+          <a:p>
+            <a:pPr defTabSz="914400">
+              <a:lnSpc>
+                <a:spcPct val="100000"/>
+              </a:lnSpc>
+            </a:pPr>
+            <a:endParaRPr lang="es-ES" sz="1800" b="0" strike="noStrike" spc="-1">
+              <a:solidFill>
+                <a:srgbClr val="000000"/>
+              </a:solidFill>
+              <a:latin typeface="Arial"/>
+              <a:ea typeface="DejaVu Sans"/>
+            </a:endParaRPr>
+          </a:p>
+        </p:txBody>
+      </p:sp>
+      <p:sp>
+        <p:nvSpPr>
+          <p:cNvPr id="90" name="CustomShape 114">
+            <a:extLst>
+              <a:ext uri="{FF2B5EF4-FFF2-40B4-BE49-F238E27FC236}">
+                <a16:creationId xmlns:a16="http://schemas.microsoft.com/office/drawing/2014/main" id="{8D666114-CC28-25BB-DBDB-2F8BFB8C1EE8}"/>
+              </a:ext>
+            </a:extLst>
+          </p:cNvPr>
+          <p:cNvSpPr/>
+          <p:nvPr/>
+        </p:nvSpPr>
+        <p:spPr>
+          <a:xfrm>
+            <a:off x="2991240" y="392040"/>
+            <a:ext cx="213480" cy="199080"/>
+          </a:xfrm>
+          <a:custGeom>
+            <a:avLst/>
+            <a:gdLst>
+              <a:gd name="textAreaLeft" fmla="*/ 0 w 213480"/>
+              <a:gd name="textAreaRight" fmla="*/ 215280 w 213480"/>
+              <a:gd name="textAreaTop" fmla="*/ 0 h 199080"/>
+              <a:gd name="textAreaBottom" fmla="*/ 200880 h 199080"/>
+            </a:gdLst>
+            <a:ahLst/>
+            <a:cxnLst/>
+            <a:rect l="textAreaLeft" t="textAreaTop" r="textAreaRight" b="textAreaBottom"/>
+            <a:pathLst>
+              <a:path w="113" h="201">
+                <a:moveTo>
+                  <a:pt x="56" y="0"/>
+                </a:moveTo>
+                <a:lnTo>
+                  <a:pt x="0" y="200"/>
+                </a:lnTo>
+                <a:lnTo>
+                  <a:pt x="56" y="200"/>
+                </a:lnTo>
+                <a:lnTo>
+                  <a:pt x="112" y="0"/>
+                </a:lnTo>
+                <a:lnTo>
+                  <a:pt x="56" y="0"/>
+                </a:lnTo>
+              </a:path>
+            </a:pathLst>
+          </a:custGeom>
+          <a:solidFill>
+            <a:srgbClr val="ED7D31"/>
+          </a:solidFill>
+          <a:ln w="12600">
+            <a:noFill/>
+          </a:ln>
+        </p:spPr>
+        <p:style>
+          <a:lnRef idx="0">
+            <a:scrgbClr r="0" g="0" b="0"/>
+          </a:lnRef>
+          <a:fillRef idx="0">
+            <a:scrgbClr r="0" g="0" b="0"/>
+          </a:fillRef>
+          <a:effectRef idx="0">
+            <a:scrgbClr r="0" g="0" b="0"/>
+          </a:effectRef>
+          <a:fontRef idx="minor"/>
+        </p:style>
+        <p:txBody>
+          <a:bodyPr lIns="90000" tIns="45000" rIns="90000" bIns="45000" anchor="t">
+            <a:noAutofit/>
+          </a:bodyPr>
+          <a:lstStyle/>
+          <a:p>
+            <a:pPr defTabSz="914400">
+              <a:lnSpc>
+                <a:spcPct val="100000"/>
+              </a:lnSpc>
+            </a:pPr>
+            <a:endParaRPr lang="es-ES" sz="1800" b="0" strike="noStrike" spc="-1">
+              <a:solidFill>
+                <a:srgbClr val="000000"/>
+              </a:solidFill>
+              <a:latin typeface="Arial"/>
+              <a:ea typeface="DejaVu Sans"/>
+            </a:endParaRPr>
+          </a:p>
+        </p:txBody>
+      </p:sp>
+      <p:sp>
+        <p:nvSpPr>
+          <p:cNvPr id="91" name="CustomShape 115">
+            <a:extLst>
+              <a:ext uri="{FF2B5EF4-FFF2-40B4-BE49-F238E27FC236}">
+                <a16:creationId xmlns:a16="http://schemas.microsoft.com/office/drawing/2014/main" id="{0B161E2B-4412-44D2-2BBC-000104587DCE}"/>
+              </a:ext>
+            </a:extLst>
+          </p:cNvPr>
+          <p:cNvSpPr/>
+          <p:nvPr/>
+        </p:nvSpPr>
+        <p:spPr>
+          <a:xfrm>
+            <a:off x="2912040" y="392040"/>
+            <a:ext cx="136080" cy="199080"/>
+          </a:xfrm>
+          <a:custGeom>
+            <a:avLst/>
+            <a:gdLst>
+              <a:gd name="textAreaLeft" fmla="*/ 0 w 136080"/>
+              <a:gd name="textAreaRight" fmla="*/ 137880 w 136080"/>
+              <a:gd name="textAreaTop" fmla="*/ 0 h 199080"/>
+              <a:gd name="textAreaBottom" fmla="*/ 200880 h 199080"/>
+            </a:gdLst>
+            <a:ahLst/>
+            <a:cxnLst/>
+            <a:rect l="textAreaLeft" t="textAreaTop" r="textAreaRight" b="textAreaBottom"/>
+            <a:pathLst>
+              <a:path w="75" h="201">
+                <a:moveTo>
+                  <a:pt x="56" y="0"/>
+                </a:moveTo>
+                <a:lnTo>
+                  <a:pt x="0" y="200"/>
+                </a:lnTo>
+                <a:lnTo>
+                  <a:pt x="18" y="200"/>
+                </a:lnTo>
+                <a:lnTo>
+                  <a:pt x="74" y="0"/>
+                </a:lnTo>
+                <a:lnTo>
+                  <a:pt x="56" y="0"/>
+                </a:lnTo>
+              </a:path>
+            </a:pathLst>
+          </a:custGeom>
+          <a:solidFill>
+            <a:srgbClr val="ED7D31"/>
+          </a:solidFill>
+          <a:ln w="12600">
+            <a:noFill/>
+          </a:ln>
+        </p:spPr>
+        <p:style>
+          <a:lnRef idx="0">
+            <a:scrgbClr r="0" g="0" b="0"/>
+          </a:lnRef>
+          <a:fillRef idx="0">
+            <a:scrgbClr r="0" g="0" b="0"/>
+          </a:fillRef>
+          <a:effectRef idx="0">
+            <a:scrgbClr r="0" g="0" b="0"/>
+          </a:effectRef>
+          <a:fontRef idx="minor"/>
+        </p:style>
+        <p:txBody>
+          <a:bodyPr lIns="90000" tIns="45000" rIns="90000" bIns="45000" anchor="t">
+            <a:noAutofit/>
+          </a:bodyPr>
+          <a:lstStyle/>
+          <a:p>
+            <a:pPr defTabSz="914400">
+              <a:lnSpc>
+                <a:spcPct val="100000"/>
+              </a:lnSpc>
+            </a:pPr>
+            <a:endParaRPr lang="es-ES" sz="1800" b="0" strike="noStrike" spc="-1">
+              <a:solidFill>
+                <a:srgbClr val="000000"/>
+              </a:solidFill>
+              <a:latin typeface="Arial"/>
+              <a:ea typeface="DejaVu Sans"/>
+            </a:endParaRPr>
+          </a:p>
+        </p:txBody>
+      </p:sp>
+      <p:sp>
+        <p:nvSpPr>
+          <p:cNvPr id="92" name="CustomShape 116">
+            <a:extLst>
+              <a:ext uri="{FF2B5EF4-FFF2-40B4-BE49-F238E27FC236}">
+                <a16:creationId xmlns:a16="http://schemas.microsoft.com/office/drawing/2014/main" id="{BFC70CCC-10C9-D791-44D1-9C95F06A96A7}"/>
+              </a:ext>
+            </a:extLst>
+          </p:cNvPr>
+          <p:cNvSpPr/>
+          <p:nvPr/>
+        </p:nvSpPr>
+        <p:spPr>
+          <a:xfrm>
+            <a:off x="3492360" y="6585120"/>
+            <a:ext cx="7161840" cy="60840"/>
+          </a:xfrm>
+          <a:custGeom>
+            <a:avLst/>
+            <a:gdLst>
+              <a:gd name="textAreaLeft" fmla="*/ 0 w 7161840"/>
+              <a:gd name="textAreaRight" fmla="*/ 7163640 w 7161840"/>
+              <a:gd name="textAreaTop" fmla="*/ 0 h 60840"/>
+              <a:gd name="textAreaBottom" fmla="*/ 62640 h 60840"/>
+            </a:gdLst>
+            <a:ahLst/>
+            <a:cxnLst/>
+            <a:rect l="textAreaLeft" t="textAreaTop" r="textAreaRight" b="textAreaBottom"/>
+            <a:pathLst>
+              <a:path w="5288" h="49">
+                <a:moveTo>
+                  <a:pt x="0" y="48"/>
+                </a:moveTo>
+                <a:lnTo>
+                  <a:pt x="5287" y="48"/>
+                </a:lnTo>
+                <a:lnTo>
+                  <a:pt x="5287" y="0"/>
+                </a:lnTo>
+                <a:lnTo>
+                  <a:pt x="14" y="0"/>
+                </a:lnTo>
+                <a:lnTo>
+                  <a:pt x="0" y="48"/>
+                </a:lnTo>
+              </a:path>
+            </a:pathLst>
+          </a:custGeom>
+          <a:solidFill>
+            <a:srgbClr val="ED7D31"/>
+          </a:solidFill>
+          <a:ln w="12600">
+            <a:noFill/>
+          </a:ln>
+        </p:spPr>
+        <p:style>
+          <a:lnRef idx="0">
+            <a:scrgbClr r="0" g="0" b="0"/>
+          </a:lnRef>
+          <a:fillRef idx="0">
+            <a:scrgbClr r="0" g="0" b="0"/>
+          </a:fillRef>
+          <a:effectRef idx="0">
+            <a:scrgbClr r="0" g="0" b="0"/>
+          </a:effectRef>
+          <a:fontRef idx="minor"/>
+        </p:style>
+        <p:txBody>
+          <a:bodyPr lIns="90000" tIns="17640" rIns="90000" bIns="17640" anchor="t">
+            <a:noAutofit/>
+          </a:bodyPr>
+          <a:lstStyle/>
+          <a:p>
+            <a:pPr defTabSz="914400">
+              <a:lnSpc>
+                <a:spcPct val="100000"/>
+              </a:lnSpc>
+            </a:pPr>
+            <a:endParaRPr lang="es-ES" sz="1800" b="0" strike="noStrike" spc="-1">
+              <a:solidFill>
+                <a:srgbClr val="000000"/>
+              </a:solidFill>
+              <a:latin typeface="Arial"/>
+              <a:ea typeface="DejaVu Sans"/>
+            </a:endParaRPr>
+          </a:p>
+        </p:txBody>
+      </p:sp>
+      <p:sp>
+        <p:nvSpPr>
+          <p:cNvPr id="93" name="CustomShape 117">
+            <a:extLst>
+              <a:ext uri="{FF2B5EF4-FFF2-40B4-BE49-F238E27FC236}">
+                <a16:creationId xmlns:a16="http://schemas.microsoft.com/office/drawing/2014/main" id="{141972EB-2881-F80A-6366-F7A566B769F9}"/>
+              </a:ext>
+            </a:extLst>
+          </p:cNvPr>
+          <p:cNvSpPr/>
+          <p:nvPr/>
+        </p:nvSpPr>
+        <p:spPr>
+          <a:xfrm>
+            <a:off x="3917520" y="260640"/>
+            <a:ext cx="6463080" cy="549720"/>
+          </a:xfrm>
+          <a:prstGeom prst="rect">
+            <a:avLst/>
+          </a:prstGeom>
+          <a:noFill/>
+          <a:ln w="12600">
+            <a:noFill/>
+          </a:ln>
+        </p:spPr>
+        <p:style>
+          <a:lnRef idx="0">
+            <a:scrgbClr r="0" g="0" b="0"/>
+          </a:lnRef>
+          <a:fillRef idx="0">
+            <a:scrgbClr r="0" g="0" b="0"/>
+          </a:fillRef>
+          <a:effectRef idx="0">
+            <a:scrgbClr r="0" g="0" b="0"/>
+          </a:effectRef>
+          <a:fontRef idx="minor"/>
+        </p:style>
+        <p:txBody>
+          <a:bodyPr lIns="90000" tIns="45000" rIns="90000" bIns="45000" anchor="t">
+            <a:noAutofit/>
+          </a:bodyPr>
+          <a:lstStyle/>
+          <a:p>
+            <a:pPr defTabSz="914400">
+              <a:lnSpc>
+                <a:spcPct val="100000"/>
+              </a:lnSpc>
+            </a:pPr>
+            <a:endParaRPr lang="es-ES" sz="1800" b="0" strike="noStrike" spc="-1">
+              <a:solidFill>
+                <a:srgbClr val="000000"/>
+              </a:solidFill>
+              <a:latin typeface="Arial"/>
+              <a:ea typeface="DejaVu Sans"/>
+            </a:endParaRPr>
+          </a:p>
+        </p:txBody>
+      </p:sp>
+      <p:sp>
+        <p:nvSpPr>
+          <p:cNvPr id="94" name="CustomShape 118">
+            <a:extLst>
+              <a:ext uri="{FF2B5EF4-FFF2-40B4-BE49-F238E27FC236}">
+                <a16:creationId xmlns:a16="http://schemas.microsoft.com/office/drawing/2014/main" id="{A2101A50-313E-7703-9BAA-79897A63918C}"/>
+              </a:ext>
+            </a:extLst>
+          </p:cNvPr>
+          <p:cNvSpPr/>
+          <p:nvPr/>
+        </p:nvSpPr>
+        <p:spPr>
+          <a:xfrm>
+            <a:off x="3905522" y="212040"/>
+            <a:ext cx="5238360" cy="410760"/>
+          </a:xfrm>
+          <a:prstGeom prst="rect">
+            <a:avLst/>
+          </a:prstGeom>
+          <a:noFill/>
+          <a:ln w="0">
+            <a:noFill/>
+          </a:ln>
+        </p:spPr>
+        <p:style>
+          <a:lnRef idx="0">
+            <a:scrgbClr r="0" g="0" b="0"/>
+          </a:lnRef>
+          <a:fillRef idx="0">
+            <a:scrgbClr r="0" g="0" b="0"/>
+          </a:fillRef>
+          <a:effectRef idx="0">
+            <a:scrgbClr r="0" g="0" b="0"/>
+          </a:effectRef>
+          <a:fontRef idx="minor"/>
+        </p:style>
+        <p:txBody>
+          <a:bodyPr lIns="90000" tIns="45000" rIns="90000" bIns="45000" anchor="t">
+            <a:noAutofit/>
+          </a:bodyPr>
+          <a:lstStyle/>
+          <a:p>
+            <a:pPr defTabSz="914400">
+              <a:lnSpc>
+                <a:spcPct val="100000"/>
+              </a:lnSpc>
+            </a:pPr>
+            <a:r>
+              <a:rPr lang="es-ES" sz="2600" b="1" strike="noStrike" spc="-1" dirty="0">
+                <a:solidFill>
+                  <a:srgbClr val="000000"/>
+                </a:solidFill>
+                <a:latin typeface="Arial"/>
+                <a:ea typeface="DejaVu Sans"/>
+              </a:rPr>
+              <a:t>INCREMENTOS</a:t>
+            </a:r>
+            <a:endParaRPr lang="es-ES" sz="2600" b="0" strike="noStrike" spc="-1" dirty="0">
+              <a:solidFill>
+                <a:srgbClr val="000000"/>
+              </a:solidFill>
+              <a:latin typeface="Arial"/>
+            </a:endParaRPr>
+          </a:p>
+        </p:txBody>
+      </p:sp>
+      <p:pic>
+        <p:nvPicPr>
+          <p:cNvPr id="95" name="Imagen 24">
+            <a:extLst>
+              <a:ext uri="{FF2B5EF4-FFF2-40B4-BE49-F238E27FC236}">
+                <a16:creationId xmlns:a16="http://schemas.microsoft.com/office/drawing/2014/main" id="{69C148D5-FCB4-AE2F-AA73-04770F4014D1}"/>
+              </a:ext>
+            </a:extLst>
+          </p:cNvPr>
+          <p:cNvPicPr/>
+          <p:nvPr/>
+        </p:nvPicPr>
+        <p:blipFill>
+          <a:blip r:embed="rId3"/>
+          <a:stretch/>
+        </p:blipFill>
+        <p:spPr>
+          <a:xfrm>
+            <a:off x="87480" y="51480"/>
+            <a:ext cx="713880" cy="828720"/>
+          </a:xfrm>
+          <a:prstGeom prst="rect">
+            <a:avLst/>
+          </a:prstGeom>
+          <a:ln w="0">
+            <a:noFill/>
+          </a:ln>
+        </p:spPr>
+      </p:pic>
+      <p:pic>
+        <p:nvPicPr>
+          <p:cNvPr id="96" name="Imagen 25">
+            <a:extLst>
+              <a:ext uri="{FF2B5EF4-FFF2-40B4-BE49-F238E27FC236}">
+                <a16:creationId xmlns:a16="http://schemas.microsoft.com/office/drawing/2014/main" id="{2690859E-496D-E85A-6A3C-160D81EF0D1C}"/>
+              </a:ext>
+            </a:extLst>
+          </p:cNvPr>
+          <p:cNvPicPr/>
+          <p:nvPr/>
+        </p:nvPicPr>
+        <p:blipFill>
+          <a:blip r:embed="rId4"/>
+          <a:stretch/>
+        </p:blipFill>
+        <p:spPr>
+          <a:xfrm>
+            <a:off x="11378520" y="16200"/>
+            <a:ext cx="713880" cy="1038600"/>
+          </a:xfrm>
+          <a:prstGeom prst="rect">
+            <a:avLst/>
+          </a:prstGeom>
+          <a:ln w="0">
+            <a:noFill/>
+          </a:ln>
+        </p:spPr>
+      </p:pic>
+      <p:sp>
+        <p:nvSpPr>
+          <p:cNvPr id="97" name="PlaceHolder 3">
+            <a:extLst>
+              <a:ext uri="{FF2B5EF4-FFF2-40B4-BE49-F238E27FC236}">
+                <a16:creationId xmlns:a16="http://schemas.microsoft.com/office/drawing/2014/main" id="{810B9152-FAFC-7FA1-8B09-3CF7EE77F2EF}"/>
+              </a:ext>
+            </a:extLst>
+          </p:cNvPr>
+          <p:cNvSpPr/>
+          <p:nvPr/>
+        </p:nvSpPr>
+        <p:spPr>
+          <a:xfrm>
+            <a:off x="610920" y="932760"/>
+            <a:ext cx="2437200" cy="5205600"/>
+          </a:xfrm>
+          <a:prstGeom prst="rect">
+            <a:avLst/>
+          </a:prstGeom>
+          <a:noFill/>
+          <a:ln w="0">
+            <a:noFill/>
+          </a:ln>
+        </p:spPr>
+        <p:style>
+          <a:lnRef idx="0">
+            <a:scrgbClr r="0" g="0" b="0"/>
+          </a:lnRef>
+          <a:fillRef idx="0">
+            <a:scrgbClr r="0" g="0" b="0"/>
+          </a:fillRef>
+          <a:effectRef idx="0">
+            <a:scrgbClr r="0" g="0" b="0"/>
+          </a:effectRef>
+          <a:fontRef idx="minor"/>
+        </p:style>
+        <p:txBody>
+          <a:bodyPr lIns="0" tIns="0" rIns="0" bIns="0" anchor="t">
+            <a:noAutofit/>
+          </a:bodyPr>
+          <a:lstStyle/>
+          <a:p>
+            <a:pPr marL="457200" defTabSz="914400">
+              <a:lnSpc>
+                <a:spcPct val="100000"/>
+              </a:lnSpc>
+            </a:pPr>
+            <a:endParaRPr lang="es-ES" sz="2400" b="0" strike="noStrike" spc="-1" dirty="0">
+              <a:solidFill>
+                <a:srgbClr val="000000"/>
+              </a:solidFill>
+              <a:latin typeface="Arial"/>
+            </a:endParaRPr>
+          </a:p>
+        </p:txBody>
+      </p:sp>
+      <p:pic>
+        <p:nvPicPr>
+          <p:cNvPr id="1030" name="Picture 6">
+            <a:extLst>
+              <a:ext uri="{FF2B5EF4-FFF2-40B4-BE49-F238E27FC236}">
+                <a16:creationId xmlns:a16="http://schemas.microsoft.com/office/drawing/2014/main" id="{4448F8F1-9694-31EE-CAE1-E63BF40FF513}"/>
+              </a:ext>
+            </a:extLst>
+          </p:cNvPr>
+          <p:cNvPicPr>
+            <a:picLocks noChangeAspect="1" noChangeArrowheads="1"/>
+          </p:cNvPicPr>
+          <p:nvPr/>
+        </p:nvPicPr>
+        <p:blipFill>
+          <a:blip r:embed="rId5" cstate="print">
+            <a:extLst>
+              <a:ext uri="{BEBA8EAE-BF5A-486C-A8C5-ECC9F3942E4B}">
+                <a14:imgProps xmlns:a14="http://schemas.microsoft.com/office/drawing/2010/main">
+                  <a14:imgLayer r:embed="rId6">
+                    <a14:imgEffect>
+                      <a14:saturation sat="300000"/>
+                    </a14:imgEffect>
+                    <a14:imgEffect>
+                      <a14:brightnessContrast bright="-40000" contrast="40000"/>
+                    </a14:imgEffect>
+                  </a14:imgLayer>
+                </a14:imgProps>
+              </a:ext>
+              <a:ext uri="{28A0092B-C50C-407E-A947-70E740481C1C}">
+                <a14:useLocalDpi xmlns:a14="http://schemas.microsoft.com/office/drawing/2010/main" val="0"/>
+              </a:ext>
+            </a:extLst>
+          </a:blip>
+          <a:srcRect/>
+          <a:stretch>
+            <a:fillRect/>
+          </a:stretch>
+        </p:blipFill>
+        <p:spPr bwMode="auto">
+          <a:xfrm>
+            <a:off x="9247752" y="1034779"/>
+            <a:ext cx="385700" cy="385700"/>
+          </a:xfrm>
+          <a:prstGeom prst="rect">
+            <a:avLst/>
+          </a:prstGeom>
+          <a:noFill/>
+          <a:extLst>
+            <a:ext uri="{909E8E84-426E-40DD-AFC4-6F175D3DCCD1}">
+              <a14:hiddenFill xmlns:a14="http://schemas.microsoft.com/office/drawing/2010/main">
+                <a:solidFill>
+                  <a:srgbClr val="FFFFFF"/>
+                </a:solidFill>
+              </a14:hiddenFill>
+            </a:ext>
+          </a:extLst>
+        </p:spPr>
+      </p:pic>
+      <p:pic>
+        <p:nvPicPr>
+          <p:cNvPr id="9" name="Picture 6">
+            <a:extLst>
+              <a:ext uri="{FF2B5EF4-FFF2-40B4-BE49-F238E27FC236}">
+                <a16:creationId xmlns:a16="http://schemas.microsoft.com/office/drawing/2014/main" id="{821629CC-F93D-0C17-E017-52A88C5D3352}"/>
+              </a:ext>
+            </a:extLst>
+          </p:cNvPr>
+          <p:cNvPicPr>
+            <a:picLocks noChangeAspect="1" noChangeArrowheads="1"/>
+          </p:cNvPicPr>
+          <p:nvPr/>
+        </p:nvPicPr>
+        <p:blipFill>
+          <a:blip r:embed="rId5" cstate="print">
+            <a:extLst>
+              <a:ext uri="{BEBA8EAE-BF5A-486C-A8C5-ECC9F3942E4B}">
+                <a14:imgProps xmlns:a14="http://schemas.microsoft.com/office/drawing/2010/main">
+                  <a14:imgLayer r:embed="rId6">
+                    <a14:imgEffect>
+                      <a14:saturation sat="300000"/>
+                    </a14:imgEffect>
+                    <a14:imgEffect>
+                      <a14:brightnessContrast bright="-40000" contrast="40000"/>
+                    </a14:imgEffect>
+                  </a14:imgLayer>
+                </a14:imgProps>
+              </a:ext>
+              <a:ext uri="{28A0092B-C50C-407E-A947-70E740481C1C}">
+                <a14:useLocalDpi xmlns:a14="http://schemas.microsoft.com/office/drawing/2010/main" val="0"/>
+              </a:ext>
+            </a:extLst>
+          </a:blip>
+          <a:srcRect/>
+          <a:stretch>
+            <a:fillRect/>
+          </a:stretch>
+        </p:blipFill>
+        <p:spPr bwMode="auto">
+          <a:xfrm>
+            <a:off x="9247752" y="1782228"/>
+            <a:ext cx="385700" cy="385700"/>
+          </a:xfrm>
+          <a:prstGeom prst="rect">
+            <a:avLst/>
+          </a:prstGeom>
+          <a:noFill/>
+          <a:extLst>
+            <a:ext uri="{909E8E84-426E-40DD-AFC4-6F175D3DCCD1}">
+              <a14:hiddenFill xmlns:a14="http://schemas.microsoft.com/office/drawing/2010/main">
+                <a:solidFill>
+                  <a:srgbClr val="FFFFFF"/>
+                </a:solidFill>
+              </a14:hiddenFill>
+            </a:ext>
+          </a:extLst>
+        </p:spPr>
+      </p:pic>
+      <p:pic>
+        <p:nvPicPr>
+          <p:cNvPr id="10" name="Picture 6">
+            <a:extLst>
+              <a:ext uri="{FF2B5EF4-FFF2-40B4-BE49-F238E27FC236}">
+                <a16:creationId xmlns:a16="http://schemas.microsoft.com/office/drawing/2014/main" id="{CE4AB4FF-F944-27CA-A642-CDF383E622CC}"/>
+              </a:ext>
+            </a:extLst>
+          </p:cNvPr>
+          <p:cNvPicPr>
+            <a:picLocks noChangeAspect="1" noChangeArrowheads="1"/>
+          </p:cNvPicPr>
+          <p:nvPr/>
+        </p:nvPicPr>
+        <p:blipFill>
+          <a:blip r:embed="rId5" cstate="print">
+            <a:extLst>
+              <a:ext uri="{BEBA8EAE-BF5A-486C-A8C5-ECC9F3942E4B}">
+                <a14:imgProps xmlns:a14="http://schemas.microsoft.com/office/drawing/2010/main">
+                  <a14:imgLayer r:embed="rId6">
+                    <a14:imgEffect>
+                      <a14:saturation sat="300000"/>
+                    </a14:imgEffect>
+                    <a14:imgEffect>
+                      <a14:brightnessContrast bright="-40000" contrast="40000"/>
+                    </a14:imgEffect>
+                  </a14:imgLayer>
+                </a14:imgProps>
+              </a:ext>
+              <a:ext uri="{28A0092B-C50C-407E-A947-70E740481C1C}">
+                <a14:useLocalDpi xmlns:a14="http://schemas.microsoft.com/office/drawing/2010/main" val="0"/>
+              </a:ext>
+            </a:extLst>
+          </a:blip>
+          <a:srcRect/>
+          <a:stretch>
+            <a:fillRect/>
+          </a:stretch>
+        </p:blipFill>
+        <p:spPr bwMode="auto">
+          <a:xfrm>
+            <a:off x="9247752" y="2337306"/>
+            <a:ext cx="385700" cy="385700"/>
+          </a:xfrm>
+          <a:prstGeom prst="rect">
+            <a:avLst/>
+          </a:prstGeom>
+          <a:noFill/>
+          <a:extLst>
+            <a:ext uri="{909E8E84-426E-40DD-AFC4-6F175D3DCCD1}">
+              <a14:hiddenFill xmlns:a14="http://schemas.microsoft.com/office/drawing/2010/main">
+                <a:solidFill>
+                  <a:srgbClr val="FFFFFF"/>
+                </a:solidFill>
+              </a14:hiddenFill>
+            </a:ext>
+          </a:extLst>
+        </p:spPr>
+      </p:pic>
+      <p:pic>
+        <p:nvPicPr>
+          <p:cNvPr id="2050" name="Picture 2">
+            <a:extLst>
+              <a:ext uri="{FF2B5EF4-FFF2-40B4-BE49-F238E27FC236}">
+                <a16:creationId xmlns:a16="http://schemas.microsoft.com/office/drawing/2014/main" id="{17A065AC-6B35-2C97-D95A-D080A34DCE79}"/>
+              </a:ext>
+            </a:extLst>
+          </p:cNvPr>
+          <p:cNvPicPr>
+            <a:picLocks noChangeAspect="1" noChangeArrowheads="1"/>
+          </p:cNvPicPr>
+          <p:nvPr/>
+        </p:nvPicPr>
+        <p:blipFill>
+          <a:blip r:embed="rId7" cstate="print">
+            <a:extLst>
+              <a:ext uri="{28A0092B-C50C-407E-A947-70E740481C1C}">
+                <a14:useLocalDpi xmlns:a14="http://schemas.microsoft.com/office/drawing/2010/main" val="0"/>
+              </a:ext>
+            </a:extLst>
+          </a:blip>
+          <a:srcRect/>
+          <a:stretch>
+            <a:fillRect/>
+          </a:stretch>
+        </p:blipFill>
+        <p:spPr bwMode="auto">
+          <a:xfrm>
+            <a:off x="1404587" y="590724"/>
+            <a:ext cx="7877607" cy="5726160"/>
+          </a:xfrm>
+          <a:prstGeom prst="rect">
+            <a:avLst/>
+          </a:prstGeom>
+          <a:noFill/>
+          <a:extLst>
+            <a:ext uri="{909E8E84-426E-40DD-AFC4-6F175D3DCCD1}">
+              <a14:hiddenFill xmlns:a14="http://schemas.microsoft.com/office/drawing/2010/main">
+                <a:solidFill>
+                  <a:srgbClr val="FFFFFF"/>
+                </a:solidFill>
+              </a14:hiddenFill>
+            </a:ext>
+          </a:extLst>
+        </p:spPr>
+      </p:pic>
+    </p:spTree>
+    <p:extLst>
+      <p:ext uri="{BB962C8B-B14F-4D97-AF65-F5344CB8AC3E}">
+        <p14:creationId xmlns:p14="http://schemas.microsoft.com/office/powerpoint/2010/main" val="791473006"/>
       </p:ext>
     </p:extLst>
   </p:cSld>
@@ -14989,7 +19518,7 @@
         <p:cNvPr id="1" name="">
           <a:extLst>
             <a:ext uri="{FF2B5EF4-FFF2-40B4-BE49-F238E27FC236}">
-              <a16:creationId xmlns:a16="http://schemas.microsoft.com/office/drawing/2014/main" id="{46AF10DE-182F-FCAC-BC5F-51CE6EABB9A3}"/>
+              <a16:creationId xmlns:a16="http://schemas.microsoft.com/office/drawing/2014/main" id="{2A48BE5D-B37E-EC39-B519-99FE516D6BEB}"/>
             </a:ext>
           </a:extLst>
         </p:cNvPr>
@@ -15009,7 +19538,7 @@
           <p:cNvPr id="86" name="CustomShape 110">
             <a:extLst>
               <a:ext uri="{FF2B5EF4-FFF2-40B4-BE49-F238E27FC236}">
-                <a16:creationId xmlns:a16="http://schemas.microsoft.com/office/drawing/2014/main" id="{6FE45C6D-6DAE-8C38-365F-B216B0C025BB}"/>
+                <a16:creationId xmlns:a16="http://schemas.microsoft.com/office/drawing/2014/main" id="{0269DF86-7376-E6B9-7435-E084D7121536}"/>
               </a:ext>
             </a:extLst>
           </p:cNvPr>
@@ -15097,7 +19626,7 @@
           <p:cNvPr id="87" name="CustomShape 111">
             <a:extLst>
               <a:ext uri="{FF2B5EF4-FFF2-40B4-BE49-F238E27FC236}">
-                <a16:creationId xmlns:a16="http://schemas.microsoft.com/office/drawing/2014/main" id="{39C11285-68C7-F42B-E8F6-3B82D3364D37}"/>
+                <a16:creationId xmlns:a16="http://schemas.microsoft.com/office/drawing/2014/main" id="{38293779-6BFF-51BA-287A-F3B940D2CBA9}"/>
               </a:ext>
             </a:extLst>
           </p:cNvPr>
@@ -15185,7 +19714,7 @@
           <p:cNvPr id="88" name="CustomShape 112">
             <a:extLst>
               <a:ext uri="{FF2B5EF4-FFF2-40B4-BE49-F238E27FC236}">
-                <a16:creationId xmlns:a16="http://schemas.microsoft.com/office/drawing/2014/main" id="{0A67A833-7F9A-3DD4-93DB-E13303061730}"/>
+                <a16:creationId xmlns:a16="http://schemas.microsoft.com/office/drawing/2014/main" id="{FCB54177-5EF4-3676-8B33-2DE96904ECD4}"/>
               </a:ext>
             </a:extLst>
           </p:cNvPr>
@@ -15275,7 +19804,7 @@
           <p:cNvPr id="89" name="CustomShape 113">
             <a:extLst>
               <a:ext uri="{FF2B5EF4-FFF2-40B4-BE49-F238E27FC236}">
-                <a16:creationId xmlns:a16="http://schemas.microsoft.com/office/drawing/2014/main" id="{3FA2C14A-7E70-AE42-FB3B-B814D5892DA4}"/>
+                <a16:creationId xmlns:a16="http://schemas.microsoft.com/office/drawing/2014/main" id="{D2F678B6-B5CF-91AD-DC17-EB558EF1744E}"/>
               </a:ext>
             </a:extLst>
           </p:cNvPr>
@@ -15363,7 +19892,7 @@
           <p:cNvPr id="90" name="CustomShape 114">
             <a:extLst>
               <a:ext uri="{FF2B5EF4-FFF2-40B4-BE49-F238E27FC236}">
-                <a16:creationId xmlns:a16="http://schemas.microsoft.com/office/drawing/2014/main" id="{52820939-B3FF-0519-5F6D-7F2238C087AA}"/>
+                <a16:creationId xmlns:a16="http://schemas.microsoft.com/office/drawing/2014/main" id="{89A5CBA3-0256-B77F-1B96-224648DD5E4B}"/>
               </a:ext>
             </a:extLst>
           </p:cNvPr>
@@ -15451,7 +19980,7 @@
           <p:cNvPr id="91" name="CustomShape 115">
             <a:extLst>
               <a:ext uri="{FF2B5EF4-FFF2-40B4-BE49-F238E27FC236}">
-                <a16:creationId xmlns:a16="http://schemas.microsoft.com/office/drawing/2014/main" id="{676F1187-35DD-28D2-AE5C-7F1AFA77C80B}"/>
+                <a16:creationId xmlns:a16="http://schemas.microsoft.com/office/drawing/2014/main" id="{830E4723-96D7-81E9-262C-ED18F3D98E07}"/>
               </a:ext>
             </a:extLst>
           </p:cNvPr>
@@ -15539,7 +20068,7 @@
           <p:cNvPr id="92" name="CustomShape 116">
             <a:extLst>
               <a:ext uri="{FF2B5EF4-FFF2-40B4-BE49-F238E27FC236}">
-                <a16:creationId xmlns:a16="http://schemas.microsoft.com/office/drawing/2014/main" id="{A310FA13-539A-802F-E35E-152D5A49B951}"/>
+                <a16:creationId xmlns:a16="http://schemas.microsoft.com/office/drawing/2014/main" id="{412E6654-08A2-9839-4E27-00624BEF0041}"/>
               </a:ext>
             </a:extLst>
           </p:cNvPr>
@@ -15627,7 +20156,7 @@
           <p:cNvPr id="93" name="CustomShape 117">
             <a:extLst>
               <a:ext uri="{FF2B5EF4-FFF2-40B4-BE49-F238E27FC236}">
-                <a16:creationId xmlns:a16="http://schemas.microsoft.com/office/drawing/2014/main" id="{13414A6C-3954-F8FD-E080-6B1499622816}"/>
+                <a16:creationId xmlns:a16="http://schemas.microsoft.com/office/drawing/2014/main" id="{1DB7D728-ADB5-9EBE-53F7-16C56812E0AD}"/>
               </a:ext>
             </a:extLst>
           </p:cNvPr>
@@ -15685,7 +20214,7 @@
           <p:cNvPr id="94" name="CustomShape 118">
             <a:extLst>
               <a:ext uri="{FF2B5EF4-FFF2-40B4-BE49-F238E27FC236}">
-                <a16:creationId xmlns:a16="http://schemas.microsoft.com/office/drawing/2014/main" id="{8800FA75-C2EB-33CE-A2B5-B8DBF98D27B1}"/>
+                <a16:creationId xmlns:a16="http://schemas.microsoft.com/office/drawing/2014/main" id="{A768C3FF-6C56-94E4-885D-6C23B02BE4E5}"/>
               </a:ext>
             </a:extLst>
           </p:cNvPr>
@@ -15694,7 +20223,7 @@
         </p:nvSpPr>
         <p:spPr>
           <a:xfrm>
-            <a:off x="3917520" y="260640"/>
+            <a:off x="3905522" y="212040"/>
             <a:ext cx="5238360" cy="410760"/>
           </a:xfrm>
           <a:prstGeom prst="rect">
@@ -15736,7 +20265,7 @@
                 <a:latin typeface="Arial"/>
                 <a:ea typeface="DejaVu Sans"/>
               </a:rPr>
-              <a:t>DEMOSTRACION </a:t>
+              <a:t>INCREMENTOS</a:t>
             </a:r>
             <a:endParaRPr lang="es-ES" sz="2600" b="0" strike="noStrike" spc="-1" dirty="0">
               <a:solidFill>
@@ -15752,7 +20281,7 @@
           <p:cNvPr id="95" name="Imagen 24">
             <a:extLst>
               <a:ext uri="{FF2B5EF4-FFF2-40B4-BE49-F238E27FC236}">
-                <a16:creationId xmlns:a16="http://schemas.microsoft.com/office/drawing/2014/main" id="{772D123F-572E-56EF-BD57-30DA386F3CE3}"/>
+                <a16:creationId xmlns:a16="http://schemas.microsoft.com/office/drawing/2014/main" id="{37C4BDFA-64FE-F095-1B50-084FCEB97138}"/>
               </a:ext>
             </a:extLst>
           </p:cNvPr>
@@ -15781,7 +20310,7 @@
           <p:cNvPr id="96" name="Imagen 25">
             <a:extLst>
               <a:ext uri="{FF2B5EF4-FFF2-40B4-BE49-F238E27FC236}">
-                <a16:creationId xmlns:a16="http://schemas.microsoft.com/office/drawing/2014/main" id="{01B006C9-4A74-1EAF-505D-1C44D7FAB401}"/>
+                <a16:creationId xmlns:a16="http://schemas.microsoft.com/office/drawing/2014/main" id="{BC98C9FD-FCB1-8991-DD87-46D35430DBF6}"/>
               </a:ext>
             </a:extLst>
           </p:cNvPr>
@@ -15810,7 +20339,7 @@
           <p:cNvPr id="97" name="PlaceHolder 3">
             <a:extLst>
               <a:ext uri="{FF2B5EF4-FFF2-40B4-BE49-F238E27FC236}">
-                <a16:creationId xmlns:a16="http://schemas.microsoft.com/office/drawing/2014/main" id="{C22683E9-E190-3178-C48B-5D354A42A7CC}"/>
+                <a16:creationId xmlns:a16="http://schemas.microsoft.com/office/drawing/2014/main" id="{E8A61222-7343-F8CA-CEA5-67A557D1A8FF}"/>
               </a:ext>
             </a:extLst>
           </p:cNvPr>
@@ -15862,10 +20391,293 @@
           </a:p>
         </p:txBody>
       </p:sp>
+      <p:pic>
+        <p:nvPicPr>
+          <p:cNvPr id="1030" name="Picture 6">
+            <a:extLst>
+              <a:ext uri="{FF2B5EF4-FFF2-40B4-BE49-F238E27FC236}">
+                <a16:creationId xmlns:a16="http://schemas.microsoft.com/office/drawing/2014/main" id="{72DBE6A7-AA6F-D48A-FA3C-E739A656B466}"/>
+              </a:ext>
+            </a:extLst>
+          </p:cNvPr>
+          <p:cNvPicPr>
+            <a:picLocks noChangeAspect="1" noChangeArrowheads="1"/>
+          </p:cNvPicPr>
+          <p:nvPr/>
+        </p:nvPicPr>
+        <p:blipFill>
+          <a:blip r:embed="rId5" cstate="print">
+            <a:extLst>
+              <a:ext uri="{BEBA8EAE-BF5A-486C-A8C5-ECC9F3942E4B}">
+                <a14:imgProps xmlns:a14="http://schemas.microsoft.com/office/drawing/2010/main">
+                  <a14:imgLayer r:embed="rId6">
+                    <a14:imgEffect>
+                      <a14:saturation sat="300000"/>
+                    </a14:imgEffect>
+                    <a14:imgEffect>
+                      <a14:brightnessContrast bright="-40000" contrast="40000"/>
+                    </a14:imgEffect>
+                  </a14:imgLayer>
+                </a14:imgProps>
+              </a:ext>
+              <a:ext uri="{28A0092B-C50C-407E-A947-70E740481C1C}">
+                <a14:useLocalDpi xmlns:a14="http://schemas.microsoft.com/office/drawing/2010/main" val="0"/>
+              </a:ext>
+            </a:extLst>
+          </a:blip>
+          <a:srcRect/>
+          <a:stretch>
+            <a:fillRect/>
+          </a:stretch>
+        </p:blipFill>
+        <p:spPr bwMode="auto">
+          <a:xfrm>
+            <a:off x="9829971" y="1430440"/>
+            <a:ext cx="385700" cy="385700"/>
+          </a:xfrm>
+          <a:prstGeom prst="rect">
+            <a:avLst/>
+          </a:prstGeom>
+          <a:noFill/>
+          <a:extLst>
+            <a:ext uri="{909E8E84-426E-40DD-AFC4-6F175D3DCCD1}">
+              <a14:hiddenFill xmlns:a14="http://schemas.microsoft.com/office/drawing/2010/main">
+                <a:solidFill>
+                  <a:srgbClr val="FFFFFF"/>
+                </a:solidFill>
+              </a14:hiddenFill>
+            </a:ext>
+          </a:extLst>
+        </p:spPr>
+      </p:pic>
+      <p:pic>
+        <p:nvPicPr>
+          <p:cNvPr id="9" name="Picture 6">
+            <a:extLst>
+              <a:ext uri="{FF2B5EF4-FFF2-40B4-BE49-F238E27FC236}">
+                <a16:creationId xmlns:a16="http://schemas.microsoft.com/office/drawing/2014/main" id="{55FDFF2D-9744-B52B-6287-B3CF2177C8AC}"/>
+              </a:ext>
+            </a:extLst>
+          </p:cNvPr>
+          <p:cNvPicPr>
+            <a:picLocks noChangeAspect="1" noChangeArrowheads="1"/>
+          </p:cNvPicPr>
+          <p:nvPr/>
+        </p:nvPicPr>
+        <p:blipFill>
+          <a:blip r:embed="rId5" cstate="print">
+            <a:extLst>
+              <a:ext uri="{BEBA8EAE-BF5A-486C-A8C5-ECC9F3942E4B}">
+                <a14:imgProps xmlns:a14="http://schemas.microsoft.com/office/drawing/2010/main">
+                  <a14:imgLayer r:embed="rId6">
+                    <a14:imgEffect>
+                      <a14:saturation sat="300000"/>
+                    </a14:imgEffect>
+                    <a14:imgEffect>
+                      <a14:brightnessContrast bright="-40000" contrast="40000"/>
+                    </a14:imgEffect>
+                  </a14:imgLayer>
+                </a14:imgProps>
+              </a:ext>
+              <a:ext uri="{28A0092B-C50C-407E-A947-70E740481C1C}">
+                <a14:useLocalDpi xmlns:a14="http://schemas.microsoft.com/office/drawing/2010/main" val="0"/>
+              </a:ext>
+            </a:extLst>
+          </a:blip>
+          <a:srcRect/>
+          <a:stretch>
+            <a:fillRect/>
+          </a:stretch>
+        </p:blipFill>
+        <p:spPr bwMode="auto">
+          <a:xfrm>
+            <a:off x="9856621" y="1967686"/>
+            <a:ext cx="385700" cy="385700"/>
+          </a:xfrm>
+          <a:prstGeom prst="rect">
+            <a:avLst/>
+          </a:prstGeom>
+          <a:noFill/>
+          <a:extLst>
+            <a:ext uri="{909E8E84-426E-40DD-AFC4-6F175D3DCCD1}">
+              <a14:hiddenFill xmlns:a14="http://schemas.microsoft.com/office/drawing/2010/main">
+                <a:solidFill>
+                  <a:srgbClr val="FFFFFF"/>
+                </a:solidFill>
+              </a14:hiddenFill>
+            </a:ext>
+          </a:extLst>
+        </p:spPr>
+      </p:pic>
+      <p:pic>
+        <p:nvPicPr>
+          <p:cNvPr id="10" name="Picture 6">
+            <a:extLst>
+              <a:ext uri="{FF2B5EF4-FFF2-40B4-BE49-F238E27FC236}">
+                <a16:creationId xmlns:a16="http://schemas.microsoft.com/office/drawing/2014/main" id="{01646C45-BB5F-54A1-8371-4B41B0F13EF5}"/>
+              </a:ext>
+            </a:extLst>
+          </p:cNvPr>
+          <p:cNvPicPr>
+            <a:picLocks noChangeAspect="1" noChangeArrowheads="1"/>
+          </p:cNvPicPr>
+          <p:nvPr/>
+        </p:nvPicPr>
+        <p:blipFill>
+          <a:blip r:embed="rId5" cstate="print">
+            <a:extLst>
+              <a:ext uri="{BEBA8EAE-BF5A-486C-A8C5-ECC9F3942E4B}">
+                <a14:imgProps xmlns:a14="http://schemas.microsoft.com/office/drawing/2010/main">
+                  <a14:imgLayer r:embed="rId6">
+                    <a14:imgEffect>
+                      <a14:saturation sat="300000"/>
+                    </a14:imgEffect>
+                    <a14:imgEffect>
+                      <a14:brightnessContrast bright="-40000" contrast="40000"/>
+                    </a14:imgEffect>
+                  </a14:imgLayer>
+                </a14:imgProps>
+              </a:ext>
+              <a:ext uri="{28A0092B-C50C-407E-A947-70E740481C1C}">
+                <a14:useLocalDpi xmlns:a14="http://schemas.microsoft.com/office/drawing/2010/main" val="0"/>
+              </a:ext>
+            </a:extLst>
+          </a:blip>
+          <a:srcRect/>
+          <a:stretch>
+            <a:fillRect/>
+          </a:stretch>
+        </p:blipFill>
+        <p:spPr bwMode="auto">
+          <a:xfrm>
+            <a:off x="9856621" y="2540527"/>
+            <a:ext cx="385700" cy="385700"/>
+          </a:xfrm>
+          <a:prstGeom prst="rect">
+            <a:avLst/>
+          </a:prstGeom>
+          <a:noFill/>
+          <a:extLst>
+            <a:ext uri="{909E8E84-426E-40DD-AFC4-6F175D3DCCD1}">
+              <a14:hiddenFill xmlns:a14="http://schemas.microsoft.com/office/drawing/2010/main">
+                <a:solidFill>
+                  <a:srgbClr val="FFFFFF"/>
+                </a:solidFill>
+              </a14:hiddenFill>
+            </a:ext>
+          </a:extLst>
+        </p:spPr>
+      </p:pic>
+      <p:pic>
+        <p:nvPicPr>
+          <p:cNvPr id="3074" name="Picture 2">
+            <a:extLst>
+              <a:ext uri="{FF2B5EF4-FFF2-40B4-BE49-F238E27FC236}">
+                <a16:creationId xmlns:a16="http://schemas.microsoft.com/office/drawing/2014/main" id="{EEBED4AE-495E-8846-8C3F-89799961864F}"/>
+              </a:ext>
+            </a:extLst>
+          </p:cNvPr>
+          <p:cNvPicPr>
+            <a:picLocks noChangeAspect="1" noChangeArrowheads="1"/>
+          </p:cNvPicPr>
+          <p:nvPr/>
+        </p:nvPicPr>
+        <p:blipFill>
+          <a:blip r:embed="rId7" cstate="print">
+            <a:extLst>
+              <a:ext uri="{28A0092B-C50C-407E-A947-70E740481C1C}">
+                <a14:useLocalDpi xmlns:a14="http://schemas.microsoft.com/office/drawing/2010/main" val="0"/>
+              </a:ext>
+            </a:extLst>
+          </a:blip>
+          <a:srcRect/>
+          <a:stretch>
+            <a:fillRect/>
+          </a:stretch>
+        </p:blipFill>
+        <p:spPr bwMode="auto">
+          <a:xfrm>
+            <a:off x="2057971" y="932760"/>
+            <a:ext cx="7719171" cy="5115114"/>
+          </a:xfrm>
+          <a:prstGeom prst="rect">
+            <a:avLst/>
+          </a:prstGeom>
+          <a:noFill/>
+          <a:extLst>
+            <a:ext uri="{909E8E84-426E-40DD-AFC4-6F175D3DCCD1}">
+              <a14:hiddenFill xmlns:a14="http://schemas.microsoft.com/office/drawing/2010/main">
+                <a:solidFill>
+                  <a:srgbClr val="FFFFFF"/>
+                </a:solidFill>
+              </a14:hiddenFill>
+            </a:ext>
+          </a:extLst>
+        </p:spPr>
+      </p:pic>
+      <p:pic>
+        <p:nvPicPr>
+          <p:cNvPr id="2" name="Picture 6">
+            <a:extLst>
+              <a:ext uri="{FF2B5EF4-FFF2-40B4-BE49-F238E27FC236}">
+                <a16:creationId xmlns:a16="http://schemas.microsoft.com/office/drawing/2014/main" id="{1A03B999-36C4-1BC3-80C9-1A4F7D4A2221}"/>
+              </a:ext>
+            </a:extLst>
+          </p:cNvPr>
+          <p:cNvPicPr>
+            <a:picLocks noChangeAspect="1" noChangeArrowheads="1"/>
+          </p:cNvPicPr>
+          <p:nvPr/>
+        </p:nvPicPr>
+        <p:blipFill>
+          <a:blip r:embed="rId5" cstate="print">
+            <a:extLst>
+              <a:ext uri="{BEBA8EAE-BF5A-486C-A8C5-ECC9F3942E4B}">
+                <a14:imgProps xmlns:a14="http://schemas.microsoft.com/office/drawing/2010/main">
+                  <a14:imgLayer r:embed="rId6">
+                    <a14:imgEffect>
+                      <a14:saturation sat="300000"/>
+                    </a14:imgEffect>
+                    <a14:imgEffect>
+                      <a14:brightnessContrast bright="-40000" contrast="40000"/>
+                    </a14:imgEffect>
+                  </a14:imgLayer>
+                </a14:imgProps>
+              </a:ext>
+              <a:ext uri="{28A0092B-C50C-407E-A947-70E740481C1C}">
+                <a14:useLocalDpi xmlns:a14="http://schemas.microsoft.com/office/drawing/2010/main" val="0"/>
+              </a:ext>
+            </a:extLst>
+          </a:blip>
+          <a:srcRect/>
+          <a:stretch>
+            <a:fillRect/>
+          </a:stretch>
+        </p:blipFill>
+        <p:spPr bwMode="auto">
+          <a:xfrm>
+            <a:off x="9830139" y="4746317"/>
+            <a:ext cx="385700" cy="385700"/>
+          </a:xfrm>
+          <a:prstGeom prst="rect">
+            <a:avLst/>
+          </a:prstGeom>
+          <a:noFill/>
+          <a:extLst>
+            <a:ext uri="{909E8E84-426E-40DD-AFC4-6F175D3DCCD1}">
+              <a14:hiddenFill xmlns:a14="http://schemas.microsoft.com/office/drawing/2010/main">
+                <a:solidFill>
+                  <a:srgbClr val="FFFFFF"/>
+                </a:solidFill>
+              </a14:hiddenFill>
+            </a:ext>
+          </a:extLst>
+        </p:spPr>
+      </p:pic>
     </p:spTree>
     <p:extLst>
       <p:ext uri="{BB962C8B-B14F-4D97-AF65-F5344CB8AC3E}">
-        <p14:creationId xmlns:p14="http://schemas.microsoft.com/office/powerpoint/2010/main" val="256392808"/>
+        <p14:creationId xmlns:p14="http://schemas.microsoft.com/office/powerpoint/2010/main" val="2920958988"/>
       </p:ext>
     </p:extLst>
   </p:cSld>

--- a/Presentaciones/Sprint 01_Review.pptx
+++ b/Presentaciones/Sprint 01_Review.pptx
@@ -5,7 +5,7 @@
     <p:sldMasterId id="2147483648" r:id="rId1"/>
   </p:sldMasterIdLst>
   <p:notesMasterIdLst>
-    <p:notesMasterId r:id="rId14"/>
+    <p:notesMasterId r:id="rId15"/>
   </p:notesMasterIdLst>
   <p:sldIdLst>
     <p:sldId id="256" r:id="rId2"/>
@@ -18,8 +18,9 @@
     <p:sldId id="302" r:id="rId9"/>
     <p:sldId id="303" r:id="rId10"/>
     <p:sldId id="298" r:id="rId11"/>
-    <p:sldId id="300" r:id="rId12"/>
-    <p:sldId id="296" r:id="rId13"/>
+    <p:sldId id="304" r:id="rId12"/>
+    <p:sldId id="300" r:id="rId13"/>
+    <p:sldId id="296" r:id="rId14"/>
   </p:sldIdLst>
   <p:sldSz cx="12192000" cy="6858000"/>
   <p:notesSz cx="6858000" cy="9144000"/>
@@ -2045,6 +2046,156 @@
         <p:cNvPr id="1" name="">
           <a:extLst>
             <a:ext uri="{FF2B5EF4-FFF2-40B4-BE49-F238E27FC236}">
+              <a16:creationId xmlns:a16="http://schemas.microsoft.com/office/drawing/2014/main" id="{FD67E238-6E6F-19EF-E94F-672E049AB4DD}"/>
+            </a:ext>
+          </a:extLst>
+        </p:cNvPr>
+        <p:cNvGrpSpPr/>
+        <p:nvPr/>
+      </p:nvGrpSpPr>
+      <p:grpSpPr>
+        <a:xfrm>
+          <a:off x="0" y="0"/>
+          <a:ext cx="0" cy="0"/>
+          <a:chOff x="0" y="0"/>
+          <a:chExt cx="0" cy="0"/>
+        </a:xfrm>
+      </p:grpSpPr>
+      <p:sp>
+        <p:nvSpPr>
+          <p:cNvPr id="597" name="PlaceHolder 1">
+            <a:extLst>
+              <a:ext uri="{FF2B5EF4-FFF2-40B4-BE49-F238E27FC236}">
+                <a16:creationId xmlns:a16="http://schemas.microsoft.com/office/drawing/2014/main" id="{132B52F1-2F0E-057A-1C19-C7EEC9BA939D}"/>
+              </a:ext>
+            </a:extLst>
+          </p:cNvPr>
+          <p:cNvSpPr>
+            <a:spLocks noGrp="1"/>
+          </p:cNvSpPr>
+          <p:nvPr>
+            <p:ph type="body"/>
+          </p:nvPr>
+        </p:nvSpPr>
+        <p:spPr>
+          <a:xfrm>
+            <a:off x="676080" y="4722480"/>
+            <a:ext cx="5392080" cy="4457520"/>
+          </a:xfrm>
+          <a:prstGeom prst="rect">
+            <a:avLst/>
+          </a:prstGeom>
+          <a:noFill/>
+          <a:ln w="0">
+            <a:noFill/>
+          </a:ln>
+        </p:spPr>
+        <p:txBody>
+          <a:bodyPr lIns="92520" tIns="46440" rIns="92520" bIns="46440" anchor="t">
+            <a:noAutofit/>
+          </a:bodyPr>
+          <a:lstStyle/>
+          <a:p>
+            <a:pPr marL="216000" indent="-216000">
+              <a:buNone/>
+            </a:pPr>
+            <a:endParaRPr lang="es-ES" sz="1800" b="0" strike="noStrike" spc="-1">
+              <a:solidFill>
+                <a:srgbClr val="000000"/>
+              </a:solidFill>
+              <a:latin typeface="Arial"/>
+            </a:endParaRPr>
+          </a:p>
+        </p:txBody>
+      </p:sp>
+      <p:sp>
+        <p:nvSpPr>
+          <p:cNvPr id="598" name="CustomShape 119">
+            <a:extLst>
+              <a:ext uri="{FF2B5EF4-FFF2-40B4-BE49-F238E27FC236}">
+                <a16:creationId xmlns:a16="http://schemas.microsoft.com/office/drawing/2014/main" id="{68595217-A7AA-75E4-2F03-564582AA4109}"/>
+              </a:ext>
+            </a:extLst>
+          </p:cNvPr>
+          <p:cNvSpPr/>
+          <p:nvPr/>
+        </p:nvSpPr>
+        <p:spPr>
+          <a:xfrm>
+            <a:off x="3830400" y="9443520"/>
+            <a:ext cx="2912400" cy="480600"/>
+          </a:xfrm>
+          <a:prstGeom prst="rect">
+            <a:avLst/>
+          </a:prstGeom>
+          <a:noFill/>
+          <a:ln w="9360">
+            <a:noFill/>
+          </a:ln>
+        </p:spPr>
+        <p:style>
+          <a:lnRef idx="0">
+            <a:scrgbClr r="0" g="0" b="0"/>
+          </a:lnRef>
+          <a:fillRef idx="0">
+            <a:scrgbClr r="0" g="0" b="0"/>
+          </a:fillRef>
+          <a:effectRef idx="0">
+            <a:scrgbClr r="0" g="0" b="0"/>
+          </a:effectRef>
+          <a:fontRef idx="minor"/>
+        </p:style>
+        <p:txBody>
+          <a:bodyPr lIns="92520" tIns="46440" rIns="92520" bIns="46440" anchor="b">
+            <a:noAutofit/>
+          </a:bodyPr>
+          <a:lstStyle/>
+          <a:p>
+            <a:pPr algn="r" defTabSz="914400">
+              <a:lnSpc>
+                <a:spcPct val="100000"/>
+              </a:lnSpc>
+            </a:pPr>
+            <a:fld id="{69B26DC3-D8D0-4E48-806B-9A34D9996EE9}" type="slidenum">
+              <a:rPr lang="es-ES" sz="1200" b="0" strike="noStrike" spc="-1">
+                <a:solidFill>
+                  <a:srgbClr val="000000"/>
+                </a:solidFill>
+                <a:latin typeface="Times New Roman"/>
+                <a:ea typeface="+mn-ea"/>
+              </a:rPr>
+              <a:t>11</a:t>
+            </a:fld>
+            <a:endParaRPr lang="es-ES" sz="1200" b="0" strike="noStrike" spc="-1">
+              <a:solidFill>
+                <a:srgbClr val="000000"/>
+              </a:solidFill>
+              <a:latin typeface="Arial"/>
+            </a:endParaRPr>
+          </a:p>
+        </p:txBody>
+      </p:sp>
+    </p:spTree>
+    <p:extLst>
+      <p:ext uri="{BB962C8B-B14F-4D97-AF65-F5344CB8AC3E}">
+        <p14:creationId xmlns:p14="http://schemas.microsoft.com/office/powerpoint/2010/main" val="1037806382"/>
+      </p:ext>
+    </p:extLst>
+  </p:cSld>
+  <p:clrMapOvr>
+    <a:masterClrMapping/>
+  </p:clrMapOvr>
+</p:notes>
+</file>
+
+<file path=ppt/notesSlides/notesSlide11.xml><?xml version="1.0" encoding="utf-8"?>
+<p:notes xmlns:a="http://schemas.openxmlformats.org/drawingml/2006/main" xmlns:r="http://schemas.openxmlformats.org/officeDocument/2006/relationships" xmlns:p="http://schemas.openxmlformats.org/presentationml/2006/main">
+  <p:cSld>
+    <p:spTree>
+      <p:nvGrpSpPr>
+        <p:cNvPr id="1" name="">
+          <a:extLst>
+            <a:ext uri="{FF2B5EF4-FFF2-40B4-BE49-F238E27FC236}">
               <a16:creationId xmlns:a16="http://schemas.microsoft.com/office/drawing/2014/main" id="{B0A5561C-125C-F16B-A76E-421E7F54F9F0}"/>
             </a:ext>
           </a:extLst>
@@ -2163,7 +2314,7 @@
                 <a:latin typeface="Times New Roman"/>
                 <a:ea typeface="+mn-ea"/>
               </a:rPr>
-              <a:t>11</a:t>
+              <a:t>12</a:t>
             </a:fld>
             <a:endParaRPr lang="es-ES" sz="1200" b="0" strike="noStrike" spc="-1">
               <a:solidFill>
@@ -9074,6 +9225,1106 @@
         <p:cNvPr id="1" name="">
           <a:extLst>
             <a:ext uri="{FF2B5EF4-FFF2-40B4-BE49-F238E27FC236}">
+              <a16:creationId xmlns:a16="http://schemas.microsoft.com/office/drawing/2014/main" id="{5D833BE9-1623-A2B9-2479-8F88E2BCAC35}"/>
+            </a:ext>
+          </a:extLst>
+        </p:cNvPr>
+        <p:cNvGrpSpPr/>
+        <p:nvPr/>
+      </p:nvGrpSpPr>
+      <p:grpSpPr>
+        <a:xfrm>
+          <a:off x="0" y="0"/>
+          <a:ext cx="0" cy="0"/>
+          <a:chOff x="0" y="0"/>
+          <a:chExt cx="0" cy="0"/>
+        </a:xfrm>
+      </p:grpSpPr>
+      <p:sp>
+        <p:nvSpPr>
+          <p:cNvPr id="86" name="CustomShape 110">
+            <a:extLst>
+              <a:ext uri="{FF2B5EF4-FFF2-40B4-BE49-F238E27FC236}">
+                <a16:creationId xmlns:a16="http://schemas.microsoft.com/office/drawing/2014/main" id="{E532B5E1-7522-A2A7-5BE0-9D958B920CDC}"/>
+              </a:ext>
+            </a:extLst>
+          </p:cNvPr>
+          <p:cNvSpPr/>
+          <p:nvPr/>
+        </p:nvSpPr>
+        <p:spPr>
+          <a:xfrm>
+            <a:off x="772560" y="392040"/>
+            <a:ext cx="960120" cy="199080"/>
+          </a:xfrm>
+          <a:custGeom>
+            <a:avLst/>
+            <a:gdLst>
+              <a:gd name="textAreaLeft" fmla="*/ 0 w 960120"/>
+              <a:gd name="textAreaRight" fmla="*/ 961920 w 960120"/>
+              <a:gd name="textAreaTop" fmla="*/ 0 h 199080"/>
+              <a:gd name="textAreaBottom" fmla="*/ 200880 h 199080"/>
+            </a:gdLst>
+            <a:ahLst/>
+            <a:cxnLst/>
+            <a:rect l="textAreaLeft" t="textAreaTop" r="textAreaRight" b="textAreaBottom"/>
+            <a:pathLst>
+              <a:path w="479" h="201">
+                <a:moveTo>
+                  <a:pt x="0" y="0"/>
+                </a:moveTo>
+                <a:lnTo>
+                  <a:pt x="478" y="0"/>
+                </a:lnTo>
+                <a:lnTo>
+                  <a:pt x="422" y="200"/>
+                </a:lnTo>
+                <a:lnTo>
+                  <a:pt x="0" y="200"/>
+                </a:lnTo>
+                <a:lnTo>
+                  <a:pt x="0" y="0"/>
+                </a:lnTo>
+              </a:path>
+            </a:pathLst>
+          </a:custGeom>
+          <a:solidFill>
+            <a:srgbClr val="ED7D31"/>
+          </a:solidFill>
+          <a:ln w="12600">
+            <a:noFill/>
+          </a:ln>
+        </p:spPr>
+        <p:style>
+          <a:lnRef idx="0">
+            <a:scrgbClr r="0" g="0" b="0"/>
+          </a:lnRef>
+          <a:fillRef idx="0">
+            <a:scrgbClr r="0" g="0" b="0"/>
+          </a:fillRef>
+          <a:effectRef idx="0">
+            <a:scrgbClr r="0" g="0" b="0"/>
+          </a:effectRef>
+          <a:fontRef idx="minor"/>
+        </p:style>
+        <p:txBody>
+          <a:bodyPr lIns="90000" tIns="45000" rIns="90000" bIns="45000" anchor="t">
+            <a:noAutofit/>
+          </a:bodyPr>
+          <a:lstStyle/>
+          <a:p>
+            <a:pPr defTabSz="914400">
+              <a:lnSpc>
+                <a:spcPct val="100000"/>
+              </a:lnSpc>
+            </a:pPr>
+            <a:endParaRPr lang="es-ES" sz="1800" b="0" strike="noStrike" spc="-1">
+              <a:solidFill>
+                <a:srgbClr val="000000"/>
+              </a:solidFill>
+              <a:latin typeface="Arial"/>
+              <a:ea typeface="DejaVu Sans"/>
+            </a:endParaRPr>
+          </a:p>
+        </p:txBody>
+      </p:sp>
+      <p:sp>
+        <p:nvSpPr>
+          <p:cNvPr id="87" name="CustomShape 111">
+            <a:extLst>
+              <a:ext uri="{FF2B5EF4-FFF2-40B4-BE49-F238E27FC236}">
+                <a16:creationId xmlns:a16="http://schemas.microsoft.com/office/drawing/2014/main" id="{95AA5AD4-7960-3C47-4971-EB778270DCCD}"/>
+              </a:ext>
+            </a:extLst>
+          </p:cNvPr>
+          <p:cNvSpPr/>
+          <p:nvPr/>
+        </p:nvSpPr>
+        <p:spPr>
+          <a:xfrm>
+            <a:off x="1704960" y="392040"/>
+            <a:ext cx="558360" cy="199080"/>
+          </a:xfrm>
+          <a:custGeom>
+            <a:avLst/>
+            <a:gdLst>
+              <a:gd name="textAreaLeft" fmla="*/ 0 w 558360"/>
+              <a:gd name="textAreaRight" fmla="*/ 560160 w 558360"/>
+              <a:gd name="textAreaTop" fmla="*/ 0 h 199080"/>
+              <a:gd name="textAreaBottom" fmla="*/ 200880 h 199080"/>
+            </a:gdLst>
+            <a:ahLst/>
+            <a:cxnLst/>
+            <a:rect l="textAreaLeft" t="textAreaTop" r="textAreaRight" b="textAreaBottom"/>
+            <a:pathLst>
+              <a:path w="282" h="201">
+                <a:moveTo>
+                  <a:pt x="56" y="0"/>
+                </a:moveTo>
+                <a:lnTo>
+                  <a:pt x="0" y="200"/>
+                </a:lnTo>
+                <a:lnTo>
+                  <a:pt x="225" y="200"/>
+                </a:lnTo>
+                <a:lnTo>
+                  <a:pt x="281" y="0"/>
+                </a:lnTo>
+                <a:lnTo>
+                  <a:pt x="56" y="0"/>
+                </a:lnTo>
+              </a:path>
+            </a:pathLst>
+          </a:custGeom>
+          <a:solidFill>
+            <a:srgbClr val="ED7D31"/>
+          </a:solidFill>
+          <a:ln w="12600">
+            <a:noFill/>
+          </a:ln>
+        </p:spPr>
+        <p:style>
+          <a:lnRef idx="0">
+            <a:scrgbClr r="0" g="0" b="0"/>
+          </a:lnRef>
+          <a:fillRef idx="0">
+            <a:scrgbClr r="0" g="0" b="0"/>
+          </a:fillRef>
+          <a:effectRef idx="0">
+            <a:scrgbClr r="0" g="0" b="0"/>
+          </a:effectRef>
+          <a:fontRef idx="minor"/>
+        </p:style>
+        <p:txBody>
+          <a:bodyPr lIns="90000" tIns="45000" rIns="90000" bIns="45000" anchor="t">
+            <a:noAutofit/>
+          </a:bodyPr>
+          <a:lstStyle/>
+          <a:p>
+            <a:pPr defTabSz="914400">
+              <a:lnSpc>
+                <a:spcPct val="100000"/>
+              </a:lnSpc>
+            </a:pPr>
+            <a:endParaRPr lang="es-ES" sz="1800" b="0" strike="noStrike" spc="-1">
+              <a:solidFill>
+                <a:srgbClr val="000000"/>
+              </a:solidFill>
+              <a:latin typeface="Arial"/>
+              <a:ea typeface="DejaVu Sans"/>
+            </a:endParaRPr>
+          </a:p>
+        </p:txBody>
+      </p:sp>
+      <p:sp>
+        <p:nvSpPr>
+          <p:cNvPr id="88" name="CustomShape 112">
+            <a:extLst>
+              <a:ext uri="{FF2B5EF4-FFF2-40B4-BE49-F238E27FC236}">
+                <a16:creationId xmlns:a16="http://schemas.microsoft.com/office/drawing/2014/main" id="{4FBB7707-E447-EF4F-F2F1-9427E5E5AB49}"/>
+              </a:ext>
+            </a:extLst>
+          </p:cNvPr>
+          <p:cNvSpPr/>
+          <p:nvPr/>
+        </p:nvSpPr>
+        <p:spPr>
+          <a:xfrm>
+            <a:off x="2227320" y="392040"/>
+            <a:ext cx="444240" cy="199080"/>
+          </a:xfrm>
+          <a:custGeom>
+            <a:avLst/>
+            <a:gdLst>
+              <a:gd name="textAreaLeft" fmla="*/ 0 w 444240"/>
+              <a:gd name="textAreaRight" fmla="*/ 446040 w 444240"/>
+              <a:gd name="textAreaTop" fmla="*/ 0 h 199080"/>
+              <a:gd name="textAreaBottom" fmla="*/ 200880 h 199080"/>
+            </a:gdLst>
+            <a:ahLst/>
+            <a:cxnLst/>
+            <a:rect l="textAreaLeft" t="textAreaTop" r="textAreaRight" b="textAreaBottom"/>
+            <a:pathLst>
+              <a:path w="226" h="201">
+                <a:moveTo>
+                  <a:pt x="56" y="0"/>
+                </a:moveTo>
+                <a:lnTo>
+                  <a:pt x="0" y="200"/>
+                </a:lnTo>
+                <a:lnTo>
+                  <a:pt x="169" y="200"/>
+                </a:lnTo>
+                <a:lnTo>
+                  <a:pt x="225" y="0"/>
+                </a:lnTo>
+                <a:lnTo>
+                  <a:pt x="56" y="0"/>
+                </a:lnTo>
+              </a:path>
+            </a:pathLst>
+          </a:custGeom>
+          <a:solidFill>
+            <a:srgbClr val="ED7D31">
+              <a:alpha val="80000"/>
+            </a:srgbClr>
+          </a:solidFill>
+          <a:ln w="12600">
+            <a:noFill/>
+          </a:ln>
+        </p:spPr>
+        <p:style>
+          <a:lnRef idx="0">
+            <a:scrgbClr r="0" g="0" b="0"/>
+          </a:lnRef>
+          <a:fillRef idx="0">
+            <a:scrgbClr r="0" g="0" b="0"/>
+          </a:fillRef>
+          <a:effectRef idx="0">
+            <a:scrgbClr r="0" g="0" b="0"/>
+          </a:effectRef>
+          <a:fontRef idx="minor"/>
+        </p:style>
+        <p:txBody>
+          <a:bodyPr lIns="90000" tIns="45000" rIns="90000" bIns="45000" anchor="t">
+            <a:noAutofit/>
+          </a:bodyPr>
+          <a:lstStyle/>
+          <a:p>
+            <a:pPr defTabSz="914400">
+              <a:lnSpc>
+                <a:spcPct val="100000"/>
+              </a:lnSpc>
+            </a:pPr>
+            <a:endParaRPr lang="es-ES" sz="1800" b="0" strike="noStrike" spc="-1">
+              <a:solidFill>
+                <a:srgbClr val="000000"/>
+              </a:solidFill>
+              <a:latin typeface="Arial"/>
+              <a:ea typeface="DejaVu Sans"/>
+            </a:endParaRPr>
+          </a:p>
+        </p:txBody>
+      </p:sp>
+      <p:sp>
+        <p:nvSpPr>
+          <p:cNvPr id="89" name="CustomShape 113">
+            <a:extLst>
+              <a:ext uri="{FF2B5EF4-FFF2-40B4-BE49-F238E27FC236}">
+                <a16:creationId xmlns:a16="http://schemas.microsoft.com/office/drawing/2014/main" id="{DE75BFAB-0634-C992-84B1-D2EE5C3968CF}"/>
+              </a:ext>
+            </a:extLst>
+          </p:cNvPr>
+          <p:cNvSpPr/>
+          <p:nvPr/>
+        </p:nvSpPr>
+        <p:spPr>
+          <a:xfrm>
+            <a:off x="2629080" y="392040"/>
+            <a:ext cx="329760" cy="199080"/>
+          </a:xfrm>
+          <a:custGeom>
+            <a:avLst/>
+            <a:gdLst>
+              <a:gd name="textAreaLeft" fmla="*/ 0 w 329760"/>
+              <a:gd name="textAreaRight" fmla="*/ 331560 w 329760"/>
+              <a:gd name="textAreaTop" fmla="*/ 0 h 199080"/>
+              <a:gd name="textAreaBottom" fmla="*/ 200880 h 199080"/>
+            </a:gdLst>
+            <a:ahLst/>
+            <a:cxnLst/>
+            <a:rect l="textAreaLeft" t="textAreaTop" r="textAreaRight" b="textAreaBottom"/>
+            <a:pathLst>
+              <a:path w="170" h="201">
+                <a:moveTo>
+                  <a:pt x="56" y="0"/>
+                </a:moveTo>
+                <a:lnTo>
+                  <a:pt x="0" y="200"/>
+                </a:lnTo>
+                <a:lnTo>
+                  <a:pt x="113" y="200"/>
+                </a:lnTo>
+                <a:lnTo>
+                  <a:pt x="169" y="0"/>
+                </a:lnTo>
+                <a:lnTo>
+                  <a:pt x="56" y="0"/>
+                </a:lnTo>
+              </a:path>
+            </a:pathLst>
+          </a:custGeom>
+          <a:solidFill>
+            <a:srgbClr val="ED7D31"/>
+          </a:solidFill>
+          <a:ln w="12600">
+            <a:noFill/>
+          </a:ln>
+        </p:spPr>
+        <p:style>
+          <a:lnRef idx="0">
+            <a:scrgbClr r="0" g="0" b="0"/>
+          </a:lnRef>
+          <a:fillRef idx="0">
+            <a:scrgbClr r="0" g="0" b="0"/>
+          </a:fillRef>
+          <a:effectRef idx="0">
+            <a:scrgbClr r="0" g="0" b="0"/>
+          </a:effectRef>
+          <a:fontRef idx="minor"/>
+        </p:style>
+        <p:txBody>
+          <a:bodyPr lIns="90000" tIns="45000" rIns="90000" bIns="45000" anchor="t">
+            <a:noAutofit/>
+          </a:bodyPr>
+          <a:lstStyle/>
+          <a:p>
+            <a:pPr defTabSz="914400">
+              <a:lnSpc>
+                <a:spcPct val="100000"/>
+              </a:lnSpc>
+            </a:pPr>
+            <a:endParaRPr lang="es-ES" sz="1800" b="0" strike="noStrike" spc="-1">
+              <a:solidFill>
+                <a:srgbClr val="000000"/>
+              </a:solidFill>
+              <a:latin typeface="Arial"/>
+              <a:ea typeface="DejaVu Sans"/>
+            </a:endParaRPr>
+          </a:p>
+        </p:txBody>
+      </p:sp>
+      <p:sp>
+        <p:nvSpPr>
+          <p:cNvPr id="90" name="CustomShape 114">
+            <a:extLst>
+              <a:ext uri="{FF2B5EF4-FFF2-40B4-BE49-F238E27FC236}">
+                <a16:creationId xmlns:a16="http://schemas.microsoft.com/office/drawing/2014/main" id="{89F4AEB2-FF4F-424B-EEFE-B02B86A184CE}"/>
+              </a:ext>
+            </a:extLst>
+          </p:cNvPr>
+          <p:cNvSpPr/>
+          <p:nvPr/>
+        </p:nvSpPr>
+        <p:spPr>
+          <a:xfrm>
+            <a:off x="2991240" y="392040"/>
+            <a:ext cx="213480" cy="199080"/>
+          </a:xfrm>
+          <a:custGeom>
+            <a:avLst/>
+            <a:gdLst>
+              <a:gd name="textAreaLeft" fmla="*/ 0 w 213480"/>
+              <a:gd name="textAreaRight" fmla="*/ 215280 w 213480"/>
+              <a:gd name="textAreaTop" fmla="*/ 0 h 199080"/>
+              <a:gd name="textAreaBottom" fmla="*/ 200880 h 199080"/>
+            </a:gdLst>
+            <a:ahLst/>
+            <a:cxnLst/>
+            <a:rect l="textAreaLeft" t="textAreaTop" r="textAreaRight" b="textAreaBottom"/>
+            <a:pathLst>
+              <a:path w="113" h="201">
+                <a:moveTo>
+                  <a:pt x="56" y="0"/>
+                </a:moveTo>
+                <a:lnTo>
+                  <a:pt x="0" y="200"/>
+                </a:lnTo>
+                <a:lnTo>
+                  <a:pt x="56" y="200"/>
+                </a:lnTo>
+                <a:lnTo>
+                  <a:pt x="112" y="0"/>
+                </a:lnTo>
+                <a:lnTo>
+                  <a:pt x="56" y="0"/>
+                </a:lnTo>
+              </a:path>
+            </a:pathLst>
+          </a:custGeom>
+          <a:solidFill>
+            <a:srgbClr val="ED7D31"/>
+          </a:solidFill>
+          <a:ln w="12600">
+            <a:noFill/>
+          </a:ln>
+        </p:spPr>
+        <p:style>
+          <a:lnRef idx="0">
+            <a:scrgbClr r="0" g="0" b="0"/>
+          </a:lnRef>
+          <a:fillRef idx="0">
+            <a:scrgbClr r="0" g="0" b="0"/>
+          </a:fillRef>
+          <a:effectRef idx="0">
+            <a:scrgbClr r="0" g="0" b="0"/>
+          </a:effectRef>
+          <a:fontRef idx="minor"/>
+        </p:style>
+        <p:txBody>
+          <a:bodyPr lIns="90000" tIns="45000" rIns="90000" bIns="45000" anchor="t">
+            <a:noAutofit/>
+          </a:bodyPr>
+          <a:lstStyle/>
+          <a:p>
+            <a:pPr defTabSz="914400">
+              <a:lnSpc>
+                <a:spcPct val="100000"/>
+              </a:lnSpc>
+            </a:pPr>
+            <a:endParaRPr lang="es-ES" sz="1800" b="0" strike="noStrike" spc="-1">
+              <a:solidFill>
+                <a:srgbClr val="000000"/>
+              </a:solidFill>
+              <a:latin typeface="Arial"/>
+              <a:ea typeface="DejaVu Sans"/>
+            </a:endParaRPr>
+          </a:p>
+        </p:txBody>
+      </p:sp>
+      <p:sp>
+        <p:nvSpPr>
+          <p:cNvPr id="91" name="CustomShape 115">
+            <a:extLst>
+              <a:ext uri="{FF2B5EF4-FFF2-40B4-BE49-F238E27FC236}">
+                <a16:creationId xmlns:a16="http://schemas.microsoft.com/office/drawing/2014/main" id="{71308AC0-633F-9ED5-D426-1FC4DD74B429}"/>
+              </a:ext>
+            </a:extLst>
+          </p:cNvPr>
+          <p:cNvSpPr/>
+          <p:nvPr/>
+        </p:nvSpPr>
+        <p:spPr>
+          <a:xfrm>
+            <a:off x="2912040" y="392040"/>
+            <a:ext cx="136080" cy="199080"/>
+          </a:xfrm>
+          <a:custGeom>
+            <a:avLst/>
+            <a:gdLst>
+              <a:gd name="textAreaLeft" fmla="*/ 0 w 136080"/>
+              <a:gd name="textAreaRight" fmla="*/ 137880 w 136080"/>
+              <a:gd name="textAreaTop" fmla="*/ 0 h 199080"/>
+              <a:gd name="textAreaBottom" fmla="*/ 200880 h 199080"/>
+            </a:gdLst>
+            <a:ahLst/>
+            <a:cxnLst/>
+            <a:rect l="textAreaLeft" t="textAreaTop" r="textAreaRight" b="textAreaBottom"/>
+            <a:pathLst>
+              <a:path w="75" h="201">
+                <a:moveTo>
+                  <a:pt x="56" y="0"/>
+                </a:moveTo>
+                <a:lnTo>
+                  <a:pt x="0" y="200"/>
+                </a:lnTo>
+                <a:lnTo>
+                  <a:pt x="18" y="200"/>
+                </a:lnTo>
+                <a:lnTo>
+                  <a:pt x="74" y="0"/>
+                </a:lnTo>
+                <a:lnTo>
+                  <a:pt x="56" y="0"/>
+                </a:lnTo>
+              </a:path>
+            </a:pathLst>
+          </a:custGeom>
+          <a:solidFill>
+            <a:srgbClr val="ED7D31"/>
+          </a:solidFill>
+          <a:ln w="12600">
+            <a:noFill/>
+          </a:ln>
+        </p:spPr>
+        <p:style>
+          <a:lnRef idx="0">
+            <a:scrgbClr r="0" g="0" b="0"/>
+          </a:lnRef>
+          <a:fillRef idx="0">
+            <a:scrgbClr r="0" g="0" b="0"/>
+          </a:fillRef>
+          <a:effectRef idx="0">
+            <a:scrgbClr r="0" g="0" b="0"/>
+          </a:effectRef>
+          <a:fontRef idx="minor"/>
+        </p:style>
+        <p:txBody>
+          <a:bodyPr lIns="90000" tIns="45000" rIns="90000" bIns="45000" anchor="t">
+            <a:noAutofit/>
+          </a:bodyPr>
+          <a:lstStyle/>
+          <a:p>
+            <a:pPr defTabSz="914400">
+              <a:lnSpc>
+                <a:spcPct val="100000"/>
+              </a:lnSpc>
+            </a:pPr>
+            <a:endParaRPr lang="es-ES" sz="1800" b="0" strike="noStrike" spc="-1">
+              <a:solidFill>
+                <a:srgbClr val="000000"/>
+              </a:solidFill>
+              <a:latin typeface="Arial"/>
+              <a:ea typeface="DejaVu Sans"/>
+            </a:endParaRPr>
+          </a:p>
+        </p:txBody>
+      </p:sp>
+      <p:sp>
+        <p:nvSpPr>
+          <p:cNvPr id="92" name="CustomShape 116">
+            <a:extLst>
+              <a:ext uri="{FF2B5EF4-FFF2-40B4-BE49-F238E27FC236}">
+                <a16:creationId xmlns:a16="http://schemas.microsoft.com/office/drawing/2014/main" id="{E872F63D-2D1F-DE5D-0987-2440BA5C1D3E}"/>
+              </a:ext>
+            </a:extLst>
+          </p:cNvPr>
+          <p:cNvSpPr/>
+          <p:nvPr/>
+        </p:nvSpPr>
+        <p:spPr>
+          <a:xfrm>
+            <a:off x="3492360" y="6585120"/>
+            <a:ext cx="7161840" cy="60840"/>
+          </a:xfrm>
+          <a:custGeom>
+            <a:avLst/>
+            <a:gdLst>
+              <a:gd name="textAreaLeft" fmla="*/ 0 w 7161840"/>
+              <a:gd name="textAreaRight" fmla="*/ 7163640 w 7161840"/>
+              <a:gd name="textAreaTop" fmla="*/ 0 h 60840"/>
+              <a:gd name="textAreaBottom" fmla="*/ 62640 h 60840"/>
+            </a:gdLst>
+            <a:ahLst/>
+            <a:cxnLst/>
+            <a:rect l="textAreaLeft" t="textAreaTop" r="textAreaRight" b="textAreaBottom"/>
+            <a:pathLst>
+              <a:path w="5288" h="49">
+                <a:moveTo>
+                  <a:pt x="0" y="48"/>
+                </a:moveTo>
+                <a:lnTo>
+                  <a:pt x="5287" y="48"/>
+                </a:lnTo>
+                <a:lnTo>
+                  <a:pt x="5287" y="0"/>
+                </a:lnTo>
+                <a:lnTo>
+                  <a:pt x="14" y="0"/>
+                </a:lnTo>
+                <a:lnTo>
+                  <a:pt x="0" y="48"/>
+                </a:lnTo>
+              </a:path>
+            </a:pathLst>
+          </a:custGeom>
+          <a:solidFill>
+            <a:srgbClr val="ED7D31"/>
+          </a:solidFill>
+          <a:ln w="12600">
+            <a:noFill/>
+          </a:ln>
+        </p:spPr>
+        <p:style>
+          <a:lnRef idx="0">
+            <a:scrgbClr r="0" g="0" b="0"/>
+          </a:lnRef>
+          <a:fillRef idx="0">
+            <a:scrgbClr r="0" g="0" b="0"/>
+          </a:fillRef>
+          <a:effectRef idx="0">
+            <a:scrgbClr r="0" g="0" b="0"/>
+          </a:effectRef>
+          <a:fontRef idx="minor"/>
+        </p:style>
+        <p:txBody>
+          <a:bodyPr lIns="90000" tIns="17640" rIns="90000" bIns="17640" anchor="t">
+            <a:noAutofit/>
+          </a:bodyPr>
+          <a:lstStyle/>
+          <a:p>
+            <a:pPr defTabSz="914400">
+              <a:lnSpc>
+                <a:spcPct val="100000"/>
+              </a:lnSpc>
+            </a:pPr>
+            <a:endParaRPr lang="es-ES" sz="1800" b="0" strike="noStrike" spc="-1">
+              <a:solidFill>
+                <a:srgbClr val="000000"/>
+              </a:solidFill>
+              <a:latin typeface="Arial"/>
+              <a:ea typeface="DejaVu Sans"/>
+            </a:endParaRPr>
+          </a:p>
+        </p:txBody>
+      </p:sp>
+      <p:sp>
+        <p:nvSpPr>
+          <p:cNvPr id="93" name="CustomShape 117">
+            <a:extLst>
+              <a:ext uri="{FF2B5EF4-FFF2-40B4-BE49-F238E27FC236}">
+                <a16:creationId xmlns:a16="http://schemas.microsoft.com/office/drawing/2014/main" id="{15A9C605-50E5-EDA1-10A3-DAB21943EF44}"/>
+              </a:ext>
+            </a:extLst>
+          </p:cNvPr>
+          <p:cNvSpPr/>
+          <p:nvPr/>
+        </p:nvSpPr>
+        <p:spPr>
+          <a:xfrm>
+            <a:off x="3917520" y="260640"/>
+            <a:ext cx="6463080" cy="549720"/>
+          </a:xfrm>
+          <a:prstGeom prst="rect">
+            <a:avLst/>
+          </a:prstGeom>
+          <a:noFill/>
+          <a:ln w="12600">
+            <a:noFill/>
+          </a:ln>
+        </p:spPr>
+        <p:style>
+          <a:lnRef idx="0">
+            <a:scrgbClr r="0" g="0" b="0"/>
+          </a:lnRef>
+          <a:fillRef idx="0">
+            <a:scrgbClr r="0" g="0" b="0"/>
+          </a:fillRef>
+          <a:effectRef idx="0">
+            <a:scrgbClr r="0" g="0" b="0"/>
+          </a:effectRef>
+          <a:fontRef idx="minor"/>
+        </p:style>
+        <p:txBody>
+          <a:bodyPr lIns="90000" tIns="45000" rIns="90000" bIns="45000" anchor="t">
+            <a:noAutofit/>
+          </a:bodyPr>
+          <a:lstStyle/>
+          <a:p>
+            <a:pPr defTabSz="914400">
+              <a:lnSpc>
+                <a:spcPct val="100000"/>
+              </a:lnSpc>
+            </a:pPr>
+            <a:endParaRPr lang="es-ES" sz="1800" b="0" strike="noStrike" spc="-1">
+              <a:solidFill>
+                <a:srgbClr val="000000"/>
+              </a:solidFill>
+              <a:latin typeface="Arial"/>
+              <a:ea typeface="DejaVu Sans"/>
+            </a:endParaRPr>
+          </a:p>
+        </p:txBody>
+      </p:sp>
+      <p:sp>
+        <p:nvSpPr>
+          <p:cNvPr id="94" name="CustomShape 118">
+            <a:extLst>
+              <a:ext uri="{FF2B5EF4-FFF2-40B4-BE49-F238E27FC236}">
+                <a16:creationId xmlns:a16="http://schemas.microsoft.com/office/drawing/2014/main" id="{97045B20-321C-48E1-5438-1D17D42519AB}"/>
+              </a:ext>
+            </a:extLst>
+          </p:cNvPr>
+          <p:cNvSpPr/>
+          <p:nvPr/>
+        </p:nvSpPr>
+        <p:spPr>
+          <a:xfrm>
+            <a:off x="3917520" y="260640"/>
+            <a:ext cx="5238360" cy="410760"/>
+          </a:xfrm>
+          <a:prstGeom prst="rect">
+            <a:avLst/>
+          </a:prstGeom>
+          <a:noFill/>
+          <a:ln w="0">
+            <a:noFill/>
+          </a:ln>
+        </p:spPr>
+        <p:style>
+          <a:lnRef idx="0">
+            <a:scrgbClr r="0" g="0" b="0"/>
+          </a:lnRef>
+          <a:fillRef idx="0">
+            <a:scrgbClr r="0" g="0" b="0"/>
+          </a:fillRef>
+          <a:effectRef idx="0">
+            <a:scrgbClr r="0" g="0" b="0"/>
+          </a:effectRef>
+          <a:fontRef idx="minor"/>
+        </p:style>
+        <p:txBody>
+          <a:bodyPr lIns="90000" tIns="45000" rIns="90000" bIns="45000" anchor="t">
+            <a:noAutofit/>
+          </a:bodyPr>
+          <a:lstStyle/>
+          <a:p>
+            <a:pPr defTabSz="914400">
+              <a:lnSpc>
+                <a:spcPct val="100000"/>
+              </a:lnSpc>
+            </a:pPr>
+            <a:r>
+              <a:rPr lang="es-ES" sz="2600" b="1" strike="noStrike" spc="-1" dirty="0">
+                <a:solidFill>
+                  <a:srgbClr val="000000"/>
+                </a:solidFill>
+                <a:latin typeface="Arial"/>
+                <a:ea typeface="DejaVu Sans"/>
+              </a:rPr>
+              <a:t>PROPUESTA SPRINT 02</a:t>
+            </a:r>
+            <a:endParaRPr lang="es-ES" sz="2600" b="0" strike="noStrike" spc="-1" dirty="0">
+              <a:solidFill>
+                <a:srgbClr val="000000"/>
+              </a:solidFill>
+              <a:latin typeface="Arial"/>
+            </a:endParaRPr>
+          </a:p>
+        </p:txBody>
+      </p:sp>
+      <p:pic>
+        <p:nvPicPr>
+          <p:cNvPr id="95" name="Imagen 24">
+            <a:extLst>
+              <a:ext uri="{FF2B5EF4-FFF2-40B4-BE49-F238E27FC236}">
+                <a16:creationId xmlns:a16="http://schemas.microsoft.com/office/drawing/2014/main" id="{5BEB12EB-EBB3-B2C5-FD70-A9F0B7E252E8}"/>
+              </a:ext>
+            </a:extLst>
+          </p:cNvPr>
+          <p:cNvPicPr/>
+          <p:nvPr/>
+        </p:nvPicPr>
+        <p:blipFill>
+          <a:blip r:embed="rId3"/>
+          <a:stretch/>
+        </p:blipFill>
+        <p:spPr>
+          <a:xfrm>
+            <a:off x="87480" y="51480"/>
+            <a:ext cx="713880" cy="828720"/>
+          </a:xfrm>
+          <a:prstGeom prst="rect">
+            <a:avLst/>
+          </a:prstGeom>
+          <a:ln w="0">
+            <a:noFill/>
+          </a:ln>
+        </p:spPr>
+      </p:pic>
+      <p:pic>
+        <p:nvPicPr>
+          <p:cNvPr id="96" name="Imagen 25">
+            <a:extLst>
+              <a:ext uri="{FF2B5EF4-FFF2-40B4-BE49-F238E27FC236}">
+                <a16:creationId xmlns:a16="http://schemas.microsoft.com/office/drawing/2014/main" id="{5E01D214-52BB-F1BB-013C-F53BE8259543}"/>
+              </a:ext>
+            </a:extLst>
+          </p:cNvPr>
+          <p:cNvPicPr/>
+          <p:nvPr/>
+        </p:nvPicPr>
+        <p:blipFill>
+          <a:blip r:embed="rId4"/>
+          <a:stretch/>
+        </p:blipFill>
+        <p:spPr>
+          <a:xfrm>
+            <a:off x="11378520" y="16200"/>
+            <a:ext cx="713880" cy="1038600"/>
+          </a:xfrm>
+          <a:prstGeom prst="rect">
+            <a:avLst/>
+          </a:prstGeom>
+          <a:ln w="0">
+            <a:noFill/>
+          </a:ln>
+        </p:spPr>
+      </p:pic>
+      <p:sp>
+        <p:nvSpPr>
+          <p:cNvPr id="4" name="CuadroTexto 3">
+            <a:extLst>
+              <a:ext uri="{FF2B5EF4-FFF2-40B4-BE49-F238E27FC236}">
+                <a16:creationId xmlns:a16="http://schemas.microsoft.com/office/drawing/2014/main" id="{A09A0F42-A06F-5A47-0912-757E0E75A637}"/>
+              </a:ext>
+            </a:extLst>
+          </p:cNvPr>
+          <p:cNvSpPr txBox="1"/>
+          <p:nvPr/>
+        </p:nvSpPr>
+        <p:spPr>
+          <a:xfrm>
+            <a:off x="624480" y="1310400"/>
+            <a:ext cx="10809960" cy="4305730"/>
+          </a:xfrm>
+          <a:prstGeom prst="rect">
+            <a:avLst/>
+          </a:prstGeom>
+          <a:noFill/>
+        </p:spPr>
+        <p:txBody>
+          <a:bodyPr wrap="square">
+            <a:spAutoFit/>
+          </a:bodyPr>
+          <a:lstStyle/>
+          <a:p>
+            <a:pPr indent="288290" algn="just">
+              <a:lnSpc>
+                <a:spcPct val="150000"/>
+              </a:lnSpc>
+              <a:spcBef>
+                <a:spcPts val="900"/>
+              </a:spcBef>
+              <a:spcAft>
+                <a:spcPts val="900"/>
+              </a:spcAft>
+            </a:pPr>
+            <a:r>
+              <a:rPr lang="es-ES" sz="2000" b="1" dirty="0">
+                <a:effectLst/>
+                <a:latin typeface="Arial" panose="020B0604020202020204" pitchFamily="34" charset="0"/>
+                <a:ea typeface="Times New Roman" panose="02020603050405020304" pitchFamily="18" charset="0"/>
+                <a:cs typeface="Times New Roman" panose="02020603050405020304" pitchFamily="18" charset="0"/>
+              </a:rPr>
+              <a:t>SPRINT GOAL: </a:t>
+            </a:r>
+            <a:r>
+              <a:rPr lang="es-ES" sz="2000" dirty="0">
+                <a:effectLst/>
+                <a:latin typeface="Arial" panose="020B0604020202020204" pitchFamily="34" charset="0"/>
+                <a:ea typeface="Times New Roman" panose="02020603050405020304" pitchFamily="18" charset="0"/>
+                <a:cs typeface="Times New Roman" panose="02020603050405020304" pitchFamily="18" charset="0"/>
+              </a:rPr>
+              <a:t>Gestionar el ciclo completo </a:t>
+            </a:r>
+            <a:r>
+              <a:rPr lang="es-ES" sz="2000" dirty="0">
+                <a:latin typeface="Arial" panose="020B0604020202020204" pitchFamily="34" charset="0"/>
+                <a:ea typeface="Times New Roman" panose="02020603050405020304" pitchFamily="18" charset="0"/>
+                <a:cs typeface="Times New Roman" panose="02020603050405020304" pitchFamily="18" charset="0"/>
+              </a:rPr>
+              <a:t>alta y edición de </a:t>
+            </a:r>
+            <a:r>
+              <a:rPr lang="es-ES" sz="2000" b="1" dirty="0">
+                <a:solidFill>
+                  <a:srgbClr val="0070C0"/>
+                </a:solidFill>
+                <a:latin typeface="Arial" panose="020B0604020202020204" pitchFamily="34" charset="0"/>
+                <a:ea typeface="Times New Roman" panose="02020603050405020304" pitchFamily="18" charset="0"/>
+                <a:cs typeface="Times New Roman" panose="02020603050405020304" pitchFamily="18" charset="0"/>
+              </a:rPr>
+              <a:t>suscripciones</a:t>
+            </a:r>
+            <a:r>
+              <a:rPr lang="es-ES" sz="2000" dirty="0">
+                <a:latin typeface="Arial" panose="020B0604020202020204" pitchFamily="34" charset="0"/>
+                <a:ea typeface="Times New Roman" panose="02020603050405020304" pitchFamily="18" charset="0"/>
+                <a:cs typeface="Times New Roman" panose="02020603050405020304" pitchFamily="18" charset="0"/>
+              </a:rPr>
+              <a:t> y </a:t>
+            </a:r>
+            <a:r>
+              <a:rPr lang="es-ES" sz="2000" b="1" dirty="0">
+                <a:solidFill>
+                  <a:srgbClr val="0070C0"/>
+                </a:solidFill>
+                <a:latin typeface="Arial" panose="020B0604020202020204" pitchFamily="34" charset="0"/>
+                <a:ea typeface="Times New Roman" panose="02020603050405020304" pitchFamily="18" charset="0"/>
+                <a:cs typeface="Times New Roman" panose="02020603050405020304" pitchFamily="18" charset="0"/>
+              </a:rPr>
+              <a:t>suscriptores</a:t>
+            </a:r>
+            <a:r>
+              <a:rPr lang="es-ES" sz="2000" dirty="0">
+                <a:effectLst/>
+                <a:latin typeface="Arial" panose="020B0604020202020204" pitchFamily="34" charset="0"/>
+                <a:ea typeface="Times New Roman" panose="02020603050405020304" pitchFamily="18" charset="0"/>
+                <a:cs typeface="Times New Roman" panose="02020603050405020304" pitchFamily="18" charset="0"/>
+              </a:rPr>
+              <a:t>.</a:t>
+            </a:r>
+          </a:p>
+          <a:p>
+            <a:pPr marL="800100" lvl="1" indent="-342900" algn="just">
+              <a:lnSpc>
+                <a:spcPct val="150000"/>
+              </a:lnSpc>
+              <a:spcBef>
+                <a:spcPts val="900"/>
+              </a:spcBef>
+              <a:buFont typeface="Symbol" panose="05050102010706020507" pitchFamily="18" charset="2"/>
+              <a:buChar char=""/>
+            </a:pPr>
+            <a:r>
+              <a:rPr lang="es-ES" sz="2000" dirty="0">
+                <a:effectLst/>
+                <a:latin typeface="Arial" panose="020B0604020202020204" pitchFamily="34" charset="0"/>
+                <a:ea typeface="Times New Roman" panose="02020603050405020304" pitchFamily="18" charset="0"/>
+                <a:cs typeface="Times New Roman" panose="02020603050405020304" pitchFamily="18" charset="0"/>
+              </a:rPr>
+              <a:t>Gestionar suscripciones (alta, edición y baja).</a:t>
+            </a:r>
+          </a:p>
+          <a:p>
+            <a:pPr marL="800100" lvl="1" indent="-342900" algn="just">
+              <a:lnSpc>
+                <a:spcPct val="150000"/>
+              </a:lnSpc>
+              <a:buFont typeface="Symbol" panose="05050102010706020507" pitchFamily="18" charset="2"/>
+              <a:buChar char=""/>
+            </a:pPr>
+            <a:r>
+              <a:rPr lang="es-ES" sz="2000" dirty="0">
+                <a:effectLst/>
+                <a:latin typeface="Arial" panose="020B0604020202020204" pitchFamily="34" charset="0"/>
+                <a:ea typeface="Times New Roman" panose="02020603050405020304" pitchFamily="18" charset="0"/>
+                <a:cs typeface="Times New Roman" panose="02020603050405020304" pitchFamily="18" charset="0"/>
+              </a:rPr>
+              <a:t>Registrar y gestionar suscriptores, junto con sus datos asociados.</a:t>
+            </a:r>
+          </a:p>
+          <a:p>
+            <a:pPr marL="800100" lvl="1" indent="-342900" algn="just">
+              <a:lnSpc>
+                <a:spcPct val="150000"/>
+              </a:lnSpc>
+              <a:spcAft>
+                <a:spcPts val="900"/>
+              </a:spcAft>
+              <a:buFont typeface="Symbol" panose="05050102010706020507" pitchFamily="18" charset="2"/>
+              <a:buChar char=""/>
+            </a:pPr>
+            <a:r>
+              <a:rPr lang="es-ES" sz="2000" dirty="0">
+                <a:effectLst/>
+                <a:latin typeface="Arial" panose="020B0604020202020204" pitchFamily="34" charset="0"/>
+                <a:ea typeface="Times New Roman" panose="02020603050405020304" pitchFamily="18" charset="0"/>
+                <a:cs typeface="Times New Roman" panose="02020603050405020304" pitchFamily="18" charset="0"/>
+              </a:rPr>
+              <a:t>Etiquetas de envío de ejemplares físicos a los suscriptores</a:t>
+            </a:r>
+          </a:p>
+          <a:p>
+            <a:pPr marL="800100" lvl="1" indent="-342900" algn="just">
+              <a:lnSpc>
+                <a:spcPct val="150000"/>
+              </a:lnSpc>
+              <a:spcAft>
+                <a:spcPts val="900"/>
+              </a:spcAft>
+              <a:buFont typeface="Symbol" panose="05050102010706020507" pitchFamily="18" charset="2"/>
+              <a:buChar char=""/>
+            </a:pPr>
+            <a:r>
+              <a:rPr lang="es-ES" sz="2000" dirty="0">
+                <a:latin typeface="Arial" panose="020B0604020202020204" pitchFamily="34" charset="0"/>
+                <a:ea typeface="Times New Roman" panose="02020603050405020304" pitchFamily="18" charset="0"/>
+                <a:cs typeface="Times New Roman" panose="02020603050405020304" pitchFamily="18" charset="0"/>
+              </a:rPr>
+              <a:t>Emisión de certificados de pago a autores</a:t>
+            </a:r>
+            <a:r>
+              <a:rPr lang="es-ES" sz="2000" dirty="0">
+                <a:effectLst/>
+                <a:latin typeface="Arial" panose="020B0604020202020204" pitchFamily="34" charset="0"/>
+                <a:ea typeface="Times New Roman" panose="02020603050405020304" pitchFamily="18" charset="0"/>
+                <a:cs typeface="Times New Roman" panose="02020603050405020304" pitchFamily="18" charset="0"/>
+              </a:rPr>
+              <a:t>.</a:t>
+            </a:r>
+          </a:p>
+          <a:p>
+            <a:pPr indent="288290" algn="just">
+              <a:lnSpc>
+                <a:spcPct val="150000"/>
+              </a:lnSpc>
+              <a:spcBef>
+                <a:spcPts val="900"/>
+              </a:spcBef>
+              <a:spcAft>
+                <a:spcPts val="900"/>
+              </a:spcAft>
+              <a:buNone/>
+            </a:pPr>
+            <a:r>
+              <a:rPr lang="es-ES" sz="2000" dirty="0">
+                <a:effectLst/>
+                <a:latin typeface="Arial" panose="020B0604020202020204" pitchFamily="34" charset="0"/>
+                <a:ea typeface="Times New Roman" panose="02020603050405020304" pitchFamily="18" charset="0"/>
+                <a:cs typeface="Times New Roman" panose="02020603050405020304" pitchFamily="18" charset="0"/>
+              </a:rPr>
+              <a:t>Este objetivo para el Sprint 02, contribuye al alcanzar el objetivo del </a:t>
+            </a:r>
+            <a:r>
+              <a:rPr lang="es-ES" sz="2000" dirty="0" err="1">
+                <a:effectLst/>
+                <a:latin typeface="Arial" panose="020B0604020202020204" pitchFamily="34" charset="0"/>
+                <a:ea typeface="Times New Roman" panose="02020603050405020304" pitchFamily="18" charset="0"/>
+                <a:cs typeface="Times New Roman" panose="02020603050405020304" pitchFamily="18" charset="0"/>
+              </a:rPr>
+              <a:t>Impact</a:t>
+            </a:r>
+            <a:r>
+              <a:rPr lang="es-ES" sz="2000" dirty="0">
+                <a:effectLst/>
+                <a:latin typeface="Arial" panose="020B0604020202020204" pitchFamily="34" charset="0"/>
+                <a:ea typeface="Times New Roman" panose="02020603050405020304" pitchFamily="18" charset="0"/>
+                <a:cs typeface="Times New Roman" panose="02020603050405020304" pitchFamily="18" charset="0"/>
+              </a:rPr>
+              <a:t> </a:t>
+            </a:r>
+            <a:r>
+              <a:rPr lang="es-ES" sz="2000" dirty="0" err="1">
+                <a:effectLst/>
+                <a:latin typeface="Arial" panose="020B0604020202020204" pitchFamily="34" charset="0"/>
+                <a:ea typeface="Times New Roman" panose="02020603050405020304" pitchFamily="18" charset="0"/>
+                <a:cs typeface="Times New Roman" panose="02020603050405020304" pitchFamily="18" charset="0"/>
+              </a:rPr>
+              <a:t>Map</a:t>
+            </a:r>
+            <a:r>
+              <a:rPr lang="es-ES" sz="2000" dirty="0">
+                <a:effectLst/>
+                <a:latin typeface="Arial" panose="020B0604020202020204" pitchFamily="34" charset="0"/>
+                <a:ea typeface="Times New Roman" panose="02020603050405020304" pitchFamily="18" charset="0"/>
+                <a:cs typeface="Times New Roman" panose="02020603050405020304" pitchFamily="18" charset="0"/>
+              </a:rPr>
+              <a:t>, manteniendo la continuidad de negocio.</a:t>
+            </a:r>
+          </a:p>
+        </p:txBody>
+      </p:sp>
+    </p:spTree>
+    <p:extLst>
+      <p:ext uri="{BB962C8B-B14F-4D97-AF65-F5344CB8AC3E}">
+        <p14:creationId xmlns:p14="http://schemas.microsoft.com/office/powerpoint/2010/main" val="4103938155"/>
+      </p:ext>
+    </p:extLst>
+  </p:cSld>
+  <p:clrMapOvr>
+    <a:masterClrMapping/>
+  </p:clrMapOvr>
+</p:sld>
+</file>
+
+<file path=ppt/slides/slide12.xml><?xml version="1.0" encoding="utf-8"?>
+<p:sld xmlns:a="http://schemas.openxmlformats.org/drawingml/2006/main" xmlns:r="http://schemas.openxmlformats.org/officeDocument/2006/relationships" xmlns:p="http://schemas.openxmlformats.org/presentationml/2006/main">
+  <p:cSld>
+    <p:bg>
+      <p:bgPr>
+        <a:solidFill>
+          <a:schemeClr val="lt1"/>
+        </a:solidFill>
+        <a:effectLst/>
+      </p:bgPr>
+    </p:bg>
+    <p:spTree>
+      <p:nvGrpSpPr>
+        <p:cNvPr id="1" name="">
+          <a:extLst>
+            <a:ext uri="{FF2B5EF4-FFF2-40B4-BE49-F238E27FC236}">
               <a16:creationId xmlns:a16="http://schemas.microsoft.com/office/drawing/2014/main" id="{46AF10DE-182F-FCAC-BC5F-51CE6EABB9A3}"/>
             </a:ext>
           </a:extLst>
@@ -9960,7 +11211,7 @@
 </p:sld>
 </file>
 
-<file path=ppt/slides/slide12.xml><?xml version="1.0" encoding="utf-8"?>
+<file path=ppt/slides/slide13.xml><?xml version="1.0" encoding="utf-8"?>
 <p:sld xmlns:a="http://schemas.openxmlformats.org/drawingml/2006/main" xmlns:r="http://schemas.openxmlformats.org/officeDocument/2006/relationships" xmlns:p="http://schemas.openxmlformats.org/presentationml/2006/main">
   <p:cSld>
     <p:bg>
@@ -11521,6 +12772,18 @@
             </a:endParaRPr>
           </a:p>
           <a:p>
+            <a:r>
+              <a:rPr lang="es-ES" sz="2400" spc="-1" dirty="0">
+                <a:solidFill>
+                  <a:srgbClr val="000000"/>
+                </a:solidFill>
+                <a:latin typeface="Arial"/>
+                <a:ea typeface="DejaVu Sans"/>
+              </a:rPr>
+              <a:t>	- Propuesta Sprint 02</a:t>
+            </a:r>
+          </a:p>
+          <a:p>
             <a:pPr defTabSz="914400">
               <a:lnSpc>
                 <a:spcPct val="100000"/>
@@ -12432,7 +13695,28 @@
                 <a:ea typeface="Times New Roman" panose="02020603050405020304" pitchFamily="18" charset="0"/>
                 <a:cs typeface="Times New Roman" panose="02020603050405020304" pitchFamily="18" charset="0"/>
               </a:rPr>
-              <a:t>Gestionar el ciclo completo de creación, evaluación y agrupación de artículos hasta su asignación a un número de revista.</a:t>
+              <a:t>Gestionar el ciclo completo de creación, evaluación y agrupación de </a:t>
+            </a:r>
+            <a:r>
+              <a:rPr lang="es-ES" sz="2000" b="1" dirty="0">
+                <a:solidFill>
+                  <a:srgbClr val="0070C0"/>
+                </a:solidFill>
+                <a:effectLst/>
+                <a:latin typeface="Arial" panose="020B0604020202020204" pitchFamily="34" charset="0"/>
+                <a:ea typeface="Times New Roman" panose="02020603050405020304" pitchFamily="18" charset="0"/>
+                <a:cs typeface="Times New Roman" panose="02020603050405020304" pitchFamily="18" charset="0"/>
+              </a:rPr>
+              <a:t>artículos</a:t>
+            </a:r>
+            <a:r>
+              <a:rPr lang="es-ES" sz="2000" dirty="0">
+                <a:effectLst/>
+                <a:latin typeface="Arial" panose="020B0604020202020204" pitchFamily="34" charset="0"/>
+                <a:ea typeface="Times New Roman" panose="02020603050405020304" pitchFamily="18" charset="0"/>
+                <a:cs typeface="Times New Roman" panose="02020603050405020304" pitchFamily="18" charset="0"/>
+              </a:rPr>
+              <a:t> hasta su asignación a un número de revista.</a:t>
             </a:r>
           </a:p>
           <a:p>
@@ -12453,17 +13737,20 @@
                 <a:ea typeface="Times New Roman" panose="02020603050405020304" pitchFamily="18" charset="0"/>
                 <a:cs typeface="Times New Roman" panose="02020603050405020304" pitchFamily="18" charset="0"/>
               </a:rPr>
-              <a:t>Gestionar Autores y su información asociada (datos, documentos y perfil militar)</a:t>
+              <a:t>Gestionar </a:t>
             </a:r>
-          </a:p>
-          <a:p>
-            <a:pPr marL="800100" lvl="1" indent="-342900" algn="just">
-              <a:lnSpc>
-                <a:spcPct val="150000"/>
-              </a:lnSpc>
-              <a:buFont typeface="Symbol" panose="05050102010706020507" pitchFamily="18" charset="2"/>
-              <a:buChar char=""/>
-            </a:pPr>
+            <a:r>
+              <a:rPr lang="es-ES" sz="2000" b="1" dirty="0">
+                <a:solidFill>
+                  <a:srgbClr val="0070C0"/>
+                </a:solidFill>
+                <a:effectLst/>
+                <a:latin typeface="Arial" panose="020B0604020202020204" pitchFamily="34" charset="0"/>
+                <a:ea typeface="Times New Roman" panose="02020603050405020304" pitchFamily="18" charset="0"/>
+                <a:cs typeface="Times New Roman" panose="02020603050405020304" pitchFamily="18" charset="0"/>
+              </a:rPr>
+              <a:t>Autores</a:t>
+            </a:r>
             <a:r>
               <a:rPr lang="es-ES" sz="2000" dirty="0">
                 <a:effectLst/>
@@ -12471,7 +13758,67 @@
                 <a:ea typeface="Times New Roman" panose="02020603050405020304" pitchFamily="18" charset="0"/>
                 <a:cs typeface="Times New Roman" panose="02020603050405020304" pitchFamily="18" charset="0"/>
               </a:rPr>
-              <a:t>Registrar y gestionar consejeros, junto con sus evaluaciones de artículos.</a:t>
+              <a:t> y su información asociada (datos, documentos y perfil militar)</a:t>
+            </a:r>
+          </a:p>
+          <a:p>
+            <a:pPr marL="800100" lvl="1" indent="-342900" algn="just">
+              <a:lnSpc>
+                <a:spcPct val="150000"/>
+              </a:lnSpc>
+              <a:buFont typeface="Symbol" panose="05050102010706020507" pitchFamily="18" charset="2"/>
+              <a:buChar char=""/>
+            </a:pPr>
+            <a:r>
+              <a:rPr lang="es-ES" sz="2000" dirty="0">
+                <a:effectLst/>
+                <a:latin typeface="Arial" panose="020B0604020202020204" pitchFamily="34" charset="0"/>
+                <a:ea typeface="Times New Roman" panose="02020603050405020304" pitchFamily="18" charset="0"/>
+                <a:cs typeface="Times New Roman" panose="02020603050405020304" pitchFamily="18" charset="0"/>
+              </a:rPr>
+              <a:t>Registrar y gestionar </a:t>
+            </a:r>
+            <a:r>
+              <a:rPr lang="es-ES" sz="2000" b="1" dirty="0">
+                <a:solidFill>
+                  <a:srgbClr val="0070C0"/>
+                </a:solidFill>
+                <a:effectLst/>
+                <a:latin typeface="Arial" panose="020B0604020202020204" pitchFamily="34" charset="0"/>
+                <a:ea typeface="Times New Roman" panose="02020603050405020304" pitchFamily="18" charset="0"/>
+                <a:cs typeface="Times New Roman" panose="02020603050405020304" pitchFamily="18" charset="0"/>
+              </a:rPr>
+              <a:t>consejeros</a:t>
+            </a:r>
+            <a:r>
+              <a:rPr lang="es-ES" sz="2000" dirty="0">
+                <a:effectLst/>
+                <a:latin typeface="Arial" panose="020B0604020202020204" pitchFamily="34" charset="0"/>
+                <a:ea typeface="Times New Roman" panose="02020603050405020304" pitchFamily="18" charset="0"/>
+                <a:cs typeface="Times New Roman" panose="02020603050405020304" pitchFamily="18" charset="0"/>
+              </a:rPr>
+              <a:t>, junto con sus </a:t>
+            </a:r>
+            <a:r>
+              <a:rPr lang="es-ES" sz="2000" b="1" dirty="0">
+                <a:solidFill>
+                  <a:srgbClr val="0070C0"/>
+                </a:solidFill>
+                <a:effectLst/>
+                <a:latin typeface="Arial" panose="020B0604020202020204" pitchFamily="34" charset="0"/>
+                <a:ea typeface="Times New Roman" panose="02020603050405020304" pitchFamily="18" charset="0"/>
+                <a:cs typeface="Times New Roman" panose="02020603050405020304" pitchFamily="18" charset="0"/>
+              </a:rPr>
+              <a:t>evaluaciones</a:t>
+            </a:r>
+            <a:r>
+              <a:rPr lang="es-ES" sz="2000" dirty="0">
+                <a:effectLst/>
+                <a:latin typeface="Arial" panose="020B0604020202020204" pitchFamily="34" charset="0"/>
+                <a:ea typeface="Times New Roman" panose="02020603050405020304" pitchFamily="18" charset="0"/>
+                <a:cs typeface="Times New Roman" panose="02020603050405020304" pitchFamily="18" charset="0"/>
+              </a:rPr>
+              <a:t> de artículos.</a:t>
             </a:r>
           </a:p>
           <a:p>
@@ -12492,7 +13839,28 @@
                 <a:ea typeface="Times New Roman" panose="02020603050405020304" pitchFamily="18" charset="0"/>
                 <a:cs typeface="Times New Roman" panose="02020603050405020304" pitchFamily="18" charset="0"/>
               </a:rPr>
-              <a:t>Consolidar los artículos en Números de Revista, con control editorial básico.</a:t>
+              <a:t>Consolidar los artículos en </a:t>
+            </a:r>
+            <a:r>
+              <a:rPr lang="es-ES" sz="2000" b="1" dirty="0">
+                <a:solidFill>
+                  <a:srgbClr val="0070C0"/>
+                </a:solidFill>
+                <a:effectLst/>
+                <a:latin typeface="Arial" panose="020B0604020202020204" pitchFamily="34" charset="0"/>
+                <a:ea typeface="Times New Roman" panose="02020603050405020304" pitchFamily="18" charset="0"/>
+                <a:cs typeface="Times New Roman" panose="02020603050405020304" pitchFamily="18" charset="0"/>
+              </a:rPr>
+              <a:t>Números de Revista</a:t>
+            </a:r>
+            <a:r>
+              <a:rPr lang="es-ES" sz="2000" dirty="0">
+                <a:effectLst/>
+                <a:latin typeface="Arial" panose="020B0604020202020204" pitchFamily="34" charset="0"/>
+                <a:ea typeface="Times New Roman" panose="02020603050405020304" pitchFamily="18" charset="0"/>
+                <a:cs typeface="Times New Roman" panose="02020603050405020304" pitchFamily="18" charset="0"/>
+              </a:rPr>
+              <a:t>, con control editorial básico.</a:t>
             </a:r>
           </a:p>
           <a:p>

--- a/Presentaciones/Sprint 01_Review.pptx
+++ b/Presentaciones/Sprint 01_Review.pptx
@@ -18015,7 +18015,7 @@
         </p:nvSpPr>
         <p:spPr>
           <a:xfrm>
-            <a:off x="3749366" y="943642"/>
+            <a:off x="877649" y="942019"/>
             <a:ext cx="7667946" cy="2246769"/>
           </a:xfrm>
           <a:prstGeom prst="rect">
@@ -18068,6 +18068,68 @@
               <a:t>Gestión de Números de Revista</a:t>
             </a:r>
             <a:endParaRPr lang="es-ES" sz="2800" dirty="0"/>
+          </a:p>
+          <a:p>
+            <a:endParaRPr lang="es-ES" sz="2800" dirty="0"/>
+          </a:p>
+        </p:txBody>
+      </p:sp>
+      <p:sp>
+        <p:nvSpPr>
+          <p:cNvPr id="2" name="CuadroTexto 1">
+            <a:extLst>
+              <a:ext uri="{FF2B5EF4-FFF2-40B4-BE49-F238E27FC236}">
+                <a16:creationId xmlns:a16="http://schemas.microsoft.com/office/drawing/2014/main" id="{8F63AC8E-7E15-4CDF-405B-7A77C6633556}"/>
+              </a:ext>
+            </a:extLst>
+          </p:cNvPr>
+          <p:cNvSpPr txBox="1"/>
+          <p:nvPr/>
+        </p:nvSpPr>
+        <p:spPr>
+          <a:xfrm>
+            <a:off x="7821479" y="1022299"/>
+            <a:ext cx="4877250" cy="1815882"/>
+          </a:xfrm>
+          <a:prstGeom prst="rect">
+            <a:avLst/>
+          </a:prstGeom>
+          <a:noFill/>
+        </p:spPr>
+        <p:txBody>
+          <a:bodyPr wrap="square" rtlCol="0">
+            <a:spAutoFit/>
+          </a:bodyPr>
+          <a:lstStyle/>
+          <a:p>
+            <a:r>
+              <a:rPr lang="es-ES" sz="2800" b="1" dirty="0">
+                <a:solidFill>
+                  <a:srgbClr val="0070C0"/>
+                </a:solidFill>
+              </a:rPr>
+              <a:t>29 Tareas</a:t>
+            </a:r>
+          </a:p>
+          <a:p>
+            <a:pPr marL="457200" indent="-457200">
+              <a:buFont typeface="Arial" panose="020B0604020202020204" pitchFamily="34" charset="0"/>
+              <a:buChar char="•"/>
+            </a:pPr>
+            <a:r>
+              <a:rPr lang="es-ES" sz="2800" b="1" dirty="0"/>
+              <a:t>180 horas</a:t>
+            </a:r>
+          </a:p>
+          <a:p>
+            <a:pPr marL="457200" indent="-457200">
+              <a:buFont typeface="Arial" panose="020B0604020202020204" pitchFamily="34" charset="0"/>
+              <a:buChar char="•"/>
+            </a:pPr>
+            <a:r>
+              <a:rPr lang="es-ES" sz="2800" b="1" dirty="0"/>
+              <a:t>22 días</a:t>
+            </a:r>
           </a:p>
           <a:p>
             <a:endParaRPr lang="es-ES" sz="2800" dirty="0"/>

--- a/Presentaciones/Sprint 01_Review.pptx
+++ b/Presentaciones/Sprint 01_Review.pptx
@@ -11194,6 +11194,179 @@
                 <a:srgbClr val="000000"/>
               </a:solidFill>
               <a:latin typeface="Arial"/>
+            </a:endParaRPr>
+          </a:p>
+        </p:txBody>
+      </p:sp>
+      <p:sp>
+        <p:nvSpPr>
+          <p:cNvPr id="4" name="CuadroTexto 3">
+            <a:extLst>
+              <a:ext uri="{FF2B5EF4-FFF2-40B4-BE49-F238E27FC236}">
+                <a16:creationId xmlns:a16="http://schemas.microsoft.com/office/drawing/2014/main" id="{67688670-4E32-F302-2604-41D36F47DEC0}"/>
+              </a:ext>
+            </a:extLst>
+          </p:cNvPr>
+          <p:cNvSpPr txBox="1"/>
+          <p:nvPr/>
+        </p:nvSpPr>
+        <p:spPr>
+          <a:xfrm>
+            <a:off x="610920" y="1547010"/>
+            <a:ext cx="10970160" cy="4167488"/>
+          </a:xfrm>
+          <a:prstGeom prst="rect">
+            <a:avLst/>
+          </a:prstGeom>
+          <a:noFill/>
+        </p:spPr>
+        <p:txBody>
+          <a:bodyPr wrap="square">
+            <a:spAutoFit/>
+          </a:bodyPr>
+          <a:lstStyle/>
+          <a:p>
+            <a:pPr indent="288290" algn="just">
+              <a:lnSpc>
+                <a:spcPct val="150000"/>
+              </a:lnSpc>
+              <a:spcBef>
+                <a:spcPts val="900"/>
+              </a:spcBef>
+              <a:spcAft>
+                <a:spcPts val="900"/>
+              </a:spcAft>
+            </a:pPr>
+            <a:r>
+              <a:rPr lang="es-ES" sz="2800" b="1" dirty="0">
+                <a:latin typeface="Arial" panose="020B0604020202020204" pitchFamily="34" charset="0"/>
+                <a:ea typeface="Times New Roman" panose="02020603050405020304" pitchFamily="18" charset="0"/>
+                <a:cs typeface="Times New Roman" panose="02020603050405020304" pitchFamily="18" charset="0"/>
+              </a:rPr>
+              <a:t>Enlaces aplicación en servidor SEATTD</a:t>
+            </a:r>
+            <a:r>
+              <a:rPr lang="es-ES" sz="2800" b="1" dirty="0">
+                <a:effectLst/>
+                <a:latin typeface="Arial" panose="020B0604020202020204" pitchFamily="34" charset="0"/>
+                <a:ea typeface="Times New Roman" panose="02020603050405020304" pitchFamily="18" charset="0"/>
+                <a:cs typeface="Times New Roman" panose="02020603050405020304" pitchFamily="18" charset="0"/>
+              </a:rPr>
+              <a:t>: </a:t>
+            </a:r>
+          </a:p>
+          <a:p>
+            <a:pPr lvl="2" indent="288290" algn="just">
+              <a:lnSpc>
+                <a:spcPct val="150000"/>
+              </a:lnSpc>
+              <a:spcBef>
+                <a:spcPts val="900"/>
+              </a:spcBef>
+              <a:spcAft>
+                <a:spcPts val="900"/>
+              </a:spcAft>
+            </a:pPr>
+            <a:endParaRPr lang="es-ES" sz="2800" b="1" dirty="0">
+              <a:latin typeface="Arial" panose="020B0604020202020204" pitchFamily="34" charset="0"/>
+              <a:ea typeface="Times New Roman" panose="02020603050405020304" pitchFamily="18" charset="0"/>
+              <a:cs typeface="Times New Roman" panose="02020603050405020304" pitchFamily="18" charset="0"/>
+            </a:endParaRPr>
+          </a:p>
+          <a:p>
+            <a:pPr lvl="2" indent="288290" algn="just">
+              <a:lnSpc>
+                <a:spcPct val="150000"/>
+              </a:lnSpc>
+              <a:spcBef>
+                <a:spcPts val="900"/>
+              </a:spcBef>
+              <a:spcAft>
+                <a:spcPts val="900"/>
+              </a:spcAft>
+            </a:pPr>
+            <a:r>
+              <a:rPr lang="es-ES" sz="2800" dirty="0">
+                <a:latin typeface="Arial" panose="020B0604020202020204" pitchFamily="34" charset="0"/>
+                <a:ea typeface="Times New Roman" panose="02020603050405020304" pitchFamily="18" charset="0"/>
+                <a:cs typeface="Times New Roman" panose="02020603050405020304" pitchFamily="18" charset="0"/>
+              </a:rPr>
+              <a:t>Pruebas</a:t>
+            </a:r>
+            <a:r>
+              <a:rPr lang="es-ES" sz="2800" b="1" dirty="0">
+                <a:latin typeface="Arial" panose="020B0604020202020204" pitchFamily="34" charset="0"/>
+                <a:ea typeface="Times New Roman" panose="02020603050405020304" pitchFamily="18" charset="0"/>
+                <a:cs typeface="Times New Roman" panose="02020603050405020304" pitchFamily="18" charset="0"/>
+              </a:rPr>
+              <a:t>: </a:t>
+            </a:r>
+            <a:r>
+              <a:rPr lang="es-ES" sz="2800" dirty="0">
+                <a:hlinkClick r:id="rId5"/>
+              </a:rPr>
+              <a:t>http://srvcgewww77:9080/nabu/index.html</a:t>
+            </a:r>
+            <a:endParaRPr lang="es-ES" sz="2800" dirty="0"/>
+          </a:p>
+          <a:p>
+            <a:pPr lvl="2" indent="288290" algn="just">
+              <a:lnSpc>
+                <a:spcPct val="150000"/>
+              </a:lnSpc>
+              <a:spcBef>
+                <a:spcPts val="900"/>
+              </a:spcBef>
+              <a:spcAft>
+                <a:spcPts val="900"/>
+              </a:spcAft>
+            </a:pPr>
+            <a:r>
+              <a:rPr lang="es-ES" sz="2800" dirty="0">
+                <a:latin typeface="Arial" panose="020B0604020202020204" pitchFamily="34" charset="0"/>
+                <a:ea typeface="Times New Roman" panose="02020603050405020304" pitchFamily="18" charset="0"/>
+                <a:cs typeface="Times New Roman" panose="02020603050405020304" pitchFamily="18" charset="0"/>
+              </a:rPr>
+              <a:t>Desarrollo</a:t>
+            </a:r>
+            <a:r>
+              <a:rPr lang="es-ES" sz="2800" b="1" dirty="0">
+                <a:latin typeface="Arial" panose="020B0604020202020204" pitchFamily="34" charset="0"/>
+                <a:ea typeface="Times New Roman" panose="02020603050405020304" pitchFamily="18" charset="0"/>
+                <a:cs typeface="Times New Roman" panose="02020603050405020304" pitchFamily="18" charset="0"/>
+              </a:rPr>
+              <a:t>: </a:t>
+            </a:r>
+            <a:r>
+              <a:rPr lang="es-ES" sz="2800" dirty="0">
+                <a:hlinkClick r:id="rId6"/>
+              </a:rPr>
+              <a:t>http://srvcgewww76:9080/nabu/index.html</a:t>
+            </a:r>
+            <a:endParaRPr lang="es-ES" sz="2800" b="1" dirty="0">
+              <a:effectLst/>
+              <a:latin typeface="Arial" panose="020B0604020202020204" pitchFamily="34" charset="0"/>
+              <a:ea typeface="Times New Roman" panose="02020603050405020304" pitchFamily="18" charset="0"/>
+              <a:cs typeface="Times New Roman" panose="02020603050405020304" pitchFamily="18" charset="0"/>
+            </a:endParaRPr>
+          </a:p>
+          <a:p>
+            <a:pPr lvl="2" indent="288290" algn="just">
+              <a:lnSpc>
+                <a:spcPct val="150000"/>
+              </a:lnSpc>
+              <a:spcBef>
+                <a:spcPts val="900"/>
+              </a:spcBef>
+              <a:spcAft>
+                <a:spcPts val="900"/>
+              </a:spcAft>
+            </a:pPr>
+            <a:endParaRPr lang="es-ES" sz="2800" b="1" dirty="0">
+              <a:effectLst/>
+              <a:latin typeface="Arial" panose="020B0604020202020204" pitchFamily="34" charset="0"/>
+              <a:ea typeface="Times New Roman" panose="02020603050405020304" pitchFamily="18" charset="0"/>
+              <a:cs typeface="Times New Roman" panose="02020603050405020304" pitchFamily="18" charset="0"/>
             </a:endParaRPr>
           </a:p>
         </p:txBody>
